--- a/Lecture9/시뮬레이션_기초_실습_lecture9.pptx
+++ b/Lecture9/시뮬레이션_기초_실습_lecture9.pptx
@@ -181,7 +181,7 @@
   </p:defaultTextStyle>
   <p:extLst>
     <p:ext uri="{EFAFB233-063F-42B5-8137-9DF3F51BA10A}">
-      <p15:sldGuideLst xmlns="" xmlns:p15="http://schemas.microsoft.com/office/powerpoint/2012/main">
+      <p15:sldGuideLst xmlns:p15="http://schemas.microsoft.com/office/powerpoint/2012/main">
         <p15:guide id="1" orient="horz" pos="2160">
           <p15:clr>
             <a:srgbClr val="A4A3A4"/>
@@ -195,7 +195,7 @@
       </p15:sldGuideLst>
     </p:ext>
     <p:ext uri="{2D200454-40CA-4A62-9FC3-DE9A4176ACB9}">
-      <p15:notesGuideLst xmlns="" xmlns:p15="http://schemas.microsoft.com/office/powerpoint/2012/main">
+      <p15:notesGuideLst xmlns:p15="http://schemas.microsoft.com/office/powerpoint/2012/main">
         <p15:guide id="1" orient="horz" pos="2928">
           <p15:clr>
             <a:srgbClr val="A4A3A4"/>
@@ -210,6 +210,76 @@
     </p:ext>
   </p:extLst>
 </p:presentation>
+</file>
+
+<file path=ppt/ink/ink1.xml><?xml version="1.0" encoding="utf-8"?>
+<inkml:ink xmlns:inkml="http://www.w3.org/2003/InkML">
+  <inkml:definitions>
+    <inkml:context xml:id="ctx0">
+      <inkml:inkSource xml:id="inkSrc0">
+        <inkml:traceFormat>
+          <inkml:channel name="X" type="integer" max="3840" units="cm"/>
+          <inkml:channel name="Y" type="integer" max="1080" units="cm"/>
+          <inkml:channel name="T" type="integer" max="2.14748E9" units="dev"/>
+        </inkml:traceFormat>
+        <inkml:channelProperties>
+          <inkml:channelProperty channel="X" name="resolution" value="111.62791" units="1/cm"/>
+          <inkml:channelProperty channel="Y" name="resolution" value="55.6701" units="1/cm"/>
+          <inkml:channelProperty channel="T" name="resolution" value="1" units="1/dev"/>
+        </inkml:channelProperties>
+      </inkml:inkSource>
+      <inkml:timestamp xml:id="ts0" timeString="2019-04-10T01:37:49.622"/>
+    </inkml:context>
+    <inkml:brush xml:id="br0">
+      <inkml:brushProperty name="width" value="0.05292" units="cm"/>
+      <inkml:brushProperty name="height" value="0.05292" units="cm"/>
+      <inkml:brushProperty name="color" value="#FF0000"/>
+    </inkml:brush>
+  </inkml:definitions>
+  <inkml:trace contextRef="#ctx0" brushRef="#br0">1446 5274 0,'-17'0'16,"-1"0"0,0 35-16,-52 1 15,-1-1 16,71-17-31,-53 34 16,1 19 0,-37 35-1,19-36 1,17 1 0,18-1-1,17-52 1,0 0-1,36-18 79,0 0-94,34-18 16,90 0-1,-125 18-15,107-17 16,52-1 0,-35 1-1,-53-1 1,-70 18 0,17 0 15,-35-18-16,18 18 17,-18-17 46,0-1-78,-18 18 15,18-18-15,-70-52 16,-18-18 0,-36-1-1,18 37 1,18-1 0,18 35-1,-36 0 1,17 1-1,19-1 1,17 18 0,53 18 93,0-1-109,0 19 16,0-19-16,35 89 15,1 0 1,-1 17 0,18-34-1,-18-1 1,0-18-1,1-34 1,-1 34 0,-17-17-1,17-35 1,-18-1 15,1 19-15,0-36-1,17 35 1,-17-35 0,-18 18-1,17-18 1,-17-18 31,0 0-47,18-17 15,-18 0 1,18-36 0,-1 1-1,-17-19 1,0 72-16,18-107 31,-18 18-15,0 36-1,0 17 1,0 0 0,0 0-1,0-17 1,0-1 0,0 36-1</inkml:trace>
+</inkml:ink>
+</file>
+
+<file path=ppt/ink/ink2.xml><?xml version="1.0" encoding="utf-8"?>
+<inkml:ink xmlns:inkml="http://www.w3.org/2003/InkML">
+  <inkml:definitions>
+    <inkml:context xml:id="ctx0">
+      <inkml:inkSource xml:id="inkSrc0">
+        <inkml:traceFormat>
+          <inkml:channel name="X" type="integer" max="3840" units="cm"/>
+          <inkml:channel name="Y" type="integer" max="1080" units="cm"/>
+          <inkml:channel name="T" type="integer" max="2.14748E9" units="dev"/>
+        </inkml:traceFormat>
+        <inkml:channelProperties>
+          <inkml:channelProperty channel="X" name="resolution" value="111.62791" units="1/cm"/>
+          <inkml:channelProperty channel="Y" name="resolution" value="55.6701" units="1/cm"/>
+          <inkml:channelProperty channel="T" name="resolution" value="1" units="1/dev"/>
+        </inkml:channelProperties>
+      </inkml:inkSource>
+      <inkml:timestamp xml:id="ts0" timeString="2019-04-10T01:38:18.381"/>
+    </inkml:context>
+    <inkml:brush xml:id="br0">
+      <inkml:brushProperty name="width" value="0.05292" units="cm"/>
+      <inkml:brushProperty name="height" value="0.05292" units="cm"/>
+      <inkml:brushProperty name="color" value="#FF0000"/>
+    </inkml:brush>
+  </inkml:definitions>
+  <inkml:trace contextRef="#ctx0" brushRef="#br0">12136 16422 0,'-53'0'16,"17"0"-16,-87-35 16,17-18-1,-17-36 1,17-16-1,53 16 1,0 19 0,0-36-1,18 18 1,35 0 0,0 17-1,0 18 1,0 18 15,53 0-15,0-1-1,-18 19 1,18 17 0,17 0-1,19 0 1,-1 0-1,0 0 1,0 17 0,-35 19-1,0 17 1,0-1 0,17 19-1,-34 0 1,-19-1 15,-17-17-15,0 0-1,-17 17 1,-36 19 0,-35-1-1,-18 18 1,0-18-1,18-18 1,35-34 0,35-36-1</inkml:trace>
+  <inkml:trace contextRef="#ctx0" brushRef="#br0" timeOffset="801.521">12735 15363 0,'0'-17'15,"18"17"32,0 0-47,-1 0 0,54 0 16,-1 0-1,-17 0 1,-17 0 0</inkml:trace>
+  <inkml:trace contextRef="#ctx0" brushRef="#br0" timeOffset="1233.512">12665 15505 0,'17'0'32,"54"0"-17,-36 0-15,71 0 16,-18 17 0,-35 1-1,-53 0 32,-17 34-31,-1-34-16,-70 53 15,-36 17 1,36 0 0,35-35-1,35-35 1,36-18 15,0-18-15</inkml:trace>
+  <inkml:trace contextRef="#ctx0" brushRef="#br0" timeOffset="1434.879">12947 15769 0,'0'0'0,"0"35"31,0 1-31,0 34 16,35-17-1,-17-18 1,0-35 0,17 18-1,-18-18 1</inkml:trace>
+  <inkml:trace contextRef="#ctx0" brushRef="#br0" timeOffset="1600.664">13123 15752 0,'18'0'63,"0"0"-63,-1 0 15,1 0-15,52 0 16,-17 0-16</inkml:trace>
+  <inkml:trace contextRef="#ctx0" brushRef="#br0" timeOffset="1834.007">13494 15522 0,'0'18'16,"0"0"-16,-36 34 15,1 37 1,18-1 0,-1 18 15,0-53-16,1-18-15</inkml:trace>
+  <inkml:trace contextRef="#ctx0" brushRef="#br0" timeOffset="2402.039">13829 15452 0,'-18'0'16,"1"0"0,-36-18-1,-35 18 1,52 18 0,1 17-1,17-35-15,18 53 16,0-18-1,0 0 1,89-17 0,34-18-1,-35 0 1,-35-35 0,-53-18 15,0-18-16,-70 1 1,-1-1 0,18 54-1,0 17 1,18 17 0</inkml:trace>
+  <inkml:trace contextRef="#ctx0" brushRef="#br0" timeOffset="2698.725">13212 15804 0,'105'0'31,"-87"0"-31,176 0 16,53 0-1,-18 0 1,-52 36 0,-71-36-1</inkml:trace>
+  <inkml:trace contextRef="#ctx0" brushRef="#br0" timeOffset="2968.931">13670 15998 0,'0'0'0,"-17"0"16,-19 89-1,19-19 1,17-52-16,0 52 16,0-17-1,0-35 1,35-18-1</inkml:trace>
+  <inkml:trace contextRef="#ctx0" brushRef="#br0" timeOffset="3303.242">13723 16069 0,'0'-18'16,"0"36"-16,18-36 0,-18 1 15,17 17-15,54 0 16,35 0 0,0 53-1,-1 17 1,-69 1 0,-36-18-1,0 0 1,-71 0-1,-17-18 1,-36-35 0,36 0-1,18-18 1,17 18 15,53-17-31</inkml:trace>
+  <inkml:trace contextRef="#ctx0" brushRef="#br0" timeOffset="4171.158">14482 15628 0,'0'-18'0,"0"-70"31,0 71-31,0-1 0,35 0 16,71-17-1,-1 17 17,1 54-17,-53 34 1,-53 18-1,-17-17 1,-72 17 0,-34-35-1,70-53 1,35 0 0,36 0 30,0 0-46,-1 0 0,71 0 16,36 18 0,-36 35-1,-53 17 17,-17-17-17,-18 0 1,-53 0-1,-35 0 1,-53-35 0,17-1-1,124 1 1</inkml:trace>
+  <inkml:trace contextRef="#ctx0" brushRef="#br0" timeOffset="4553.895">15011 15769 0,'0'-17'0,"0"-1"15,17-17 1,36 17 0,35-17-1,54 17 1,-19 18 0,-88 18-1,1 17 1,-36 36-1,-18 17 1,-17 0 0,35-18 15,0-34-15</inkml:trace>
+  <inkml:trace contextRef="#ctx0" brushRef="#br0" timeOffset="4815.649">15857 15628 0,'0'18'31,"0"-1"-16,0 19-15,0 52 16,0 0 0,0-17-1,0-36 17,0-18-17</inkml:trace>
+  <inkml:trace contextRef="#ctx0" brushRef="#br0" timeOffset="5004.932">15893 15840 0,'17'0'0,"1"0"16,17-18-1,0 0 1,1 18 0,-19-17-1</inkml:trace>
+  <inkml:trace contextRef="#ctx0" brushRef="#br0" timeOffset="5221.521">16104 15663 0,'0'18'16,"0"0"-16,0 35 16,-17 17-1,17-52-15,0 88 16,0-18-1,0-18 1</inkml:trace>
+</inkml:ink>
 </file>
 
 <file path=ppt/notesMasters/notesMaster1.xml><?xml version="1.0" encoding="utf-8"?>
@@ -430,35 +500,35 @@
           <a:p>
             <a:pPr lvl="0"/>
             <a:r>
-              <a:rPr lang="en-US" noProof="0" smtClean="0"/>
+              <a:rPr lang="en-US" noProof="0"/>
               <a:t>Click to edit Master text styles</a:t>
             </a:r>
           </a:p>
           <a:p>
             <a:pPr lvl="1"/>
             <a:r>
-              <a:rPr lang="en-US" noProof="0" smtClean="0"/>
+              <a:rPr lang="en-US" noProof="0"/>
               <a:t>Second level</a:t>
             </a:r>
           </a:p>
           <a:p>
             <a:pPr lvl="2"/>
             <a:r>
-              <a:rPr lang="en-US" noProof="0" smtClean="0"/>
+              <a:rPr lang="en-US" noProof="0"/>
               <a:t>Third level</a:t>
             </a:r>
           </a:p>
           <a:p>
             <a:pPr lvl="3"/>
             <a:r>
-              <a:rPr lang="en-US" noProof="0" smtClean="0"/>
+              <a:rPr lang="en-US" noProof="0"/>
               <a:t>Fourth level</a:t>
             </a:r>
           </a:p>
           <a:p>
             <a:pPr lvl="4"/>
             <a:r>
-              <a:rPr lang="en-US" noProof="0" smtClean="0"/>
+              <a:rPr lang="en-US" noProof="0"/>
               <a:t>Fifth level</a:t>
             </a:r>
           </a:p>
@@ -959,7 +1029,7 @@
                 <a:spcPct val="0"/>
               </a:spcBef>
             </a:pPr>
-            <a:endParaRPr lang="ko-KR" altLang="ko-KR" sz="1800" smtClean="0">
+            <a:endParaRPr lang="ko-KR" altLang="ko-KR" sz="1800">
               <a:latin typeface="Arial" panose="020B0604020202020204" pitchFamily="34" charset="0"/>
               <a:ea typeface="ＭＳ Ｐゴシック" pitchFamily="34" charset="-128"/>
             </a:endParaRPr>
@@ -2689,7 +2759,7 @@
               <a:buChar char="§"/>
               <a:defRPr/>
             </a:pPr>
-            <a:endParaRPr lang="en-US" altLang="ko-KR" smtClean="0"/>
+            <a:endParaRPr lang="en-US" altLang="ko-KR"/>
           </a:p>
         </p:txBody>
       </p:sp>
@@ -2935,10 +3005,9 @@
           <a:lstStyle/>
           <a:p>
             <a:r>
-              <a:rPr lang="en-US" smtClean="0"/>
+              <a:rPr lang="en-US"/>
               <a:t>Click to edit Master title style</a:t>
             </a:r>
-            <a:endParaRPr lang="en-US"/>
           </a:p>
         </p:txBody>
       </p:sp>
@@ -2959,38 +3028,37 @@
           <a:p>
             <a:pPr lvl="0"/>
             <a:r>
-              <a:rPr lang="en-US" smtClean="0"/>
+              <a:rPr lang="en-US"/>
               <a:t>Click to edit Master text styles</a:t>
             </a:r>
           </a:p>
           <a:p>
             <a:pPr lvl="1"/>
             <a:r>
-              <a:rPr lang="en-US" smtClean="0"/>
+              <a:rPr lang="en-US"/>
               <a:t>Second level</a:t>
             </a:r>
           </a:p>
           <a:p>
             <a:pPr lvl="2"/>
             <a:r>
-              <a:rPr lang="en-US" smtClean="0"/>
+              <a:rPr lang="en-US"/>
               <a:t>Third level</a:t>
             </a:r>
           </a:p>
           <a:p>
             <a:pPr lvl="3"/>
             <a:r>
-              <a:rPr lang="en-US" smtClean="0"/>
+              <a:rPr lang="en-US"/>
               <a:t>Fourth level</a:t>
             </a:r>
           </a:p>
           <a:p>
             <a:pPr lvl="4"/>
             <a:r>
-              <a:rPr lang="en-US" smtClean="0"/>
+              <a:rPr lang="en-US"/>
               <a:t>Fifth level</a:t>
             </a:r>
-            <a:endParaRPr lang="en-US"/>
           </a:p>
         </p:txBody>
       </p:sp>
@@ -3079,10 +3147,9 @@
           <a:lstStyle/>
           <a:p>
             <a:r>
-              <a:rPr lang="en-US" smtClean="0"/>
+              <a:rPr lang="en-US"/>
               <a:t>Click to edit Master title style</a:t>
             </a:r>
-            <a:endParaRPr lang="en-US"/>
           </a:p>
         </p:txBody>
       </p:sp>
@@ -3108,38 +3175,37 @@
           <a:p>
             <a:pPr lvl="0"/>
             <a:r>
-              <a:rPr lang="en-US" smtClean="0"/>
+              <a:rPr lang="en-US"/>
               <a:t>Click to edit Master text styles</a:t>
             </a:r>
           </a:p>
           <a:p>
             <a:pPr lvl="1"/>
             <a:r>
-              <a:rPr lang="en-US" smtClean="0"/>
+              <a:rPr lang="en-US"/>
               <a:t>Second level</a:t>
             </a:r>
           </a:p>
           <a:p>
             <a:pPr lvl="2"/>
             <a:r>
-              <a:rPr lang="en-US" smtClean="0"/>
+              <a:rPr lang="en-US"/>
               <a:t>Third level</a:t>
             </a:r>
           </a:p>
           <a:p>
             <a:pPr lvl="3"/>
             <a:r>
-              <a:rPr lang="en-US" smtClean="0"/>
+              <a:rPr lang="en-US"/>
               <a:t>Fourth level</a:t>
             </a:r>
           </a:p>
           <a:p>
             <a:pPr lvl="4"/>
             <a:r>
-              <a:rPr lang="en-US" smtClean="0"/>
+              <a:rPr lang="en-US"/>
               <a:t>Fifth level</a:t>
             </a:r>
-            <a:endParaRPr lang="en-US"/>
           </a:p>
         </p:txBody>
       </p:sp>
@@ -3277,10 +3343,9 @@
           <a:lstStyle/>
           <a:p>
             <a:r>
-              <a:rPr lang="en-US" smtClean="0"/>
+              <a:rPr lang="en-US"/>
               <a:t>Click to edit Master title style</a:t>
             </a:r>
-            <a:endParaRPr lang="en-US"/>
           </a:p>
         </p:txBody>
       </p:sp>
@@ -3301,38 +3366,37 @@
           <a:p>
             <a:pPr lvl="0"/>
             <a:r>
-              <a:rPr lang="en-US" smtClean="0"/>
+              <a:rPr lang="en-US"/>
               <a:t>Click to edit Master text styles</a:t>
             </a:r>
           </a:p>
           <a:p>
             <a:pPr lvl="1"/>
             <a:r>
-              <a:rPr lang="en-US" smtClean="0"/>
+              <a:rPr lang="en-US"/>
               <a:t>Second level</a:t>
             </a:r>
           </a:p>
           <a:p>
             <a:pPr lvl="2"/>
             <a:r>
-              <a:rPr lang="en-US" smtClean="0"/>
+              <a:rPr lang="en-US"/>
               <a:t>Third level</a:t>
             </a:r>
           </a:p>
           <a:p>
             <a:pPr lvl="3"/>
             <a:r>
-              <a:rPr lang="en-US" smtClean="0"/>
+              <a:rPr lang="en-US"/>
               <a:t>Fourth level</a:t>
             </a:r>
           </a:p>
           <a:p>
             <a:pPr lvl="4"/>
             <a:r>
-              <a:rPr lang="en-US" smtClean="0"/>
+              <a:rPr lang="en-US"/>
               <a:t>Fifth level</a:t>
             </a:r>
-            <a:endParaRPr lang="en-US"/>
           </a:p>
         </p:txBody>
       </p:sp>
@@ -3428,10 +3492,9 @@
           </a:lstStyle>
           <a:p>
             <a:r>
-              <a:rPr lang="en-US" smtClean="0"/>
+              <a:rPr lang="en-US"/>
               <a:t>Click to edit Master title style</a:t>
             </a:r>
-            <a:endParaRPr lang="en-US"/>
           </a:p>
         </p:txBody>
       </p:sp>
@@ -3494,7 +3557,7 @@
           <a:p>
             <a:pPr lvl="0"/>
             <a:r>
-              <a:rPr lang="en-US" smtClean="0"/>
+              <a:rPr lang="en-US"/>
               <a:t>Click to edit Master text styles</a:t>
             </a:r>
           </a:p>
@@ -3583,10 +3646,9 @@
           <a:lstStyle/>
           <a:p>
             <a:r>
-              <a:rPr lang="en-US" smtClean="0"/>
+              <a:rPr lang="en-US"/>
               <a:t>Click to edit Master title style</a:t>
             </a:r>
-            <a:endParaRPr lang="en-US"/>
           </a:p>
         </p:txBody>
       </p:sp>
@@ -3640,38 +3702,37 @@
           <a:p>
             <a:pPr lvl="0"/>
             <a:r>
-              <a:rPr lang="en-US" smtClean="0"/>
+              <a:rPr lang="en-US"/>
               <a:t>Click to edit Master text styles</a:t>
             </a:r>
           </a:p>
           <a:p>
             <a:pPr lvl="1"/>
             <a:r>
-              <a:rPr lang="en-US" smtClean="0"/>
+              <a:rPr lang="en-US"/>
               <a:t>Second level</a:t>
             </a:r>
           </a:p>
           <a:p>
             <a:pPr lvl="2"/>
             <a:r>
-              <a:rPr lang="en-US" smtClean="0"/>
+              <a:rPr lang="en-US"/>
               <a:t>Third level</a:t>
             </a:r>
           </a:p>
           <a:p>
             <a:pPr lvl="3"/>
             <a:r>
-              <a:rPr lang="en-US" smtClean="0"/>
+              <a:rPr lang="en-US"/>
               <a:t>Fourth level</a:t>
             </a:r>
           </a:p>
           <a:p>
             <a:pPr lvl="4"/>
             <a:r>
-              <a:rPr lang="en-US" smtClean="0"/>
+              <a:rPr lang="en-US"/>
               <a:t>Fifth level</a:t>
             </a:r>
-            <a:endParaRPr lang="en-US"/>
           </a:p>
         </p:txBody>
       </p:sp>
@@ -3725,38 +3786,37 @@
           <a:p>
             <a:pPr lvl="0"/>
             <a:r>
-              <a:rPr lang="en-US" smtClean="0"/>
+              <a:rPr lang="en-US"/>
               <a:t>Click to edit Master text styles</a:t>
             </a:r>
           </a:p>
           <a:p>
             <a:pPr lvl="1"/>
             <a:r>
-              <a:rPr lang="en-US" smtClean="0"/>
+              <a:rPr lang="en-US"/>
               <a:t>Second level</a:t>
             </a:r>
           </a:p>
           <a:p>
             <a:pPr lvl="2"/>
             <a:r>
-              <a:rPr lang="en-US" smtClean="0"/>
+              <a:rPr lang="en-US"/>
               <a:t>Third level</a:t>
             </a:r>
           </a:p>
           <a:p>
             <a:pPr lvl="3"/>
             <a:r>
-              <a:rPr lang="en-US" smtClean="0"/>
+              <a:rPr lang="en-US"/>
               <a:t>Fourth level</a:t>
             </a:r>
           </a:p>
           <a:p>
             <a:pPr lvl="4"/>
             <a:r>
-              <a:rPr lang="en-US" smtClean="0"/>
+              <a:rPr lang="en-US"/>
               <a:t>Fifth level</a:t>
             </a:r>
-            <a:endParaRPr lang="en-US"/>
           </a:p>
         </p:txBody>
       </p:sp>
@@ -3852,10 +3912,9 @@
           </a:lstStyle>
           <a:p>
             <a:r>
-              <a:rPr lang="en-US" smtClean="0"/>
+              <a:rPr lang="en-US"/>
               <a:t>Click to edit Master title style</a:t>
             </a:r>
-            <a:endParaRPr lang="en-US"/>
           </a:p>
         </p:txBody>
       </p:sp>
@@ -3918,7 +3977,7 @@
           <a:p>
             <a:pPr lvl="0"/>
             <a:r>
-              <a:rPr lang="en-US" smtClean="0"/>
+              <a:rPr lang="en-US"/>
               <a:t>Click to edit Master text styles</a:t>
             </a:r>
           </a:p>
@@ -3974,38 +4033,37 @@
           <a:p>
             <a:pPr lvl="0"/>
             <a:r>
-              <a:rPr lang="en-US" smtClean="0"/>
+              <a:rPr lang="en-US"/>
               <a:t>Click to edit Master text styles</a:t>
             </a:r>
           </a:p>
           <a:p>
             <a:pPr lvl="1"/>
             <a:r>
-              <a:rPr lang="en-US" smtClean="0"/>
+              <a:rPr lang="en-US"/>
               <a:t>Second level</a:t>
             </a:r>
           </a:p>
           <a:p>
             <a:pPr lvl="2"/>
             <a:r>
-              <a:rPr lang="en-US" smtClean="0"/>
+              <a:rPr lang="en-US"/>
               <a:t>Third level</a:t>
             </a:r>
           </a:p>
           <a:p>
             <a:pPr lvl="3"/>
             <a:r>
-              <a:rPr lang="en-US" smtClean="0"/>
+              <a:rPr lang="en-US"/>
               <a:t>Fourth level</a:t>
             </a:r>
           </a:p>
           <a:p>
             <a:pPr lvl="4"/>
             <a:r>
-              <a:rPr lang="en-US" smtClean="0"/>
+              <a:rPr lang="en-US"/>
               <a:t>Fifth level</a:t>
             </a:r>
-            <a:endParaRPr lang="en-US"/>
           </a:p>
         </p:txBody>
       </p:sp>
@@ -4068,7 +4126,7 @@
           <a:p>
             <a:pPr lvl="0"/>
             <a:r>
-              <a:rPr lang="en-US" smtClean="0"/>
+              <a:rPr lang="en-US"/>
               <a:t>Click to edit Master text styles</a:t>
             </a:r>
           </a:p>
@@ -4124,38 +4182,37 @@
           <a:p>
             <a:pPr lvl="0"/>
             <a:r>
-              <a:rPr lang="en-US" smtClean="0"/>
+              <a:rPr lang="en-US"/>
               <a:t>Click to edit Master text styles</a:t>
             </a:r>
           </a:p>
           <a:p>
             <a:pPr lvl="1"/>
             <a:r>
-              <a:rPr lang="en-US" smtClean="0"/>
+              <a:rPr lang="en-US"/>
               <a:t>Second level</a:t>
             </a:r>
           </a:p>
           <a:p>
             <a:pPr lvl="2"/>
             <a:r>
-              <a:rPr lang="en-US" smtClean="0"/>
+              <a:rPr lang="en-US"/>
               <a:t>Third level</a:t>
             </a:r>
           </a:p>
           <a:p>
             <a:pPr lvl="3"/>
             <a:r>
-              <a:rPr lang="en-US" smtClean="0"/>
+              <a:rPr lang="en-US"/>
               <a:t>Fourth level</a:t>
             </a:r>
           </a:p>
           <a:p>
             <a:pPr lvl="4"/>
             <a:r>
-              <a:rPr lang="en-US" smtClean="0"/>
+              <a:rPr lang="en-US"/>
               <a:t>Fifth level</a:t>
             </a:r>
-            <a:endParaRPr lang="en-US"/>
           </a:p>
         </p:txBody>
       </p:sp>
@@ -4239,10 +4296,9 @@
           <a:lstStyle/>
           <a:p>
             <a:r>
-              <a:rPr lang="en-US" smtClean="0"/>
+              <a:rPr lang="en-US"/>
               <a:t>Click to edit Master title style</a:t>
             </a:r>
-            <a:endParaRPr lang="en-US"/>
           </a:p>
         </p:txBody>
       </p:sp>
@@ -4399,10 +4455,9 @@
           </a:lstStyle>
           <a:p>
             <a:r>
-              <a:rPr lang="en-US" smtClean="0"/>
+              <a:rPr lang="en-US"/>
               <a:t>Click to edit Master title style</a:t>
             </a:r>
-            <a:endParaRPr lang="en-US"/>
           </a:p>
         </p:txBody>
       </p:sp>
@@ -4456,38 +4511,37 @@
           <a:p>
             <a:pPr lvl="0"/>
             <a:r>
-              <a:rPr lang="en-US" smtClean="0"/>
+              <a:rPr lang="en-US"/>
               <a:t>Click to edit Master text styles</a:t>
             </a:r>
           </a:p>
           <a:p>
             <a:pPr lvl="1"/>
             <a:r>
-              <a:rPr lang="en-US" smtClean="0"/>
+              <a:rPr lang="en-US"/>
               <a:t>Second level</a:t>
             </a:r>
           </a:p>
           <a:p>
             <a:pPr lvl="2"/>
             <a:r>
-              <a:rPr lang="en-US" smtClean="0"/>
+              <a:rPr lang="en-US"/>
               <a:t>Third level</a:t>
             </a:r>
           </a:p>
           <a:p>
             <a:pPr lvl="3"/>
             <a:r>
-              <a:rPr lang="en-US" smtClean="0"/>
+              <a:rPr lang="en-US"/>
               <a:t>Fourth level</a:t>
             </a:r>
           </a:p>
           <a:p>
             <a:pPr lvl="4"/>
             <a:r>
-              <a:rPr lang="en-US" smtClean="0"/>
+              <a:rPr lang="en-US"/>
               <a:t>Fifth level</a:t>
             </a:r>
-            <a:endParaRPr lang="en-US"/>
           </a:p>
         </p:txBody>
       </p:sp>
@@ -4550,7 +4604,7 @@
           <a:p>
             <a:pPr lvl="0"/>
             <a:r>
-              <a:rPr lang="en-US" smtClean="0"/>
+              <a:rPr lang="en-US"/>
               <a:t>Click to edit Master text styles</a:t>
             </a:r>
           </a:p>
@@ -4645,10 +4699,9 @@
           </a:lstStyle>
           <a:p>
             <a:r>
-              <a:rPr lang="en-US" smtClean="0"/>
+              <a:rPr lang="en-US"/>
               <a:t>Click to edit Master title style</a:t>
             </a:r>
-            <a:endParaRPr lang="en-US"/>
           </a:p>
         </p:txBody>
       </p:sp>
@@ -4710,7 +4763,7 @@
           </a:lstStyle>
           <a:p>
             <a:pPr lvl="0"/>
-            <a:endParaRPr lang="en-US" noProof="0" smtClean="0"/>
+            <a:endParaRPr lang="en-US" noProof="0"/>
           </a:p>
         </p:txBody>
       </p:sp>
@@ -4773,7 +4826,7 @@
           <a:p>
             <a:pPr lvl="0"/>
             <a:r>
-              <a:rPr lang="en-US" smtClean="0"/>
+              <a:rPr lang="en-US"/>
               <a:t>Click to edit Master text styles</a:t>
             </a:r>
           </a:p>
@@ -4903,7 +4956,7 @@
           <a:p>
             <a:pPr lvl="0"/>
             <a:r>
-              <a:rPr lang="en-US" altLang="ko-KR" smtClean="0"/>
+              <a:rPr lang="en-US" altLang="ko-KR"/>
               <a:t>Click to edit Master title style</a:t>
             </a:r>
           </a:p>
@@ -4961,35 +5014,35 @@
           <a:p>
             <a:pPr lvl="0"/>
             <a:r>
-              <a:rPr lang="en-US" altLang="ko-KR" smtClean="0"/>
+              <a:rPr lang="en-US" altLang="ko-KR"/>
               <a:t>Click to edit Master text styles</a:t>
             </a:r>
           </a:p>
           <a:p>
             <a:pPr lvl="1"/>
             <a:r>
-              <a:rPr lang="en-US" altLang="ko-KR" smtClean="0"/>
+              <a:rPr lang="en-US" altLang="ko-KR"/>
               <a:t>Second level</a:t>
             </a:r>
           </a:p>
           <a:p>
             <a:pPr lvl="2"/>
             <a:r>
-              <a:rPr lang="en-US" altLang="ko-KR" smtClean="0"/>
+              <a:rPr lang="en-US" altLang="ko-KR"/>
               <a:t>Third level</a:t>
             </a:r>
           </a:p>
           <a:p>
             <a:pPr lvl="3"/>
             <a:r>
-              <a:rPr lang="en-US" altLang="ko-KR" smtClean="0"/>
+              <a:rPr lang="en-US" altLang="ko-KR"/>
               <a:t>Fourth level</a:t>
             </a:r>
           </a:p>
           <a:p>
             <a:pPr lvl="4"/>
             <a:r>
-              <a:rPr lang="en-US" altLang="ko-KR" smtClean="0"/>
+              <a:rPr lang="en-US" altLang="ko-KR"/>
               <a:t>Fifth level</a:t>
             </a:r>
           </a:p>
@@ -5145,13 +5198,6 @@
     <p:sldLayoutId id="2147484169" r:id="rId10"/>
     <p:sldLayoutId id="2147484170" r:id="rId11"/>
   </p:sldLayoutIdLst>
-  <p:timing>
-    <p:tnLst>
-      <p:par>
-        <p:cTn id="1" dur="indefinite" restart="never" nodeType="tmRoot"/>
-      </p:par>
-    </p:tnLst>
-  </p:timing>
   <p:hf hdr="0" ftr="0" dt="0"/>
   <p:txStyles>
     <p:titleStyle>
@@ -5832,12 +5878,12 @@
           <a:p>
             <a:pPr eaLnBrk="1" hangingPunct="1"/>
             <a:r>
-              <a:rPr lang="ko-KR" altLang="en-US" dirty="0" smtClean="0">
+              <a:rPr lang="ko-KR" altLang="en-US" dirty="0">
                 <a:ea typeface="ＭＳ Ｐゴシック" pitchFamily="34" charset="-128"/>
               </a:rPr>
               <a:t>시뮬레이션 기초 및 실습</a:t>
             </a:r>
-            <a:endParaRPr lang="ko-KR" altLang="ko-KR" dirty="0" smtClean="0">
+            <a:endParaRPr lang="ko-KR" altLang="ko-KR" dirty="0">
               <a:ea typeface="ＭＳ Ｐゴシック" pitchFamily="34" charset="-128"/>
             </a:endParaRPr>
           </a:p>
@@ -5863,7 +5909,7 @@
               <a:buNone/>
             </a:pPr>
             <a:r>
-              <a:rPr lang="en-US" altLang="ko-KR" smtClean="0">
+              <a:rPr lang="en-US" altLang="ko-KR">
                 <a:ea typeface="ＭＳ Ｐゴシック" pitchFamily="34" charset="-128"/>
               </a:rPr>
               <a:t>Prof. Jibum Kim</a:t>
@@ -5874,7 +5920,7 @@
               <a:buFont typeface="Wingdings" panose="05000000000000000000" pitchFamily="2" charset="2"/>
               <a:buNone/>
             </a:pPr>
-            <a:endParaRPr lang="en-US" altLang="ko-KR" sz="1800" smtClean="0">
+            <a:endParaRPr lang="en-US" altLang="ko-KR" sz="1800">
               <a:ea typeface="굴림" panose="020B0600000101010101" pitchFamily="50" charset="-127"/>
             </a:endParaRPr>
           </a:p>
@@ -5884,7 +5930,7 @@
               <a:buNone/>
             </a:pPr>
             <a:r>
-              <a:rPr lang="en-US" altLang="ko-KR" sz="1800" smtClean="0">
+              <a:rPr lang="en-US" altLang="ko-KR" sz="1800">
                 <a:ea typeface="굴림" panose="020B0600000101010101" pitchFamily="50" charset="-127"/>
               </a:rPr>
               <a:t>Department of Computer Science &amp; Engineering</a:t>
@@ -5896,7 +5942,7 @@
               <a:buNone/>
             </a:pPr>
             <a:r>
-              <a:rPr lang="en-US" altLang="ko-KR" sz="1800" smtClean="0">
+              <a:rPr lang="en-US" altLang="ko-KR" sz="1800">
                 <a:ea typeface="굴림" panose="020B0600000101010101" pitchFamily="50" charset="-127"/>
               </a:rPr>
               <a:t> Incheon National University</a:t>
@@ -5907,7 +5953,7 @@
               <a:buFont typeface="Wingdings" panose="05000000000000000000" pitchFamily="2" charset="2"/>
               <a:buNone/>
             </a:pPr>
-            <a:endParaRPr lang="en-US" altLang="ko-KR" sz="1800" smtClean="0">
+            <a:endParaRPr lang="en-US" altLang="ko-KR" sz="1800">
               <a:ea typeface="굴림" panose="020B0600000101010101" pitchFamily="50" charset="-127"/>
             </a:endParaRPr>
           </a:p>
@@ -5918,13 +5964,6 @@
   <p:clrMapOvr>
     <a:masterClrMapping/>
   </p:clrMapOvr>
-  <p:timing>
-    <p:tnLst>
-      <p:par>
-        <p:cTn id="1" dur="indefinite" restart="never" nodeType="tmRoot"/>
-      </p:par>
-    </p:tnLst>
-  </p:timing>
 </p:sld>
 </file>
 
@@ -5980,11 +6019,11 @@
           <a:lstStyle/>
           <a:p>
             <a:r>
-              <a:rPr lang="ko-KR" altLang="en-US" dirty="0" smtClean="0"/>
+              <a:rPr lang="ko-KR" altLang="en-US" dirty="0"/>
               <a:t>반복된 </a:t>
             </a:r>
             <a:r>
-              <a:rPr lang="en-US" altLang="ko-KR" dirty="0" smtClean="0"/>
+              <a:rPr lang="en-US" altLang="ko-KR" dirty="0"/>
               <a:t>concatenation </a:t>
             </a:r>
           </a:p>
@@ -5999,7 +6038,7 @@
               <a:buNone/>
             </a:pPr>
             <a:r>
-              <a:rPr lang="en-US" altLang="ko-KR" dirty="0" smtClean="0"/>
+              <a:rPr lang="en-US" altLang="ko-KR" dirty="0"/>
               <a:t>    </a:t>
             </a:r>
           </a:p>
@@ -6008,11 +6047,11 @@
               <a:buNone/>
             </a:pPr>
             <a:r>
-              <a:rPr lang="en-US" altLang="ko-KR" dirty="0" smtClean="0"/>
+              <a:rPr lang="en-US" altLang="ko-KR" dirty="0"/>
               <a:t> </a:t>
             </a:r>
             <a:r>
-              <a:rPr lang="ko-KR" altLang="en-US" dirty="0" smtClean="0"/>
+              <a:rPr lang="ko-KR" altLang="en-US" dirty="0"/>
               <a:t>결과</a:t>
             </a:r>
             <a:endParaRPr lang="en-US" altLang="ko-KR" dirty="0"/>
@@ -6022,15 +6061,15 @@
               <a:buNone/>
             </a:pPr>
             <a:r>
-              <a:rPr lang="en-US" altLang="ko-KR" dirty="0" smtClean="0"/>
+              <a:rPr lang="en-US" altLang="ko-KR" dirty="0"/>
               <a:t> s=‘</a:t>
             </a:r>
             <a:r>
-              <a:rPr lang="en-US" altLang="ko-KR" dirty="0" err="1" smtClean="0"/>
+              <a:rPr lang="en-US" altLang="ko-KR" dirty="0" err="1"/>
               <a:t>zzzzz</a:t>
             </a:r>
             <a:r>
-              <a:rPr lang="en-US" altLang="ko-KR" dirty="0" smtClean="0"/>
+              <a:rPr lang="en-US" altLang="ko-KR" dirty="0"/>
               <a:t>’</a:t>
             </a:r>
             <a:endParaRPr lang="ko-KR" altLang="en-US" dirty="0"/>
@@ -6053,7 +6092,7 @@
           <a:lstStyle/>
           <a:p>
             <a:r>
-              <a:rPr lang="en-US" altLang="ko-KR" smtClean="0"/>
+              <a:rPr lang="en-US" altLang="ko-KR"/>
               <a:t> </a:t>
             </a:r>
             <a:fld id="{978D8FE9-C6B4-485D-8C4A-C84573A85BD8}" type="slidenum">
@@ -6093,7 +6132,7 @@
                 <a:gridCol w="6096000">
                   <a:extLst>
                     <a:ext uri="{9D8B030D-6E8A-4147-A177-3AD203B41FA5}">
-                      <a16:colId xmlns="" xmlns:a16="http://schemas.microsoft.com/office/drawing/2014/main" val="952951867"/>
+                      <a16:colId xmlns:a16="http://schemas.microsoft.com/office/drawing/2014/main" val="952951867"/>
                     </a:ext>
                   </a:extLst>
                 </a:gridCol>
@@ -6108,7 +6147,7 @@
                         <a:buNone/>
                       </a:pPr>
                       <a:r>
-                        <a:rPr lang="en-US" altLang="ko-KR" dirty="0" smtClean="0"/>
+                        <a:rPr lang="en-US" altLang="ko-KR" dirty="0"/>
                         <a:t> s=‘  ‘ ;</a:t>
                       </a:r>
                     </a:p>
@@ -6117,7 +6156,7 @@
                         <a:buNone/>
                       </a:pPr>
                       <a:r>
-                        <a:rPr lang="en-US" altLang="ko-KR" dirty="0" smtClean="0"/>
+                        <a:rPr lang="en-US" altLang="ko-KR" dirty="0"/>
                         <a:t>   for k=1:5</a:t>
                       </a:r>
                     </a:p>
@@ -6126,7 +6165,7 @@
                         <a:buNone/>
                       </a:pPr>
                       <a:r>
-                        <a:rPr lang="en-US" altLang="ko-KR" dirty="0" smtClean="0"/>
+                        <a:rPr lang="en-US" altLang="ko-KR" dirty="0"/>
                         <a:t>         s=[s  ‘z’];</a:t>
                       </a:r>
                     </a:p>
@@ -6135,7 +6174,7 @@
                         <a:buNone/>
                       </a:pPr>
                       <a:r>
-                        <a:rPr lang="en-US" altLang="ko-KR" dirty="0" smtClean="0"/>
+                        <a:rPr lang="en-US" altLang="ko-KR" dirty="0"/>
                         <a:t>    end</a:t>
                       </a:r>
                       <a:endParaRPr lang="ko-KR" altLang="en-US" dirty="0"/>
@@ -6145,7 +6184,7 @@
                 </a:tc>
                 <a:extLst>
                   <a:ext uri="{0D108BD9-81ED-4DB2-BD59-A6C34878D82A}">
-                    <a16:rowId xmlns="" xmlns:a16="http://schemas.microsoft.com/office/drawing/2014/main" val="2610948323"/>
+                    <a16:rowId xmlns:a16="http://schemas.microsoft.com/office/drawing/2014/main" val="2610948323"/>
                   </a:ext>
                 </a:extLst>
               </a:tr>
@@ -6163,13 +6202,6 @@
   <p:clrMapOvr>
     <a:masterClrMapping/>
   </p:clrMapOvr>
-  <p:timing>
-    <p:tnLst>
-      <p:par>
-        <p:cTn id="1" dur="indefinite" restart="never" nodeType="tmRoot"/>
-      </p:par>
-    </p:tnLst>
-  </p:timing>
 </p:sld>
 </file>
 
@@ -6225,7 +6257,7 @@
           <a:lstStyle/>
           <a:p>
             <a:r>
-              <a:rPr lang="en-US" altLang="ko-KR" dirty="0" smtClean="0"/>
+              <a:rPr lang="en-US" altLang="ko-KR" dirty="0"/>
               <a:t>Replacing and appending characters</a:t>
             </a:r>
             <a:endParaRPr lang="ko-KR" altLang="en-US" dirty="0"/>
@@ -6248,7 +6280,7 @@
           <a:lstStyle/>
           <a:p>
             <a:r>
-              <a:rPr lang="en-US" altLang="ko-KR" smtClean="0"/>
+              <a:rPr lang="en-US" altLang="ko-KR"/>
               <a:t> </a:t>
             </a:r>
             <a:fld id="{978D8FE9-C6B4-485D-8C4A-C84573A85BD8}" type="slidenum">
@@ -6294,13 +6326,6 @@
   <p:clrMapOvr>
     <a:masterClrMapping/>
   </p:clrMapOvr>
-  <p:timing>
-    <p:tnLst>
-      <p:par>
-        <p:cTn id="1" dur="indefinite" restart="never" nodeType="tmRoot"/>
-      </p:par>
-    </p:tnLst>
-  </p:timing>
 </p:sld>
 </file>
 
@@ -6356,20 +6381,20 @@
           <a:lstStyle/>
           <a:p>
             <a:r>
-              <a:rPr lang="ko-KR" altLang="en-US" dirty="0" smtClean="0"/>
+              <a:rPr lang="ko-KR" altLang="en-US" dirty="0"/>
               <a:t>문자열에서의 참조</a:t>
             </a:r>
-            <a:endParaRPr lang="en-US" altLang="ko-KR" dirty="0" smtClean="0"/>
-          </a:p>
-          <a:p>
             <a:endParaRPr lang="en-US" altLang="ko-KR" dirty="0"/>
           </a:p>
           <a:p>
-            <a:endParaRPr lang="en-US" altLang="ko-KR" dirty="0" smtClean="0"/>
-          </a:p>
-          <a:p>
             <a:endParaRPr lang="en-US" altLang="ko-KR" dirty="0"/>
           </a:p>
+          <a:p>
+            <a:endParaRPr lang="en-US" altLang="ko-KR" dirty="0"/>
+          </a:p>
+          <a:p>
+            <a:endParaRPr lang="en-US" altLang="ko-KR" dirty="0"/>
+          </a:p>
         </p:txBody>
       </p:sp>
       <p:sp>
@@ -6388,7 +6413,7 @@
           <a:lstStyle/>
           <a:p>
             <a:r>
-              <a:rPr lang="en-US" altLang="ko-KR" smtClean="0"/>
+              <a:rPr lang="en-US" altLang="ko-KR"/>
               <a:t> </a:t>
             </a:r>
             <a:fld id="{978D8FE9-C6B4-485D-8C4A-C84573A85BD8}" type="slidenum">
@@ -6434,13 +6459,6 @@
   <p:clrMapOvr>
     <a:masterClrMapping/>
   </p:clrMapOvr>
-  <p:timing>
-    <p:tnLst>
-      <p:par>
-        <p:cTn id="1" dur="indefinite" restart="never" nodeType="tmRoot"/>
-      </p:par>
-    </p:tnLst>
-  </p:timing>
 </p:sld>
 </file>
 
@@ -6521,7 +6539,7 @@
           <a:lstStyle/>
           <a:p>
             <a:r>
-              <a:rPr lang="en-US" altLang="ko-KR" smtClean="0"/>
+              <a:rPr lang="en-US" altLang="ko-KR"/>
               <a:t> </a:t>
             </a:r>
             <a:fld id="{978D8FE9-C6B4-485D-8C4A-C84573A85BD8}" type="slidenum">
@@ -6567,13 +6585,6 @@
   <p:clrMapOvr>
     <a:masterClrMapping/>
   </p:clrMapOvr>
-  <p:timing>
-    <p:tnLst>
-      <p:par>
-        <p:cTn id="1" dur="indefinite" restart="never" nodeType="tmRoot"/>
-      </p:par>
-    </p:tnLst>
-  </p:timing>
 </p:sld>
 </file>
 
@@ -6629,23 +6640,23 @@
           <a:lstStyle/>
           <a:p>
             <a:r>
-              <a:rPr lang="en-US" altLang="ko-KR" dirty="0" smtClean="0"/>
+              <a:rPr lang="en-US" altLang="ko-KR" dirty="0"/>
               <a:t>Q) </a:t>
             </a:r>
             <a:r>
-              <a:rPr lang="ko-KR" altLang="en-US" dirty="0" smtClean="0"/>
+              <a:rPr lang="ko-KR" altLang="en-US" dirty="0"/>
               <a:t>최종 </a:t>
             </a:r>
             <a:r>
-              <a:rPr lang="en-US" altLang="ko-KR" dirty="0" smtClean="0"/>
+              <a:rPr lang="en-US" altLang="ko-KR" dirty="0"/>
               <a:t>s</a:t>
             </a:r>
             <a:r>
-              <a:rPr lang="ko-KR" altLang="en-US" dirty="0" smtClean="0"/>
+              <a:rPr lang="ko-KR" altLang="en-US" dirty="0"/>
               <a:t>의 출력은 뭐가 될까</a:t>
             </a:r>
             <a:r>
-              <a:rPr lang="en-US" altLang="ko-KR" dirty="0" smtClean="0"/>
+              <a:rPr lang="en-US" altLang="ko-KR" dirty="0"/>
               <a:t>?</a:t>
             </a:r>
             <a:endParaRPr lang="ko-KR" altLang="en-US" dirty="0"/>
@@ -6668,7 +6679,7 @@
           <a:lstStyle/>
           <a:p>
             <a:r>
-              <a:rPr lang="en-US" altLang="ko-KR" smtClean="0"/>
+              <a:rPr lang="en-US" altLang="ko-KR"/>
               <a:t> </a:t>
             </a:r>
             <a:fld id="{978D8FE9-C6B4-485D-8C4A-C84573A85BD8}" type="slidenum">
@@ -6714,13 +6725,6 @@
   <p:clrMapOvr>
     <a:masterClrMapping/>
   </p:clrMapOvr>
-  <p:timing>
-    <p:tnLst>
-      <p:par>
-        <p:cTn id="1" dur="indefinite" restart="never" nodeType="tmRoot"/>
-      </p:par>
-    </p:tnLst>
-  </p:timing>
 </p:sld>
 </file>
 
@@ -6781,14 +6785,14 @@
           <a:lstStyle/>
           <a:p>
             <a:r>
-              <a:rPr lang="ko-KR" altLang="en-US" sz="2000" dirty="0" smtClean="0">
+              <a:rPr lang="ko-KR" altLang="en-US" sz="2000" dirty="0">
                 <a:solidFill>
                   <a:srgbClr val="FF0000"/>
                 </a:solidFill>
               </a:rPr>
               <a:t>문자열 비교</a:t>
             </a:r>
-            <a:endParaRPr lang="en-US" altLang="ko-KR" sz="2000" dirty="0" smtClean="0">
+            <a:endParaRPr lang="en-US" altLang="ko-KR" sz="2000" dirty="0">
               <a:solidFill>
                 <a:srgbClr val="FF0000"/>
               </a:solidFill>
@@ -6799,7 +6803,7 @@
               <a:buNone/>
             </a:pPr>
             <a:r>
-              <a:rPr lang="en-US" altLang="ko-KR" sz="2000" dirty="0" err="1" smtClean="0">
+              <a:rPr lang="en-US" altLang="ko-KR" sz="2000" dirty="0" err="1">
                 <a:solidFill>
                   <a:srgbClr val="FF0000"/>
                 </a:solidFill>
@@ -6807,7 +6811,7 @@
               <a:t>strcmp</a:t>
             </a:r>
             <a:r>
-              <a:rPr lang="en-US" altLang="ko-KR" sz="2000" dirty="0" smtClean="0">
+              <a:rPr lang="en-US" altLang="ko-KR" sz="2000" dirty="0">
                 <a:solidFill>
                   <a:srgbClr val="FF0000"/>
                 </a:solidFill>
@@ -6815,31 +6819,31 @@
               <a:t>:</a:t>
             </a:r>
             <a:r>
-              <a:rPr lang="en-US" altLang="ko-KR" sz="2000" dirty="0" smtClean="0"/>
+              <a:rPr lang="en-US" altLang="ko-KR" sz="2000" dirty="0"/>
               <a:t> </a:t>
             </a:r>
             <a:r>
-              <a:rPr lang="ko-KR" altLang="en-US" sz="2000" dirty="0" smtClean="0"/>
+              <a:rPr lang="ko-KR" altLang="en-US" sz="2000" dirty="0"/>
               <a:t>두 문자열이 동일한지 판별한다</a:t>
             </a:r>
             <a:r>
-              <a:rPr lang="en-US" altLang="ko-KR" sz="2000" dirty="0" smtClean="0"/>
+              <a:rPr lang="en-US" altLang="ko-KR" sz="2000" dirty="0"/>
               <a:t>. </a:t>
             </a:r>
             <a:r>
-              <a:rPr lang="ko-KR" altLang="en-US" sz="2000" dirty="0" smtClean="0"/>
+              <a:rPr lang="ko-KR" altLang="en-US" sz="2000" dirty="0"/>
               <a:t>같으면 </a:t>
             </a:r>
             <a:r>
-              <a:rPr lang="en-US" altLang="ko-KR" sz="2000" dirty="0" smtClean="0"/>
+              <a:rPr lang="en-US" altLang="ko-KR" sz="2000" dirty="0"/>
               <a:t>1, </a:t>
             </a:r>
             <a:r>
-              <a:rPr lang="ko-KR" altLang="en-US" sz="2000" dirty="0" smtClean="0"/>
+              <a:rPr lang="ko-KR" altLang="en-US" sz="2000" dirty="0"/>
               <a:t>다르면 </a:t>
             </a:r>
             <a:r>
-              <a:rPr lang="en-US" altLang="ko-KR" sz="2000" dirty="0" smtClean="0"/>
+              <a:rPr lang="en-US" altLang="ko-KR" sz="2000" dirty="0"/>
               <a:t>0 return</a:t>
             </a:r>
           </a:p>
@@ -6848,7 +6852,7 @@
               <a:buNone/>
             </a:pPr>
             <a:r>
-              <a:rPr lang="en-US" altLang="ko-KR" sz="2000" dirty="0" err="1" smtClean="0">
+              <a:rPr lang="en-US" altLang="ko-KR" sz="2000" dirty="0" err="1">
                 <a:solidFill>
                   <a:srgbClr val="FF0000"/>
                 </a:solidFill>
@@ -6856,7 +6860,7 @@
               <a:t>strncmp</a:t>
             </a:r>
             <a:r>
-              <a:rPr lang="en-US" altLang="ko-KR" sz="2000" dirty="0" smtClean="0">
+              <a:rPr lang="en-US" altLang="ko-KR" sz="2000" dirty="0">
                 <a:solidFill>
                   <a:srgbClr val="FF0000"/>
                 </a:solidFill>
@@ -6864,24 +6868,20 @@
               <a:t>:</a:t>
             </a:r>
             <a:r>
-              <a:rPr lang="en-US" altLang="ko-KR" sz="2000" dirty="0" smtClean="0"/>
+              <a:rPr lang="en-US" altLang="ko-KR" sz="2000" dirty="0"/>
               <a:t> </a:t>
             </a:r>
             <a:r>
-              <a:rPr lang="ko-KR" altLang="en-US" sz="2000" dirty="0" smtClean="0"/>
+              <a:rPr lang="ko-KR" altLang="en-US" sz="2000" dirty="0"/>
               <a:t>두 문자열의 처음 </a:t>
             </a:r>
             <a:r>
-              <a:rPr lang="en-US" altLang="ko-KR" sz="2000" dirty="0" smtClean="0"/>
+              <a:rPr lang="en-US" altLang="ko-KR" sz="2000" dirty="0"/>
               <a:t>n</a:t>
             </a:r>
             <a:r>
-              <a:rPr lang="ko-KR" altLang="en-US" sz="2000" dirty="0" smtClean="0"/>
-              <a:t>개 문자가 동일한지 판별한다 </a:t>
-            </a:r>
-            <a:r>
               <a:rPr lang="ko-KR" altLang="en-US" sz="2000" dirty="0"/>
-              <a:t>같으면 </a:t>
+              <a:t>개 문자가 동일한지 판별한다 같으면 </a:t>
             </a:r>
             <a:r>
               <a:rPr lang="en-US" altLang="ko-KR" sz="2000" dirty="0"/>
@@ -6895,41 +6895,28 @@
               <a:rPr lang="en-US" altLang="ko-KR" sz="2000" dirty="0"/>
               <a:t>0 return</a:t>
             </a:r>
-            <a:endParaRPr lang="en-US" altLang="ko-KR" sz="2000" dirty="0" smtClean="0"/>
           </a:p>
           <a:p>
             <a:r>
               <a:rPr lang="en-US" altLang="ko-KR" sz="2000" dirty="0"/>
-              <a:t> </a:t>
-            </a:r>
-            <a:r>
-              <a:rPr lang="en-US" altLang="ko-KR" sz="2000" dirty="0" smtClean="0"/>
-              <a:t>word1=‘cat’;</a:t>
+              <a:t> word1=‘cat’;</a:t>
             </a:r>
           </a:p>
           <a:p>
             <a:r>
               <a:rPr lang="en-US" altLang="ko-KR" sz="2000" dirty="0"/>
-              <a:t> </a:t>
-            </a:r>
-            <a:r>
-              <a:rPr lang="en-US" altLang="ko-KR" sz="2000" dirty="0" smtClean="0"/>
-              <a:t>word2=‘car’;</a:t>
+              <a:t> word2=‘car’;</a:t>
             </a:r>
           </a:p>
           <a:p>
             <a:r>
               <a:rPr lang="en-US" altLang="ko-KR" sz="2000" dirty="0"/>
-              <a:t> </a:t>
-            </a:r>
-            <a:r>
-              <a:rPr lang="en-US" altLang="ko-KR" sz="2000" dirty="0" smtClean="0"/>
-              <a:t>word3=‘cathedral’;</a:t>
-            </a:r>
-          </a:p>
-          <a:p>
-            <a:r>
-              <a:rPr lang="en-US" altLang="ko-KR" sz="2000" dirty="0" smtClean="0"/>
+              <a:t> word3=‘cathedral’;</a:t>
+            </a:r>
+          </a:p>
+          <a:p>
+            <a:r>
+              <a:rPr lang="en-US" altLang="ko-KR" sz="2000" dirty="0"/>
               <a:t>&gt;&gt; </a:t>
             </a:r>
             <a:r>
@@ -6944,29 +6931,29 @@
           </a:p>
           <a:p>
             <a:r>
-              <a:rPr lang="en-US" altLang="ko-KR" sz="2000" dirty="0" smtClean="0"/>
+              <a:rPr lang="en-US" altLang="ko-KR" sz="2000" dirty="0"/>
               <a:t>&gt;&gt; </a:t>
             </a:r>
             <a:r>
-              <a:rPr lang="en-US" altLang="ko-KR" sz="2000" dirty="0" err="1" smtClean="0"/>
+              <a:rPr lang="en-US" altLang="ko-KR" sz="2000" dirty="0" err="1"/>
               <a:t>strcmp</a:t>
             </a:r>
             <a:r>
-              <a:rPr lang="en-US" altLang="ko-KR" sz="2000" dirty="0" smtClean="0"/>
+              <a:rPr lang="en-US" altLang="ko-KR" sz="2000" dirty="0"/>
               <a:t>(word1, word1)</a:t>
             </a:r>
           </a:p>
           <a:p>
             <a:r>
-              <a:rPr lang="en-US" altLang="ko-KR" sz="2000" dirty="0" smtClean="0"/>
+              <a:rPr lang="en-US" altLang="ko-KR" sz="2000" dirty="0"/>
               <a:t>&gt;&gt; </a:t>
             </a:r>
             <a:r>
-              <a:rPr lang="en-US" altLang="ko-KR" sz="2000" dirty="0" err="1" smtClean="0"/>
+              <a:rPr lang="en-US" altLang="ko-KR" sz="2000" dirty="0" err="1"/>
               <a:t>strncmp</a:t>
             </a:r>
             <a:r>
-              <a:rPr lang="en-US" altLang="ko-KR" sz="2000" dirty="0" smtClean="0"/>
+              <a:rPr lang="en-US" altLang="ko-KR" sz="2000" dirty="0"/>
               <a:t>(word1, word3, 3)</a:t>
             </a:r>
             <a:endParaRPr lang="ko-KR" altLang="en-US" sz="2000" dirty="0"/>
@@ -6989,7 +6976,7 @@
           <a:lstStyle/>
           <a:p>
             <a:r>
-              <a:rPr lang="en-US" altLang="ko-KR" smtClean="0"/>
+              <a:rPr lang="en-US" altLang="ko-KR"/>
               <a:t> </a:t>
             </a:r>
             <a:fld id="{978D8FE9-C6B4-485D-8C4A-C84573A85BD8}" type="slidenum">
@@ -7001,6 +6988,108 @@
           </a:p>
         </p:txBody>
       </p:sp>
+      <mc:AlternateContent xmlns:mc="http://schemas.openxmlformats.org/markup-compatibility/2006">
+        <mc:Choice xmlns:p14="http://schemas.microsoft.com/office/powerpoint/2010/main" Requires="p14">
+          <p:contentPart p14:bwMode="auto" r:id="rId2">
+            <p14:nvContentPartPr>
+              <p14:cNvPr id="5" name="잉크 4">
+                <a:extLst>
+                  <a:ext uri="{FF2B5EF4-FFF2-40B4-BE49-F238E27FC236}">
+                    <a16:creationId xmlns:a16="http://schemas.microsoft.com/office/drawing/2014/main" id="{F7C0C363-AC6E-4989-844A-0D7A6465F4CC}"/>
+                  </a:ext>
+                </a:extLst>
+              </p14:cNvPr>
+              <p14:cNvContentPartPr/>
+              <p14:nvPr/>
+            </p14:nvContentPartPr>
+            <p14:xfrm>
+              <a:off x="298440" y="1886040"/>
+              <a:ext cx="317880" cy="356040"/>
+            </p14:xfrm>
+          </p:contentPart>
+        </mc:Choice>
+        <mc:Fallback>
+          <p:pic>
+            <p:nvPicPr>
+              <p:cNvPr id="5" name="잉크 4">
+                <a:extLst>
+                  <a:ext uri="{FF2B5EF4-FFF2-40B4-BE49-F238E27FC236}">
+                    <a16:creationId xmlns:a16="http://schemas.microsoft.com/office/drawing/2014/main" id="{F7C0C363-AC6E-4989-844A-0D7A6465F4CC}"/>
+                  </a:ext>
+                </a:extLst>
+              </p:cNvPr>
+              <p:cNvPicPr/>
+              <p:nvPr/>
+            </p:nvPicPr>
+            <p:blipFill>
+              <a:blip r:embed="rId3"/>
+              <a:stretch>
+                <a:fillRect/>
+              </a:stretch>
+            </p:blipFill>
+            <p:spPr>
+              <a:xfrm>
+                <a:off x="289080" y="1876680"/>
+                <a:ext cx="336600" cy="374760"/>
+              </a:xfrm>
+              <a:prstGeom prst="rect">
+                <a:avLst/>
+              </a:prstGeom>
+            </p:spPr>
+          </p:pic>
+        </mc:Fallback>
+      </mc:AlternateContent>
+      <mc:AlternateContent xmlns:mc="http://schemas.openxmlformats.org/markup-compatibility/2006">
+        <mc:Choice xmlns:p14="http://schemas.microsoft.com/office/powerpoint/2010/main" Requires="p14">
+          <p:contentPart p14:bwMode="auto" r:id="rId4">
+            <p14:nvContentPartPr>
+              <p14:cNvPr id="6" name="잉크 5">
+                <a:extLst>
+                  <a:ext uri="{FF2B5EF4-FFF2-40B4-BE49-F238E27FC236}">
+                    <a16:creationId xmlns:a16="http://schemas.microsoft.com/office/drawing/2014/main" id="{2041C5B0-9836-4E16-ABB9-CB9413DBC247}"/>
+                  </a:ext>
+                </a:extLst>
+              </p14:cNvPr>
+              <p14:cNvContentPartPr/>
+              <p14:nvPr/>
+            </p14:nvContentPartPr>
+            <p14:xfrm>
+              <a:off x="4102200" y="5511960"/>
+              <a:ext cx="1695600" cy="419400"/>
+            </p14:xfrm>
+          </p:contentPart>
+        </mc:Choice>
+        <mc:Fallback>
+          <p:pic>
+            <p:nvPicPr>
+              <p:cNvPr id="6" name="잉크 5">
+                <a:extLst>
+                  <a:ext uri="{FF2B5EF4-FFF2-40B4-BE49-F238E27FC236}">
+                    <a16:creationId xmlns:a16="http://schemas.microsoft.com/office/drawing/2014/main" id="{2041C5B0-9836-4E16-ABB9-CB9413DBC247}"/>
+                  </a:ext>
+                </a:extLst>
+              </p:cNvPr>
+              <p:cNvPicPr/>
+              <p:nvPr/>
+            </p:nvPicPr>
+            <p:blipFill>
+              <a:blip r:embed="rId5"/>
+              <a:stretch>
+                <a:fillRect/>
+              </a:stretch>
+            </p:blipFill>
+            <p:spPr>
+              <a:xfrm>
+                <a:off x="4092840" y="5502600"/>
+                <a:ext cx="1714320" cy="438120"/>
+              </a:xfrm>
+              <a:prstGeom prst="rect">
+                <a:avLst/>
+              </a:prstGeom>
+            </p:spPr>
+          </p:pic>
+        </mc:Fallback>
+      </mc:AlternateContent>
     </p:spTree>
     <p:extLst>
       <p:ext uri="{BB962C8B-B14F-4D97-AF65-F5344CB8AC3E}">
@@ -7011,13 +7100,6 @@
   <p:clrMapOvr>
     <a:masterClrMapping/>
   </p:clrMapOvr>
-  <p:timing>
-    <p:tnLst>
-      <p:par>
-        <p:cTn id="1" dur="indefinite" restart="never" nodeType="tmRoot"/>
-      </p:par>
-    </p:tnLst>
-  </p:timing>
 </p:sld>
 </file>
 
@@ -7072,21 +7154,20 @@
           <a:bodyPr/>
           <a:lstStyle/>
           <a:p>
-            <a:endParaRPr lang="en-US" altLang="ko-KR" dirty="0" smtClean="0"/>
-          </a:p>
-          <a:p>
             <a:endParaRPr lang="en-US" altLang="ko-KR" dirty="0"/>
           </a:p>
           <a:p>
-            <a:r>
-              <a:rPr lang="en-US" altLang="ko-KR" dirty="0" smtClean="0"/>
+            <a:endParaRPr lang="en-US" altLang="ko-KR" dirty="0"/>
+          </a:p>
+          <a:p>
+            <a:r>
+              <a:rPr lang="en-US" altLang="ko-KR" dirty="0"/>
               <a:t>String</a:t>
             </a:r>
             <a:r>
-              <a:rPr lang="ko-KR" altLang="en-US" dirty="0" smtClean="0"/>
+              <a:rPr lang="ko-KR" altLang="en-US" dirty="0"/>
               <a:t>을 이용한 예</a:t>
             </a:r>
-            <a:endParaRPr lang="ko-KR" altLang="en-US" dirty="0"/>
           </a:p>
         </p:txBody>
       </p:sp>
@@ -7106,7 +7187,7 @@
           <a:lstStyle/>
           <a:p>
             <a:r>
-              <a:rPr lang="en-US" altLang="ko-KR" smtClean="0"/>
+              <a:rPr lang="en-US" altLang="ko-KR"/>
               <a:t> </a:t>
             </a:r>
             <a:fld id="{978D8FE9-C6B4-485D-8C4A-C84573A85BD8}" type="slidenum">
@@ -7128,13 +7209,6 @@
   <p:clrMapOvr>
     <a:masterClrMapping/>
   </p:clrMapOvr>
-  <p:timing>
-    <p:tnLst>
-      <p:par>
-        <p:cTn id="1" dur="indefinite" restart="never" nodeType="tmRoot"/>
-      </p:par>
-    </p:tnLst>
-  </p:timing>
 </p:sld>
 </file>
 
@@ -7190,7 +7264,7 @@
           <a:lstStyle/>
           <a:p>
             <a:r>
-              <a:rPr lang="en-US" altLang="ko-KR" sz="2800" dirty="0" smtClean="0">
+              <a:rPr lang="en-US" altLang="ko-KR" sz="2800" dirty="0">
                 <a:solidFill>
                   <a:srgbClr val="00B050"/>
                 </a:solidFill>
@@ -7198,115 +7272,115 @@
               <a:t>Problem: </a:t>
             </a:r>
             <a:r>
-              <a:rPr lang="en-US" altLang="ko-KR" sz="2800" dirty="0" smtClean="0"/>
+              <a:rPr lang="en-US" altLang="ko-KR" sz="2800" dirty="0"/>
               <a:t>DNA strand (</a:t>
             </a:r>
             <a:r>
-              <a:rPr lang="ko-KR" altLang="en-US" sz="2800" dirty="0" smtClean="0"/>
+              <a:rPr lang="ko-KR" altLang="en-US" sz="2800" dirty="0"/>
               <a:t>서열</a:t>
             </a:r>
             <a:r>
-              <a:rPr lang="en-US" altLang="ko-KR" sz="2800" dirty="0" smtClean="0"/>
+              <a:rPr lang="en-US" altLang="ko-KR" sz="2800" dirty="0"/>
               <a:t>?)</a:t>
             </a:r>
             <a:r>
-              <a:rPr lang="ko-KR" altLang="en-US" sz="2800" dirty="0" smtClean="0"/>
+              <a:rPr lang="ko-KR" altLang="en-US" sz="2800" dirty="0"/>
               <a:t> 문제</a:t>
             </a:r>
             <a:r>
-              <a:rPr lang="en-US" altLang="ko-KR" sz="2800" dirty="0" smtClean="0"/>
+              <a:rPr lang="en-US" altLang="ko-KR" sz="2800" dirty="0"/>
               <a:t>. </a:t>
             </a:r>
             <a:r>
-              <a:rPr lang="ko-KR" altLang="en-US" sz="2800" dirty="0" smtClean="0"/>
+              <a:rPr lang="ko-KR" altLang="en-US" sz="2800" dirty="0"/>
               <a:t>다음 </a:t>
             </a:r>
             <a:r>
-              <a:rPr lang="en-US" altLang="ko-KR" sz="2800" dirty="0" smtClean="0"/>
+              <a:rPr lang="en-US" altLang="ko-KR" sz="2800" dirty="0"/>
               <a:t>DNA sequence, x</a:t>
             </a:r>
             <a:r>
-              <a:rPr lang="ko-KR" altLang="en-US" sz="2800" dirty="0" smtClean="0"/>
+              <a:rPr lang="ko-KR" altLang="en-US" sz="2800" dirty="0"/>
               <a:t>는 </a:t>
             </a:r>
             <a:r>
-              <a:rPr lang="en-US" altLang="ko-KR" sz="2800" dirty="0" smtClean="0"/>
+              <a:rPr lang="en-US" altLang="ko-KR" sz="2800" dirty="0"/>
               <a:t>‘A’, ‘C’, ‘T’, and ‘G’</a:t>
             </a:r>
             <a:r>
-              <a:rPr lang="ko-KR" altLang="en-US" sz="2800" dirty="0" smtClean="0"/>
+              <a:rPr lang="ko-KR" altLang="en-US" sz="2800" dirty="0"/>
               <a:t>의 문자로 이루어진 문자열이다</a:t>
             </a:r>
             <a:r>
-              <a:rPr lang="en-US" altLang="ko-KR" sz="2800" dirty="0" smtClean="0"/>
+              <a:rPr lang="en-US" altLang="ko-KR" sz="2800" dirty="0"/>
               <a:t>. </a:t>
             </a:r>
           </a:p>
           <a:p>
             <a:r>
-              <a:rPr lang="ko-KR" altLang="en-US" sz="2800" dirty="0" smtClean="0"/>
+              <a:rPr lang="ko-KR" altLang="en-US" sz="2800" dirty="0"/>
               <a:t>문자열 </a:t>
             </a:r>
             <a:r>
-              <a:rPr lang="en-US" altLang="ko-KR" sz="2800" dirty="0" smtClean="0"/>
+              <a:rPr lang="en-US" altLang="ko-KR" sz="2800" dirty="0"/>
               <a:t>y</a:t>
             </a:r>
             <a:r>
-              <a:rPr lang="ko-KR" altLang="en-US" sz="2800" dirty="0" smtClean="0"/>
+              <a:rPr lang="ko-KR" altLang="en-US" sz="2800" dirty="0"/>
               <a:t>를 </a:t>
             </a:r>
             <a:r>
-              <a:rPr lang="en-US" altLang="ko-KR" sz="2800" dirty="0" smtClean="0"/>
+              <a:rPr lang="en-US" altLang="ko-KR" sz="2800" dirty="0"/>
               <a:t>x</a:t>
             </a:r>
             <a:r>
-              <a:rPr lang="ko-KR" altLang="en-US" sz="2800" dirty="0" smtClean="0"/>
+              <a:rPr lang="ko-KR" altLang="en-US" sz="2800" dirty="0"/>
               <a:t>로부터 만드는데 각 문자 </a:t>
             </a:r>
             <a:r>
-              <a:rPr lang="en-US" altLang="ko-KR" sz="2800" dirty="0" smtClean="0"/>
+              <a:rPr lang="en-US" altLang="ko-KR" sz="2800" dirty="0"/>
               <a:t>‘A’</a:t>
             </a:r>
             <a:r>
-              <a:rPr lang="ko-KR" altLang="en-US" sz="2800" dirty="0" smtClean="0"/>
+              <a:rPr lang="ko-KR" altLang="en-US" sz="2800" dirty="0"/>
               <a:t>를 </a:t>
             </a:r>
             <a:r>
-              <a:rPr lang="en-US" altLang="ko-KR" sz="2800" dirty="0" smtClean="0"/>
+              <a:rPr lang="en-US" altLang="ko-KR" sz="2800" dirty="0"/>
               <a:t>‘T’, ‘T’</a:t>
             </a:r>
             <a:r>
-              <a:rPr lang="ko-KR" altLang="en-US" sz="2800" dirty="0" smtClean="0"/>
+              <a:rPr lang="ko-KR" altLang="en-US" sz="2800" dirty="0"/>
               <a:t>를 </a:t>
             </a:r>
             <a:r>
-              <a:rPr lang="en-US" altLang="ko-KR" sz="2800" dirty="0" smtClean="0"/>
+              <a:rPr lang="en-US" altLang="ko-KR" sz="2800" dirty="0"/>
               <a:t>‘A’. ‘C’</a:t>
             </a:r>
             <a:r>
-              <a:rPr lang="ko-KR" altLang="en-US" sz="2800" dirty="0" smtClean="0"/>
+              <a:rPr lang="ko-KR" altLang="en-US" sz="2800" dirty="0"/>
               <a:t>를 </a:t>
             </a:r>
             <a:r>
-              <a:rPr lang="en-US" altLang="ko-KR" sz="2800" dirty="0" smtClean="0"/>
+              <a:rPr lang="en-US" altLang="ko-KR" sz="2800" dirty="0"/>
               <a:t>‘G’, ‘G’</a:t>
             </a:r>
             <a:r>
-              <a:rPr lang="ko-KR" altLang="en-US" sz="2800" dirty="0" smtClean="0"/>
+              <a:rPr lang="ko-KR" altLang="en-US" sz="2800" dirty="0"/>
               <a:t>를 </a:t>
             </a:r>
             <a:r>
-              <a:rPr lang="en-US" altLang="ko-KR" sz="2800" dirty="0" smtClean="0"/>
+              <a:rPr lang="en-US" altLang="ko-KR" sz="2800" dirty="0"/>
               <a:t>‘C’</a:t>
             </a:r>
             <a:r>
-              <a:rPr lang="ko-KR" altLang="en-US" sz="2800" dirty="0" smtClean="0"/>
+              <a:rPr lang="ko-KR" altLang="en-US" sz="2800" dirty="0"/>
               <a:t>로 바꾸는 코드를 작성해 보자 </a:t>
             </a:r>
-            <a:endParaRPr lang="en-US" altLang="ko-KR" sz="2800" dirty="0" smtClean="0"/>
-          </a:p>
-          <a:p>
-            <a:endParaRPr lang="en-US" altLang="ko-KR" sz="2800" dirty="0" smtClean="0"/>
+            <a:endParaRPr lang="en-US" altLang="ko-KR" sz="2800" dirty="0"/>
+          </a:p>
+          <a:p>
+            <a:endParaRPr lang="en-US" altLang="ko-KR" sz="2800" dirty="0"/>
           </a:p>
         </p:txBody>
       </p:sp>
@@ -7326,7 +7400,7 @@
           <a:lstStyle/>
           <a:p>
             <a:r>
-              <a:rPr lang="en-US" altLang="ko-KR" smtClean="0"/>
+              <a:rPr lang="en-US" altLang="ko-KR"/>
               <a:t> </a:t>
             </a:r>
             <a:fld id="{978D8FE9-C6B4-485D-8C4A-C84573A85BD8}" type="slidenum">
@@ -7372,13 +7446,6 @@
   <p:clrMapOvr>
     <a:masterClrMapping/>
   </p:clrMapOvr>
-  <p:timing>
-    <p:tnLst>
-      <p:par>
-        <p:cTn id="1" dur="indefinite" restart="never" nodeType="tmRoot"/>
-      </p:par>
-    </p:tnLst>
-  </p:timing>
 </p:sld>
 </file>
 
@@ -7439,37 +7506,37 @@
           <a:lstStyle/>
           <a:p>
             <a:r>
-              <a:rPr lang="en-US" altLang="ko-KR" sz="2000" dirty="0" smtClean="0"/>
+              <a:rPr lang="en-US" altLang="ko-KR" sz="2000" dirty="0"/>
               <a:t> x</a:t>
             </a:r>
             <a:r>
-              <a:rPr lang="ko-KR" altLang="en-US" sz="2000" dirty="0" smtClean="0"/>
+              <a:rPr lang="ko-KR" altLang="en-US" sz="2000" dirty="0"/>
               <a:t>와 </a:t>
             </a:r>
             <a:r>
-              <a:rPr lang="en-US" altLang="ko-KR" sz="2000" dirty="0" smtClean="0"/>
+              <a:rPr lang="en-US" altLang="ko-KR" sz="2000" dirty="0"/>
               <a:t>y </a:t>
             </a:r>
             <a:r>
-              <a:rPr lang="ko-KR" altLang="en-US" sz="2000" dirty="0" smtClean="0"/>
+              <a:rPr lang="ko-KR" altLang="en-US" sz="2000" dirty="0"/>
               <a:t>모두 </a:t>
             </a:r>
             <a:r>
-              <a:rPr lang="en-US" altLang="ko-KR" sz="2000" dirty="0" smtClean="0"/>
+              <a:rPr lang="en-US" altLang="ko-KR" sz="2000" dirty="0"/>
               <a:t>4</a:t>
             </a:r>
             <a:r>
-              <a:rPr lang="ko-KR" altLang="en-US" sz="2000" dirty="0" smtClean="0"/>
+              <a:rPr lang="ko-KR" altLang="en-US" sz="2000" dirty="0"/>
               <a:t>가지의 문자로만 구성되어 있다</a:t>
             </a:r>
             <a:r>
-              <a:rPr lang="en-US" altLang="ko-KR" sz="2000" dirty="0" smtClean="0"/>
+              <a:rPr lang="en-US" altLang="ko-KR" sz="2000" dirty="0"/>
               <a:t>. ‘A’, ‘T’, ‘C’, ‘G’</a:t>
             </a:r>
           </a:p>
           <a:p>
             <a:r>
-              <a:rPr lang="en-US" altLang="ko-KR" sz="2000" dirty="0" smtClean="0">
+              <a:rPr lang="en-US" altLang="ko-KR" sz="2000" dirty="0">
                 <a:solidFill>
                   <a:srgbClr val="FF0000"/>
                 </a:solidFill>
@@ -7477,73 +7544,72 @@
               <a:t>Idea: </a:t>
             </a:r>
             <a:r>
-              <a:rPr lang="ko-KR" altLang="en-US" sz="2000" dirty="0" smtClean="0"/>
+              <a:rPr lang="ko-KR" altLang="en-US" sz="2000" dirty="0"/>
               <a:t>최초 </a:t>
             </a:r>
             <a:r>
-              <a:rPr lang="en-US" altLang="ko-KR" sz="2000" dirty="0" smtClean="0"/>
+              <a:rPr lang="en-US" altLang="ko-KR" sz="2000" dirty="0"/>
               <a:t>y</a:t>
             </a:r>
             <a:r>
-              <a:rPr lang="ko-KR" altLang="en-US" sz="2000" dirty="0" smtClean="0"/>
+              <a:rPr lang="ko-KR" altLang="en-US" sz="2000" dirty="0"/>
               <a:t>를 </a:t>
             </a:r>
             <a:r>
-              <a:rPr lang="en-US" altLang="ko-KR" sz="2000" dirty="0" smtClean="0"/>
+              <a:rPr lang="en-US" altLang="ko-KR" sz="2000" dirty="0"/>
               <a:t>‘’</a:t>
             </a:r>
             <a:r>
-              <a:rPr lang="ko-KR" altLang="en-US" sz="2000" dirty="0" smtClean="0"/>
+              <a:rPr lang="ko-KR" altLang="en-US" sz="2000" dirty="0"/>
               <a:t>로</a:t>
             </a:r>
             <a:r>
-              <a:rPr lang="en-US" altLang="ko-KR" sz="2000" dirty="0" smtClean="0"/>
+              <a:rPr lang="en-US" altLang="ko-KR" sz="2000" dirty="0"/>
               <a:t> </a:t>
             </a:r>
             <a:r>
-              <a:rPr lang="ko-KR" altLang="en-US" sz="2000" dirty="0" smtClean="0"/>
+              <a:rPr lang="ko-KR" altLang="en-US" sz="2000" dirty="0"/>
               <a:t>두고 첫번째 문자부터 </a:t>
             </a:r>
             <a:r>
-              <a:rPr lang="en-US" altLang="ko-KR" sz="2000" dirty="0" smtClean="0"/>
+              <a:rPr lang="en-US" altLang="ko-KR" sz="2000" dirty="0"/>
               <a:t>‘A’, ‘T’, ‘C’, ‘G’</a:t>
             </a:r>
             <a:r>
-              <a:rPr lang="ko-KR" altLang="en-US" sz="2000" dirty="0" smtClean="0"/>
+              <a:rPr lang="ko-KR" altLang="en-US" sz="2000" dirty="0"/>
               <a:t>와 비교 </a:t>
             </a:r>
-            <a:endParaRPr lang="en-US" altLang="ko-KR" sz="2000" dirty="0" smtClean="0"/>
-          </a:p>
-          <a:p>
-            <a:r>
-              <a:rPr lang="ko-KR" altLang="en-US" sz="2000" dirty="0" smtClean="0"/>
+            <a:endParaRPr lang="en-US" altLang="ko-KR" sz="2000" dirty="0"/>
+          </a:p>
+          <a:p>
+            <a:r>
+              <a:rPr lang="ko-KR" altLang="en-US" sz="2000" dirty="0"/>
               <a:t>총 </a:t>
             </a:r>
             <a:r>
-              <a:rPr lang="en-US" altLang="ko-KR" sz="2000" dirty="0" smtClean="0"/>
+              <a:rPr lang="en-US" altLang="ko-KR" sz="2000" dirty="0"/>
               <a:t>4</a:t>
             </a:r>
             <a:r>
-              <a:rPr lang="ko-KR" altLang="en-US" sz="2000" dirty="0" smtClean="0"/>
+              <a:rPr lang="ko-KR" altLang="en-US" sz="2000" dirty="0"/>
               <a:t>개의 경우의 수 </a:t>
             </a:r>
             <a:r>
-              <a:rPr lang="en-US" altLang="ko-KR" sz="2000" dirty="0" smtClean="0"/>
+              <a:rPr lang="en-US" altLang="ko-KR" sz="2000" dirty="0"/>
               <a:t>(</a:t>
             </a:r>
             <a:r>
-              <a:rPr lang="ko-KR" altLang="en-US" sz="2000" dirty="0" smtClean="0"/>
+              <a:rPr lang="ko-KR" altLang="en-US" sz="2000" dirty="0"/>
               <a:t>분기</a:t>
             </a:r>
             <a:r>
-              <a:rPr lang="en-US" altLang="ko-KR" sz="2000" dirty="0" smtClean="0"/>
+              <a:rPr lang="en-US" altLang="ko-KR" sz="2000" dirty="0"/>
               <a:t>) </a:t>
             </a:r>
             <a:r>
-              <a:rPr lang="ko-KR" altLang="en-US" sz="2000" dirty="0" smtClean="0"/>
+              <a:rPr lang="ko-KR" altLang="en-US" sz="2000" dirty="0"/>
               <a:t>있음 </a:t>
             </a:r>
-            <a:endParaRPr lang="ko-KR" altLang="en-US" sz="2000" dirty="0"/>
           </a:p>
         </p:txBody>
       </p:sp>
@@ -7563,7 +7629,7 @@
           <a:lstStyle/>
           <a:p>
             <a:r>
-              <a:rPr lang="en-US" altLang="ko-KR" smtClean="0"/>
+              <a:rPr lang="en-US" altLang="ko-KR"/>
               <a:t> </a:t>
             </a:r>
             <a:fld id="{978D8FE9-C6B4-485D-8C4A-C84573A85BD8}" type="slidenum">
@@ -7609,13 +7675,6 @@
   <p:clrMapOvr>
     <a:masterClrMapping/>
   </p:clrMapOvr>
-  <p:timing>
-    <p:tnLst>
-      <p:par>
-        <p:cTn id="1" dur="indefinite" restart="never" nodeType="tmRoot"/>
-      </p:par>
-    </p:tnLst>
-  </p:timing>
 </p:sld>
 </file>
 
@@ -7671,7 +7730,7 @@
           <a:lstStyle/>
           <a:p>
             <a:r>
-              <a:rPr lang="en-US" altLang="ko-KR" sz="1600" dirty="0" smtClean="0">
+              <a:rPr lang="en-US" altLang="ko-KR" sz="1600" dirty="0">
                 <a:solidFill>
                   <a:srgbClr val="FF0000"/>
                 </a:solidFill>
@@ -7685,261 +7744,213 @@
               <a:t> </a:t>
             </a:r>
             <a:r>
-              <a:rPr lang="en-US" altLang="ko-KR" sz="1600" dirty="0" smtClean="0"/>
+              <a:rPr lang="en-US" altLang="ko-KR" sz="1600" dirty="0"/>
               <a:t>x=‘ACGTTGCAGTTCCATATG’  % x </a:t>
             </a:r>
             <a:r>
-              <a:rPr lang="ko-KR" altLang="en-US" sz="1600" dirty="0" smtClean="0"/>
+              <a:rPr lang="ko-KR" altLang="en-US" sz="1600" dirty="0"/>
               <a:t>초기화 </a:t>
             </a:r>
-            <a:endParaRPr lang="en-US" altLang="ko-KR" sz="1600" dirty="0" smtClean="0"/>
-          </a:p>
-          <a:p>
+            <a:endParaRPr lang="en-US" altLang="ko-KR" sz="1600" dirty="0"/>
+          </a:p>
+          <a:p>
+            <a:r>
+              <a:rPr lang="en-US" altLang="ko-KR" sz="1600" dirty="0"/>
+              <a:t> y=‘’         % y</a:t>
+            </a:r>
+            <a:r>
+              <a:rPr lang="ko-KR" altLang="en-US" sz="1600" dirty="0"/>
+              <a:t>초기화 </a:t>
+            </a:r>
             <a:r>
               <a:rPr lang="en-US" altLang="ko-KR" sz="1600" dirty="0"/>
               <a:t> </a:t>
             </a:r>
-            <a:r>
-              <a:rPr lang="en-US" altLang="ko-KR" sz="1600" dirty="0" smtClean="0"/>
-              <a:t>y=‘’         % y</a:t>
-            </a:r>
-            <a:r>
-              <a:rPr lang="ko-KR" altLang="en-US" sz="1600" dirty="0" smtClean="0"/>
-              <a:t>초기화 </a:t>
-            </a:r>
-            <a:r>
-              <a:rPr lang="en-US" altLang="ko-KR" sz="1600" dirty="0" smtClean="0"/>
-              <a:t> </a:t>
-            </a:r>
           </a:p>
           <a:p>
             <a:r>
               <a:rPr lang="en-US" altLang="ko-KR" sz="1600" dirty="0"/>
-              <a:t> </a:t>
-            </a:r>
-            <a:r>
-              <a:rPr lang="en-US" altLang="ko-KR" sz="1600" dirty="0" smtClean="0"/>
-              <a:t>for k=1: string </a:t>
-            </a:r>
-            <a:r>
-              <a:rPr lang="ko-KR" altLang="en-US" sz="1600" dirty="0" smtClean="0"/>
+              <a:t> for k=1: string </a:t>
+            </a:r>
+            <a:r>
+              <a:rPr lang="ko-KR" altLang="en-US" sz="1600" dirty="0"/>
               <a:t>길이</a:t>
             </a:r>
-            <a:endParaRPr lang="en-US" altLang="ko-KR" sz="1600" dirty="0" smtClean="0"/>
+            <a:endParaRPr lang="en-US" altLang="ko-KR" sz="1600" dirty="0"/>
           </a:p>
           <a:p>
             <a:r>
               <a:rPr lang="en-US" altLang="ko-KR" sz="1600" dirty="0"/>
-              <a:t> </a:t>
-            </a:r>
-            <a:r>
-              <a:rPr lang="en-US" altLang="ko-KR" sz="1600" dirty="0" smtClean="0"/>
-              <a:t>      if</a:t>
+              <a:t>       if</a:t>
             </a:r>
             <a:r>
               <a:rPr lang="ko-KR" altLang="en-US" sz="1600" dirty="0"/>
               <a:t> </a:t>
             </a:r>
             <a:r>
-              <a:rPr lang="en-US" altLang="ko-KR" sz="1600" dirty="0" smtClean="0"/>
+              <a:rPr lang="en-US" altLang="ko-KR" sz="1600" dirty="0"/>
               <a:t>x(k)</a:t>
             </a:r>
             <a:r>
-              <a:rPr lang="ko-KR" altLang="en-US" sz="1600" dirty="0" smtClean="0"/>
+              <a:rPr lang="ko-KR" altLang="en-US" sz="1600" dirty="0"/>
               <a:t>와 </a:t>
             </a:r>
             <a:r>
-              <a:rPr lang="en-US" altLang="ko-KR" sz="1600" dirty="0" smtClean="0"/>
+              <a:rPr lang="en-US" altLang="ko-KR" sz="1600" dirty="0"/>
               <a:t>‘A’</a:t>
             </a:r>
             <a:r>
-              <a:rPr lang="ko-KR" altLang="en-US" sz="1600" dirty="0" smtClean="0"/>
+              <a:rPr lang="ko-KR" altLang="en-US" sz="1600" dirty="0"/>
               <a:t>가 같다면 </a:t>
             </a:r>
-            <a:endParaRPr lang="en-US" altLang="ko-KR" sz="1600" dirty="0" smtClean="0"/>
+            <a:endParaRPr lang="en-US" altLang="ko-KR" sz="1600" dirty="0"/>
           </a:p>
           <a:p>
             <a:r>
               <a:rPr lang="en-US" altLang="ko-KR" sz="1600" dirty="0"/>
-              <a:t> </a:t>
-            </a:r>
-            <a:r>
-              <a:rPr lang="en-US" altLang="ko-KR" sz="1600" dirty="0" smtClean="0"/>
-              <a:t>             y</a:t>
-            </a:r>
-            <a:r>
-              <a:rPr lang="ko-KR" altLang="en-US" sz="1600" dirty="0" smtClean="0"/>
+              <a:t>              y</a:t>
+            </a:r>
+            <a:r>
+              <a:rPr lang="ko-KR" altLang="en-US" sz="1600" dirty="0"/>
               <a:t>에 </a:t>
             </a:r>
             <a:r>
-              <a:rPr lang="en-US" altLang="ko-KR" sz="1600" dirty="0" smtClean="0"/>
+              <a:rPr lang="en-US" altLang="ko-KR" sz="1600" dirty="0"/>
               <a:t>‘T’ </a:t>
             </a:r>
             <a:r>
-              <a:rPr lang="ko-KR" altLang="en-US" sz="1600" dirty="0" smtClean="0"/>
+              <a:rPr lang="ko-KR" altLang="en-US" sz="1600" dirty="0"/>
               <a:t>붙임</a:t>
             </a:r>
-            <a:endParaRPr lang="en-US" altLang="ko-KR" sz="1600" dirty="0" smtClean="0"/>
+            <a:endParaRPr lang="en-US" altLang="ko-KR" sz="1600" dirty="0"/>
           </a:p>
           <a:p>
             <a:r>
               <a:rPr lang="en-US" altLang="ko-KR" sz="1600" dirty="0"/>
-              <a:t> </a:t>
-            </a:r>
-            <a:r>
-              <a:rPr lang="en-US" altLang="ko-KR" sz="1600" dirty="0" smtClean="0"/>
-              <a:t>     </a:t>
-            </a:r>
-            <a:r>
-              <a:rPr lang="en-US" altLang="ko-KR" sz="1600" dirty="0" err="1" smtClean="0"/>
+              <a:t>      </a:t>
+            </a:r>
+            <a:r>
+              <a:rPr lang="en-US" altLang="ko-KR" sz="1600" dirty="0" err="1"/>
               <a:t>elseif</a:t>
             </a:r>
             <a:r>
-              <a:rPr lang="en-US" altLang="ko-KR" sz="1600" dirty="0" smtClean="0"/>
+              <a:rPr lang="en-US" altLang="ko-KR" sz="1600" dirty="0"/>
               <a:t>  x(k)</a:t>
             </a:r>
             <a:r>
-              <a:rPr lang="ko-KR" altLang="en-US" sz="1600" dirty="0" smtClean="0"/>
+              <a:rPr lang="ko-KR" altLang="en-US" sz="1600" dirty="0"/>
               <a:t>가 </a:t>
             </a:r>
             <a:r>
-              <a:rPr lang="en-US" altLang="ko-KR" sz="1600" dirty="0" smtClean="0"/>
+              <a:rPr lang="en-US" altLang="ko-KR" sz="1600" dirty="0"/>
               <a:t>‘T’</a:t>
             </a:r>
             <a:r>
-              <a:rPr lang="ko-KR" altLang="en-US" sz="1600" dirty="0" smtClean="0"/>
+              <a:rPr lang="ko-KR" altLang="en-US" sz="1600" dirty="0"/>
               <a:t>와 같다면</a:t>
             </a:r>
-            <a:endParaRPr lang="en-US" altLang="ko-KR" sz="1600" dirty="0" smtClean="0"/>
+            <a:endParaRPr lang="en-US" altLang="ko-KR" sz="1600" dirty="0"/>
           </a:p>
           <a:p>
             <a:r>
               <a:rPr lang="en-US" altLang="ko-KR" sz="1600" dirty="0"/>
-              <a:t> </a:t>
-            </a:r>
-            <a:r>
-              <a:rPr lang="en-US" altLang="ko-KR" sz="1600" dirty="0" smtClean="0"/>
-              <a:t>             y</a:t>
-            </a:r>
-            <a:r>
-              <a:rPr lang="ko-KR" altLang="en-US" sz="1600" dirty="0" smtClean="0"/>
+              <a:t>              y</a:t>
+            </a:r>
+            <a:r>
+              <a:rPr lang="ko-KR" altLang="en-US" sz="1600" dirty="0"/>
               <a:t>에 </a:t>
             </a:r>
             <a:r>
-              <a:rPr lang="en-US" altLang="ko-KR" sz="1600" dirty="0" smtClean="0"/>
+              <a:rPr lang="en-US" altLang="ko-KR" sz="1600" dirty="0"/>
               <a:t>‘A’ </a:t>
             </a:r>
             <a:r>
-              <a:rPr lang="ko-KR" altLang="en-US" sz="1600" dirty="0" smtClean="0"/>
+              <a:rPr lang="ko-KR" altLang="en-US" sz="1600" dirty="0"/>
               <a:t>붙임</a:t>
             </a:r>
-            <a:endParaRPr lang="en-US" altLang="ko-KR" sz="1600" dirty="0" smtClean="0"/>
+            <a:endParaRPr lang="en-US" altLang="ko-KR" sz="1600" dirty="0"/>
           </a:p>
           <a:p>
             <a:r>
               <a:rPr lang="en-US" altLang="ko-KR" sz="1600" dirty="0"/>
-              <a:t> </a:t>
-            </a:r>
-            <a:r>
-              <a:rPr lang="en-US" altLang="ko-KR" sz="1600" dirty="0" smtClean="0"/>
-              <a:t>     </a:t>
-            </a:r>
-            <a:r>
-              <a:rPr lang="en-US" altLang="ko-KR" sz="1600" dirty="0" err="1" smtClean="0"/>
+              <a:t>      </a:t>
+            </a:r>
+            <a:r>
+              <a:rPr lang="en-US" altLang="ko-KR" sz="1600" dirty="0" err="1"/>
               <a:t>elseif</a:t>
             </a:r>
             <a:r>
-              <a:rPr lang="en-US" altLang="ko-KR" sz="1600" dirty="0" smtClean="0"/>
+              <a:rPr lang="en-US" altLang="ko-KR" sz="1600" dirty="0"/>
               <a:t> x(k)</a:t>
             </a:r>
             <a:r>
-              <a:rPr lang="ko-KR" altLang="en-US" sz="1600" dirty="0" smtClean="0"/>
+              <a:rPr lang="ko-KR" altLang="en-US" sz="1600" dirty="0"/>
               <a:t>가 </a:t>
             </a:r>
             <a:r>
-              <a:rPr lang="en-US" altLang="ko-KR" sz="1600" dirty="0" smtClean="0"/>
+              <a:rPr lang="en-US" altLang="ko-KR" sz="1600" dirty="0"/>
               <a:t>‘C’</a:t>
             </a:r>
             <a:r>
-              <a:rPr lang="ko-KR" altLang="en-US" sz="1600" dirty="0" smtClean="0"/>
+              <a:rPr lang="ko-KR" altLang="en-US" sz="1600" dirty="0"/>
               <a:t>와 같다면</a:t>
             </a:r>
-            <a:endParaRPr lang="en-US" altLang="ko-KR" sz="1600" dirty="0" smtClean="0"/>
+            <a:endParaRPr lang="en-US" altLang="ko-KR" sz="1600" dirty="0"/>
           </a:p>
           <a:p>
             <a:r>
               <a:rPr lang="en-US" altLang="ko-KR" sz="1600" dirty="0"/>
-              <a:t> </a:t>
-            </a:r>
-            <a:r>
-              <a:rPr lang="en-US" altLang="ko-KR" sz="1600" dirty="0" smtClean="0"/>
-              <a:t>             y</a:t>
-            </a:r>
-            <a:r>
-              <a:rPr lang="ko-KR" altLang="en-US" sz="1600" dirty="0" smtClean="0"/>
+              <a:t>              y</a:t>
+            </a:r>
+            <a:r>
+              <a:rPr lang="ko-KR" altLang="en-US" sz="1600" dirty="0"/>
               <a:t>에 </a:t>
             </a:r>
             <a:r>
-              <a:rPr lang="en-US" altLang="ko-KR" sz="1600" dirty="0" smtClean="0"/>
+              <a:rPr lang="en-US" altLang="ko-KR" sz="1600" dirty="0"/>
               <a:t>‘G’ </a:t>
             </a:r>
             <a:r>
-              <a:rPr lang="ko-KR" altLang="en-US" sz="1600" dirty="0" smtClean="0"/>
+              <a:rPr lang="ko-KR" altLang="en-US" sz="1600" dirty="0"/>
               <a:t>붙임</a:t>
             </a:r>
-            <a:endParaRPr lang="en-US" altLang="ko-KR" sz="1600" dirty="0" smtClean="0"/>
+            <a:endParaRPr lang="en-US" altLang="ko-KR" sz="1600" dirty="0"/>
           </a:p>
           <a:p>
             <a:r>
               <a:rPr lang="en-US" altLang="ko-KR" sz="1600" dirty="0"/>
-              <a:t> </a:t>
-            </a:r>
-            <a:r>
-              <a:rPr lang="en-US" altLang="ko-KR" sz="1600" dirty="0" smtClean="0"/>
-              <a:t>     else  </a:t>
+              <a:t>      else  </a:t>
             </a:r>
           </a:p>
           <a:p>
             <a:r>
               <a:rPr lang="en-US" altLang="ko-KR" sz="1600" dirty="0"/>
-              <a:t> </a:t>
-            </a:r>
-            <a:r>
-              <a:rPr lang="en-US" altLang="ko-KR" sz="1600" dirty="0" smtClean="0"/>
-              <a:t>             y</a:t>
-            </a:r>
-            <a:r>
-              <a:rPr lang="ko-KR" altLang="en-US" sz="1600" dirty="0" smtClean="0"/>
+              <a:t>              y</a:t>
+            </a:r>
+            <a:r>
+              <a:rPr lang="ko-KR" altLang="en-US" sz="1600" dirty="0"/>
               <a:t>에 </a:t>
             </a:r>
             <a:r>
-              <a:rPr lang="en-US" altLang="ko-KR" sz="1600" dirty="0" smtClean="0"/>
+              <a:rPr lang="en-US" altLang="ko-KR" sz="1600" dirty="0"/>
               <a:t>‘C’ </a:t>
             </a:r>
             <a:r>
-              <a:rPr lang="ko-KR" altLang="en-US" sz="1600" dirty="0" smtClean="0"/>
+              <a:rPr lang="ko-KR" altLang="en-US" sz="1600" dirty="0"/>
               <a:t>붙임 </a:t>
             </a:r>
-            <a:endParaRPr lang="en-US" altLang="ko-KR" sz="1600" dirty="0" smtClean="0"/>
+            <a:endParaRPr lang="en-US" altLang="ko-KR" sz="1600" dirty="0"/>
           </a:p>
           <a:p>
             <a:r>
               <a:rPr lang="en-US" altLang="ko-KR" sz="1600" dirty="0"/>
-              <a:t> </a:t>
-            </a:r>
-            <a:r>
-              <a:rPr lang="en-US" altLang="ko-KR" sz="1600" dirty="0" smtClean="0"/>
-              <a:t>     end</a:t>
+              <a:t>      end</a:t>
             </a:r>
           </a:p>
           <a:p>
             <a:r>
               <a:rPr lang="en-US" altLang="ko-KR" sz="1600" dirty="0"/>
-              <a:t> </a:t>
-            </a:r>
-            <a:r>
-              <a:rPr lang="en-US" altLang="ko-KR" sz="1600" dirty="0" smtClean="0"/>
-              <a:t> end</a:t>
+              <a:t>  end</a:t>
             </a:r>
             <a:endParaRPr lang="ko-KR" altLang="en-US" sz="1600" dirty="0"/>
           </a:p>
@@ -7961,7 +7972,7 @@
           <a:lstStyle/>
           <a:p>
             <a:r>
-              <a:rPr lang="en-US" altLang="ko-KR" smtClean="0"/>
+              <a:rPr lang="en-US" altLang="ko-KR"/>
               <a:t> </a:t>
             </a:r>
             <a:fld id="{978D8FE9-C6B4-485D-8C4A-C84573A85BD8}" type="slidenum">
@@ -7983,13 +7994,6 @@
   <p:clrMapOvr>
     <a:masterClrMapping/>
   </p:clrMapOvr>
-  <p:timing>
-    <p:tnLst>
-      <p:par>
-        <p:cTn id="1" dur="indefinite" restart="never" nodeType="tmRoot"/>
-      </p:par>
-    </p:tnLst>
-  </p:timing>
 </p:sld>
 </file>
 
@@ -8044,21 +8048,20 @@
           <a:bodyPr/>
           <a:lstStyle/>
           <a:p>
-            <a:endParaRPr lang="en-US" altLang="ko-KR" dirty="0" smtClean="0"/>
-          </a:p>
-          <a:p>
             <a:endParaRPr lang="en-US" altLang="ko-KR" dirty="0"/>
           </a:p>
           <a:p>
-            <a:r>
-              <a:rPr lang="en-US" altLang="ko-KR" dirty="0" err="1" smtClean="0"/>
+            <a:endParaRPr lang="en-US" altLang="ko-KR" dirty="0"/>
+          </a:p>
+          <a:p>
+            <a:r>
+              <a:rPr lang="en-US" altLang="ko-KR" dirty="0" err="1"/>
               <a:t>Matlab</a:t>
             </a:r>
             <a:r>
-              <a:rPr lang="ko-KR" altLang="en-US" dirty="0" smtClean="0"/>
+              <a:rPr lang="ko-KR" altLang="en-US" dirty="0"/>
               <a:t>에서의 문자열 다루기 </a:t>
             </a:r>
-            <a:endParaRPr lang="ko-KR" altLang="en-US" dirty="0"/>
           </a:p>
         </p:txBody>
       </p:sp>
@@ -8078,7 +8081,7 @@
           <a:lstStyle/>
           <a:p>
             <a:r>
-              <a:rPr lang="en-US" altLang="ko-KR" smtClean="0"/>
+              <a:rPr lang="en-US" altLang="ko-KR"/>
               <a:t> </a:t>
             </a:r>
             <a:fld id="{978D8FE9-C6B4-485D-8C4A-C84573A85BD8}" type="slidenum">
@@ -8100,13 +8103,6 @@
   <p:clrMapOvr>
     <a:masterClrMapping/>
   </p:clrMapOvr>
-  <p:timing>
-    <p:tnLst>
-      <p:par>
-        <p:cTn id="1" dur="indefinite" restart="never" nodeType="tmRoot"/>
-      </p:par>
-    </p:tnLst>
-  </p:timing>
 </p:sld>
 </file>
 
@@ -8188,7 +8184,7 @@
           <a:lstStyle/>
           <a:p>
             <a:r>
-              <a:rPr lang="en-US" altLang="ko-KR" smtClean="0"/>
+              <a:rPr lang="en-US" altLang="ko-KR"/>
               <a:t> </a:t>
             </a:r>
             <a:fld id="{978D8FE9-C6B4-485D-8C4A-C84573A85BD8}" type="slidenum">
@@ -8210,13 +8206,6 @@
   <p:clrMapOvr>
     <a:masterClrMapping/>
   </p:clrMapOvr>
-  <p:timing>
-    <p:tnLst>
-      <p:par>
-        <p:cTn id="1" dur="indefinite" restart="never" nodeType="tmRoot"/>
-      </p:par>
-    </p:tnLst>
-  </p:timing>
 </p:sld>
 </file>
 
@@ -8272,7 +8261,7 @@
           <a:lstStyle/>
           <a:p>
             <a:r>
-              <a:rPr lang="en-US" altLang="ko-KR" sz="2000" dirty="0" smtClean="0">
+              <a:rPr lang="en-US" altLang="ko-KR" sz="2000" dirty="0">
                 <a:solidFill>
                   <a:srgbClr val="00B050"/>
                 </a:solidFill>
@@ -8280,105 +8269,105 @@
               <a:t>Problem: </a:t>
             </a:r>
             <a:r>
-              <a:rPr lang="ko-KR" altLang="en-US" sz="2000" dirty="0" smtClean="0"/>
+              <a:rPr lang="ko-KR" altLang="en-US" sz="2000" dirty="0"/>
               <a:t>어떤 </a:t>
             </a:r>
             <a:r>
-              <a:rPr lang="en-US" altLang="ko-KR" sz="2000" dirty="0" smtClean="0"/>
+              <a:rPr lang="en-US" altLang="ko-KR" sz="2000" dirty="0"/>
               <a:t>DNA sequence </a:t>
             </a:r>
             <a:r>
-              <a:rPr lang="ko-KR" altLang="en-US" sz="2000" dirty="0" smtClean="0"/>
+              <a:rPr lang="ko-KR" altLang="en-US" sz="2000" dirty="0"/>
               <a:t>예를 들어</a:t>
             </a:r>
             <a:r>
-              <a:rPr lang="en-US" altLang="ko-KR" sz="2000" dirty="0" smtClean="0"/>
+              <a:rPr lang="en-US" altLang="ko-KR" sz="2000" dirty="0"/>
               <a:t> ‘AGTAGCAT’ </a:t>
             </a:r>
             <a:r>
-              <a:rPr lang="ko-KR" altLang="en-US" sz="2000" dirty="0" smtClean="0"/>
+              <a:rPr lang="ko-KR" altLang="en-US" sz="2000" dirty="0"/>
               <a:t>가 들어오면</a:t>
             </a:r>
-            <a:endParaRPr lang="en-US" altLang="ko-KR" sz="2000" dirty="0" smtClean="0"/>
-          </a:p>
-          <a:p>
-            <a:r>
-              <a:rPr lang="en-US" altLang="ko-KR" sz="2000" dirty="0" smtClean="0"/>
+            <a:endParaRPr lang="en-US" altLang="ko-KR" sz="2000" dirty="0"/>
+          </a:p>
+          <a:p>
+            <a:r>
+              <a:rPr lang="en-US" altLang="ko-KR" sz="2000" dirty="0"/>
               <a:t>1.</a:t>
             </a:r>
             <a:r>
-              <a:rPr lang="ko-KR" altLang="en-US" sz="2000" dirty="0" smtClean="0"/>
+              <a:rPr lang="ko-KR" altLang="en-US" sz="2000" dirty="0"/>
               <a:t> 이 </a:t>
             </a:r>
             <a:r>
-              <a:rPr lang="en-US" altLang="ko-KR" sz="2000" dirty="0" smtClean="0"/>
+              <a:rPr lang="en-US" altLang="ko-KR" sz="2000" dirty="0"/>
               <a:t>DNA sequence</a:t>
             </a:r>
             <a:r>
-              <a:rPr lang="ko-KR" altLang="en-US" sz="2000" dirty="0" smtClean="0"/>
+              <a:rPr lang="ko-KR" altLang="en-US" sz="2000" dirty="0"/>
               <a:t>를 거꾸로 읽고 </a:t>
             </a:r>
             <a:r>
-              <a:rPr lang="en-US" altLang="ko-KR" sz="2000" dirty="0" smtClean="0"/>
+              <a:rPr lang="en-US" altLang="ko-KR" sz="2000" dirty="0"/>
               <a:t>‘TACCATGA’ </a:t>
             </a:r>
             <a:r>
-              <a:rPr lang="ko-KR" altLang="en-US" sz="2000" dirty="0" err="1" smtClean="0"/>
+              <a:rPr lang="ko-KR" altLang="en-US" sz="2000" dirty="0" err="1"/>
               <a:t>저장한후에</a:t>
             </a:r>
-            <a:endParaRPr lang="en-US" altLang="ko-KR" sz="2000" dirty="0" smtClean="0"/>
-          </a:p>
-          <a:p>
-            <a:r>
-              <a:rPr lang="en-US" altLang="ko-KR" sz="2000" dirty="0" smtClean="0"/>
+            <a:endParaRPr lang="en-US" altLang="ko-KR" sz="2000" dirty="0"/>
+          </a:p>
+          <a:p>
+            <a:r>
+              <a:rPr lang="en-US" altLang="ko-KR" sz="2000" dirty="0"/>
               <a:t>2. complement </a:t>
             </a:r>
             <a:r>
-              <a:rPr lang="ko-KR" altLang="en-US" sz="2000" dirty="0" smtClean="0"/>
+              <a:rPr lang="ko-KR" altLang="en-US" sz="2000" dirty="0"/>
               <a:t>연산을 수행하고자 한다</a:t>
             </a:r>
             <a:r>
-              <a:rPr lang="en-US" altLang="ko-KR" sz="2000" dirty="0" smtClean="0"/>
+              <a:rPr lang="en-US" altLang="ko-KR" sz="2000" dirty="0"/>
               <a:t>. Complement </a:t>
             </a:r>
             <a:r>
-              <a:rPr lang="ko-KR" altLang="en-US" sz="2000" dirty="0" smtClean="0"/>
+              <a:rPr lang="ko-KR" altLang="en-US" sz="2000" dirty="0"/>
               <a:t>연산은 </a:t>
             </a:r>
             <a:r>
-              <a:rPr lang="en-US" altLang="ko-KR" sz="2000" dirty="0" smtClean="0"/>
+              <a:rPr lang="en-US" altLang="ko-KR" sz="2000" dirty="0"/>
               <a:t>‘A’</a:t>
             </a:r>
             <a:r>
-              <a:rPr lang="ko-KR" altLang="en-US" sz="2000" dirty="0" smtClean="0"/>
+              <a:rPr lang="ko-KR" altLang="en-US" sz="2000" dirty="0"/>
               <a:t>는 </a:t>
             </a:r>
             <a:r>
-              <a:rPr lang="en-US" altLang="ko-KR" sz="2000" dirty="0" smtClean="0"/>
+              <a:rPr lang="en-US" altLang="ko-KR" sz="2000" dirty="0"/>
               <a:t>‘T’</a:t>
             </a:r>
             <a:r>
-              <a:rPr lang="ko-KR" altLang="en-US" sz="2000" dirty="0" smtClean="0"/>
+              <a:rPr lang="ko-KR" altLang="en-US" sz="2000" dirty="0"/>
               <a:t>로 서로 바꾸어주고 </a:t>
             </a:r>
             <a:r>
-              <a:rPr lang="en-US" altLang="ko-KR" sz="2000" dirty="0" smtClean="0"/>
+              <a:rPr lang="en-US" altLang="ko-KR" sz="2000" dirty="0"/>
               <a:t>‘C’</a:t>
             </a:r>
             <a:r>
-              <a:rPr lang="ko-KR" altLang="en-US" sz="2000" dirty="0" smtClean="0"/>
+              <a:rPr lang="ko-KR" altLang="en-US" sz="2000" dirty="0"/>
               <a:t>와 </a:t>
             </a:r>
             <a:r>
-              <a:rPr lang="en-US" altLang="ko-KR" sz="2000" dirty="0" smtClean="0"/>
+              <a:rPr lang="en-US" altLang="ko-KR" sz="2000" dirty="0"/>
               <a:t>‘G’</a:t>
             </a:r>
             <a:r>
-              <a:rPr lang="ko-KR" altLang="en-US" sz="2000" dirty="0" smtClean="0"/>
+              <a:rPr lang="ko-KR" altLang="en-US" sz="2000" dirty="0"/>
               <a:t>는 서로 바꾸어 준다</a:t>
             </a:r>
             <a:r>
-              <a:rPr lang="en-US" altLang="ko-KR" sz="2000" dirty="0" smtClean="0"/>
+              <a:rPr lang="en-US" altLang="ko-KR" sz="2000" dirty="0"/>
               <a:t>.</a:t>
             </a:r>
           </a:p>
@@ -8387,103 +8376,103 @@
               <a:buNone/>
             </a:pPr>
             <a:r>
-              <a:rPr lang="en-US" altLang="ko-KR" sz="2000" dirty="0" smtClean="0"/>
+              <a:rPr lang="en-US" altLang="ko-KR" sz="2000" dirty="0"/>
               <a:t>   1, 2</a:t>
             </a:r>
             <a:r>
-              <a:rPr lang="ko-KR" altLang="en-US" sz="2000" dirty="0" smtClean="0"/>
+              <a:rPr lang="ko-KR" altLang="en-US" sz="2000" dirty="0"/>
               <a:t>를</a:t>
             </a:r>
             <a:r>
-              <a:rPr lang="en-US" altLang="ko-KR" sz="2000" dirty="0" smtClean="0"/>
+              <a:rPr lang="en-US" altLang="ko-KR" sz="2000" dirty="0"/>
               <a:t> </a:t>
             </a:r>
             <a:r>
-              <a:rPr lang="ko-KR" altLang="en-US" sz="2000" dirty="0" smtClean="0"/>
+              <a:rPr lang="ko-KR" altLang="en-US" sz="2000" dirty="0"/>
               <a:t>모두 수행한 것을 </a:t>
             </a:r>
             <a:r>
-              <a:rPr lang="en-US" altLang="ko-KR" sz="2000" dirty="0" smtClean="0"/>
+              <a:rPr lang="en-US" altLang="ko-KR" sz="2000" dirty="0"/>
               <a:t>reverse complement </a:t>
             </a:r>
             <a:r>
-              <a:rPr lang="ko-KR" altLang="en-US" sz="2000" dirty="0" smtClean="0"/>
+              <a:rPr lang="ko-KR" altLang="en-US" sz="2000" dirty="0"/>
               <a:t>연산이라고 한다</a:t>
             </a:r>
             <a:r>
-              <a:rPr lang="en-US" altLang="ko-KR" sz="2000" dirty="0" smtClean="0"/>
+              <a:rPr lang="en-US" altLang="ko-KR" sz="2000" dirty="0"/>
               <a:t>.  </a:t>
             </a:r>
             <a:r>
-              <a:rPr lang="ko-KR" altLang="en-US" sz="2000" dirty="0" smtClean="0"/>
+              <a:rPr lang="ko-KR" altLang="en-US" sz="2000" dirty="0"/>
               <a:t>앞의 코드를 이용하여 이를 수행하는 함수를 작성하여 보자</a:t>
             </a:r>
             <a:r>
-              <a:rPr lang="en-US" altLang="ko-KR" sz="2000" dirty="0" smtClean="0"/>
+              <a:rPr lang="en-US" altLang="ko-KR" sz="2000" dirty="0"/>
               <a:t>. </a:t>
             </a:r>
             <a:r>
-              <a:rPr lang="ko-KR" altLang="en-US" sz="2000" dirty="0" smtClean="0"/>
+              <a:rPr lang="ko-KR" altLang="en-US" sz="2000" dirty="0"/>
               <a:t>단</a:t>
             </a:r>
             <a:r>
-              <a:rPr lang="en-US" altLang="ko-KR" sz="2000" dirty="0" smtClean="0"/>
+              <a:rPr lang="en-US" altLang="ko-KR" sz="2000" dirty="0"/>
               <a:t>, 1</a:t>
             </a:r>
             <a:r>
-              <a:rPr lang="ko-KR" altLang="en-US" sz="2000" dirty="0" smtClean="0"/>
+              <a:rPr lang="ko-KR" altLang="en-US" sz="2000" dirty="0"/>
               <a:t>을 </a:t>
             </a:r>
             <a:r>
-              <a:rPr lang="ko-KR" altLang="en-US" sz="2000" dirty="0" err="1" smtClean="0"/>
+              <a:rPr lang="ko-KR" altLang="en-US" sz="2000" dirty="0" err="1"/>
               <a:t>수행시</a:t>
             </a:r>
             <a:r>
-              <a:rPr lang="ko-KR" altLang="en-US" sz="2000" dirty="0" smtClean="0"/>
+              <a:rPr lang="ko-KR" altLang="en-US" sz="2000" dirty="0"/>
               <a:t> 반드시 </a:t>
             </a:r>
             <a:r>
-              <a:rPr lang="en-US" altLang="ko-KR" sz="2000" dirty="0" smtClean="0"/>
+              <a:rPr lang="en-US" altLang="ko-KR" sz="2000" dirty="0"/>
               <a:t>for </a:t>
             </a:r>
             <a:r>
-              <a:rPr lang="ko-KR" altLang="en-US" sz="2000" dirty="0" err="1" smtClean="0"/>
+              <a:rPr lang="ko-KR" altLang="en-US" sz="2000" dirty="0" err="1"/>
               <a:t>반복문을</a:t>
             </a:r>
             <a:r>
-              <a:rPr lang="ko-KR" altLang="en-US" sz="2000" dirty="0" smtClean="0"/>
+              <a:rPr lang="ko-KR" altLang="en-US" sz="2000" dirty="0"/>
               <a:t> 사용하고 </a:t>
             </a:r>
             <a:r>
-              <a:rPr lang="en-US" altLang="ko-KR" sz="2000" dirty="0" smtClean="0"/>
+              <a:rPr lang="en-US" altLang="ko-KR" sz="2000" dirty="0"/>
               <a:t>DNA sequence</a:t>
             </a:r>
             <a:r>
-              <a:rPr lang="ko-KR" altLang="en-US" sz="2000" dirty="0" smtClean="0"/>
+              <a:rPr lang="ko-KR" altLang="en-US" sz="2000" dirty="0"/>
               <a:t>에는 </a:t>
             </a:r>
             <a:r>
-              <a:rPr lang="en-US" altLang="ko-KR" sz="2000" dirty="0" smtClean="0"/>
+              <a:rPr lang="en-US" altLang="ko-KR" sz="2000" dirty="0"/>
               <a:t>‘A’, ‘T’, ‘C’, ‘G’</a:t>
             </a:r>
             <a:r>
-              <a:rPr lang="ko-KR" altLang="en-US" sz="2000" dirty="0" smtClean="0"/>
+              <a:rPr lang="ko-KR" altLang="en-US" sz="2000" dirty="0"/>
               <a:t>의 </a:t>
             </a:r>
             <a:r>
-              <a:rPr lang="en-US" altLang="ko-KR" sz="2000" dirty="0" smtClean="0"/>
+              <a:rPr lang="en-US" altLang="ko-KR" sz="2000" dirty="0"/>
               <a:t>4</a:t>
             </a:r>
             <a:r>
-              <a:rPr lang="ko-KR" altLang="en-US" sz="2000" dirty="0" smtClean="0"/>
+              <a:rPr lang="ko-KR" altLang="en-US" sz="2000" dirty="0"/>
               <a:t>개 문자만 사용된다고 하자</a:t>
             </a:r>
             <a:r>
-              <a:rPr lang="en-US" altLang="ko-KR" sz="2000" dirty="0" smtClean="0"/>
+              <a:rPr lang="en-US" altLang="ko-KR" sz="2000" dirty="0"/>
               <a:t>.</a:t>
             </a:r>
             <a:br>
-              <a:rPr lang="en-US" altLang="ko-KR" sz="2000" dirty="0" smtClean="0"/>
+              <a:rPr lang="en-US" altLang="ko-KR" sz="2000" dirty="0"/>
             </a:br>
             <a:endParaRPr lang="ko-KR" altLang="en-US" sz="2000" dirty="0"/>
           </a:p>
@@ -8505,7 +8494,7 @@
           <a:lstStyle/>
           <a:p>
             <a:r>
-              <a:rPr lang="en-US" altLang="ko-KR" smtClean="0"/>
+              <a:rPr lang="en-US" altLang="ko-KR"/>
               <a:t> </a:t>
             </a:r>
             <a:fld id="{978D8FE9-C6B4-485D-8C4A-C84573A85BD8}" type="slidenum">
@@ -8636,7 +8625,7 @@
           <a:lstStyle/>
           <a:p>
             <a:r>
-              <a:rPr lang="en-US" altLang="ko-KR" dirty="0" smtClean="0">
+              <a:rPr lang="en-US" altLang="ko-KR" dirty="0">
                 <a:solidFill>
                   <a:srgbClr val="00B050"/>
                 </a:solidFill>
@@ -8644,86 +8633,85 @@
               <a:t>Problem: </a:t>
             </a:r>
             <a:r>
-              <a:rPr lang="en-US" altLang="ko-KR" dirty="0" smtClean="0"/>
+              <a:rPr lang="en-US" altLang="ko-KR" dirty="0"/>
               <a:t>DNA </a:t>
             </a:r>
             <a:r>
-              <a:rPr lang="ko-KR" altLang="en-US" dirty="0" smtClean="0"/>
+              <a:rPr lang="ko-KR" altLang="en-US" dirty="0"/>
               <a:t>탐색</a:t>
             </a:r>
             <a:r>
-              <a:rPr lang="en-US" altLang="ko-KR" dirty="0" smtClean="0"/>
+              <a:rPr lang="en-US" altLang="ko-KR" dirty="0"/>
               <a:t>. </a:t>
             </a:r>
             <a:r>
-              <a:rPr lang="ko-KR" altLang="en-US" dirty="0" smtClean="0"/>
+              <a:rPr lang="ko-KR" altLang="en-US" dirty="0"/>
               <a:t>두 개의 문자열 </a:t>
             </a:r>
             <a:r>
-              <a:rPr lang="en-US" altLang="ko-KR" dirty="0" smtClean="0"/>
+              <a:rPr lang="en-US" altLang="ko-KR" dirty="0"/>
               <a:t>S</a:t>
             </a:r>
             <a:r>
-              <a:rPr lang="ko-KR" altLang="en-US" dirty="0" smtClean="0"/>
+              <a:rPr lang="ko-KR" altLang="en-US" dirty="0"/>
               <a:t>와 </a:t>
             </a:r>
             <a:r>
-              <a:rPr lang="en-US" altLang="ko-KR" dirty="0" smtClean="0"/>
+              <a:rPr lang="en-US" altLang="ko-KR" dirty="0"/>
               <a:t>T</a:t>
             </a:r>
             <a:r>
-              <a:rPr lang="ko-KR" altLang="en-US" dirty="0" smtClean="0"/>
+              <a:rPr lang="ko-KR" altLang="en-US" dirty="0"/>
               <a:t>가 있다고 하자</a:t>
             </a:r>
             <a:r>
-              <a:rPr lang="en-US" altLang="ko-KR" dirty="0" smtClean="0"/>
+              <a:rPr lang="en-US" altLang="ko-KR" dirty="0"/>
               <a:t>. </a:t>
             </a:r>
             <a:r>
-              <a:rPr lang="ko-KR" altLang="en-US" dirty="0" smtClean="0"/>
+              <a:rPr lang="ko-KR" altLang="en-US" dirty="0"/>
               <a:t>예를 들어 </a:t>
             </a:r>
-            <a:endParaRPr lang="en-US" altLang="ko-KR" dirty="0" smtClean="0"/>
-          </a:p>
-          <a:p>
             <a:endParaRPr lang="en-US" altLang="ko-KR" dirty="0"/>
           </a:p>
           <a:p>
+            <a:endParaRPr lang="en-US" altLang="ko-KR" dirty="0"/>
+          </a:p>
+          <a:p>
             <a:pPr marL="0" indent="0">
               <a:buNone/>
             </a:pPr>
-            <a:endParaRPr lang="en-US" altLang="ko-KR" dirty="0" smtClean="0"/>
-          </a:p>
-          <a:p>
-            <a:r>
-              <a:rPr lang="ko-KR" altLang="en-US" dirty="0" smtClean="0"/>
+            <a:endParaRPr lang="en-US" altLang="ko-KR" dirty="0"/>
+          </a:p>
+          <a:p>
+            <a:r>
+              <a:rPr lang="ko-KR" altLang="en-US" dirty="0"/>
               <a:t>우리가 알고 싶은 것은 </a:t>
             </a:r>
             <a:r>
-              <a:rPr lang="en-US" altLang="ko-KR" dirty="0" smtClean="0"/>
+              <a:rPr lang="en-US" altLang="ko-KR" dirty="0"/>
               <a:t>S</a:t>
             </a:r>
             <a:r>
-              <a:rPr lang="ko-KR" altLang="en-US" dirty="0" smtClean="0"/>
+              <a:rPr lang="ko-KR" altLang="en-US" dirty="0"/>
               <a:t>가 </a:t>
             </a:r>
             <a:r>
-              <a:rPr lang="en-US" altLang="ko-KR" dirty="0" smtClean="0"/>
+              <a:rPr lang="en-US" altLang="ko-KR" dirty="0"/>
               <a:t>T</a:t>
             </a:r>
             <a:r>
-              <a:rPr lang="ko-KR" altLang="en-US" dirty="0" smtClean="0"/>
+              <a:rPr lang="ko-KR" altLang="en-US" dirty="0"/>
               <a:t>의 문자열의 일부인지 아닌지 알고 싶고 일부라면 그 처음 시작점이 어디인지 알고 싶다</a:t>
             </a:r>
             <a:r>
-              <a:rPr lang="en-US" altLang="ko-KR" dirty="0" smtClean="0"/>
+              <a:rPr lang="en-US" altLang="ko-KR" dirty="0"/>
               <a:t>. </a:t>
             </a:r>
             <a:r>
-              <a:rPr lang="ko-KR" altLang="en-US" dirty="0" smtClean="0"/>
+              <a:rPr lang="ko-KR" altLang="en-US" dirty="0"/>
               <a:t>  </a:t>
             </a:r>
-            <a:endParaRPr lang="ko-KR" altLang="en-US" dirty="0"/>
           </a:p>
         </p:txBody>
       </p:sp>
@@ -8743,7 +8731,7 @@
           <a:lstStyle/>
           <a:p>
             <a:r>
-              <a:rPr lang="en-US" altLang="ko-KR" dirty="0" smtClean="0"/>
+              <a:rPr lang="en-US" altLang="ko-KR" dirty="0"/>
               <a:t> </a:t>
             </a:r>
             <a:fld id="{978D8FE9-C6B4-485D-8C4A-C84573A85BD8}" type="slidenum">
@@ -8789,13 +8777,6 @@
   <p:clrMapOvr>
     <a:masterClrMapping/>
   </p:clrMapOvr>
-  <p:timing>
-    <p:tnLst>
-      <p:par>
-        <p:cTn id="1" dur="indefinite" restart="never" nodeType="tmRoot"/>
-      </p:par>
-    </p:tnLst>
-  </p:timing>
 </p:sld>
 </file>
 
@@ -8851,7 +8832,7 @@
           <a:lstStyle/>
           <a:p>
             <a:r>
-              <a:rPr lang="en-US" altLang="ko-KR" sz="2800" dirty="0" smtClean="0">
+              <a:rPr lang="en-US" altLang="ko-KR" sz="2800" dirty="0">
                 <a:solidFill>
                   <a:srgbClr val="FF0000"/>
                 </a:solidFill>
@@ -8859,7 +8840,7 @@
               <a:t> function k = </a:t>
             </a:r>
             <a:r>
-              <a:rPr lang="en-US" altLang="ko-KR" sz="2800" dirty="0" err="1" smtClean="0">
+              <a:rPr lang="en-US" altLang="ko-KR" sz="2800" dirty="0" err="1">
                 <a:solidFill>
                   <a:srgbClr val="FF0000"/>
                 </a:solidFill>
@@ -8867,7 +8848,7 @@
               <a:t>FindCopy</a:t>
             </a:r>
             <a:r>
-              <a:rPr lang="en-US" altLang="ko-KR" sz="2800" dirty="0" smtClean="0">
+              <a:rPr lang="en-US" altLang="ko-KR" sz="2800" dirty="0">
                 <a:solidFill>
                   <a:srgbClr val="FF0000"/>
                 </a:solidFill>
@@ -8878,25 +8859,68 @@
           <a:p>
             <a:r>
               <a:rPr lang="en-US" altLang="ko-KR" sz="2800" dirty="0"/>
+              <a:t> % S</a:t>
+            </a:r>
+            <a:r>
+              <a:rPr lang="ko-KR" altLang="en-US" sz="2800" dirty="0"/>
+              <a:t>와 </a:t>
+            </a:r>
+            <a:r>
+              <a:rPr lang="en-US" altLang="ko-KR" sz="2800" dirty="0"/>
+              <a:t>T</a:t>
+            </a:r>
+            <a:r>
+              <a:rPr lang="ko-KR" altLang="en-US" sz="2800" dirty="0"/>
+              <a:t>는 문자열</a:t>
+            </a:r>
+            <a:endParaRPr lang="en-US" altLang="ko-KR" sz="2800" dirty="0"/>
+          </a:p>
+          <a:p>
+            <a:r>
+              <a:rPr lang="en-US" altLang="ko-KR" sz="2800" dirty="0"/>
+              <a:t> % If</a:t>
+            </a:r>
+            <a:r>
+              <a:rPr lang="ko-KR" altLang="en-US" sz="2800" dirty="0"/>
               <a:t> </a:t>
             </a:r>
             <a:r>
-              <a:rPr lang="en-US" altLang="ko-KR" sz="2800" dirty="0" smtClean="0"/>
-              <a:t>% S</a:t>
-            </a:r>
-            <a:r>
-              <a:rPr lang="ko-KR" altLang="en-US" sz="2800" dirty="0" smtClean="0"/>
-              <a:t>와 </a:t>
-            </a:r>
-            <a:r>
-              <a:rPr lang="en-US" altLang="ko-KR" sz="2800" dirty="0" smtClean="0"/>
+              <a:rPr lang="en-US" altLang="ko-KR" sz="2800" dirty="0"/>
+              <a:t>S</a:t>
+            </a:r>
+            <a:r>
+              <a:rPr lang="ko-KR" altLang="en-US" sz="2800" dirty="0"/>
+              <a:t>가 </a:t>
+            </a:r>
+            <a:r>
+              <a:rPr lang="en-US" altLang="ko-KR" sz="2800" dirty="0"/>
               <a:t>T</a:t>
             </a:r>
             <a:r>
-              <a:rPr lang="ko-KR" altLang="en-US" sz="2800" dirty="0" smtClean="0"/>
-              <a:t>는 문자열</a:t>
-            </a:r>
-            <a:endParaRPr lang="en-US" altLang="ko-KR" sz="2800" dirty="0" smtClean="0"/>
+              <a:rPr lang="ko-KR" altLang="en-US" sz="2800" dirty="0"/>
+              <a:t>의 </a:t>
+            </a:r>
+            <a:r>
+              <a:rPr lang="en-US" altLang="ko-KR" sz="2800" dirty="0"/>
+              <a:t>substring</a:t>
+            </a:r>
+            <a:r>
+              <a:rPr lang="ko-KR" altLang="en-US" sz="2800" dirty="0"/>
+              <a:t>이 아니라면 </a:t>
+            </a:r>
+            <a:endParaRPr lang="en-US" altLang="ko-KR" sz="2800" dirty="0"/>
+          </a:p>
+          <a:p>
+            <a:r>
+              <a:rPr lang="en-US" altLang="ko-KR" sz="2800" dirty="0"/>
+              <a:t>           k=0</a:t>
+            </a:r>
+          </a:p>
+          <a:p>
+            <a:r>
+              <a:rPr lang="en-US" altLang="ko-KR" sz="2800" dirty="0"/>
+              <a:t> % else</a:t>
+            </a:r>
           </a:p>
           <a:p>
             <a:r>
@@ -8904,107 +8928,43 @@
               <a:t> </a:t>
             </a:r>
             <a:r>
-              <a:rPr lang="en-US" altLang="ko-KR" sz="2800" dirty="0" smtClean="0"/>
-              <a:t>% If</a:t>
-            </a:r>
-            <a:r>
-              <a:rPr lang="ko-KR" altLang="en-US" sz="2800" dirty="0" smtClean="0"/>
-              <a:t> </a:t>
-            </a:r>
-            <a:r>
-              <a:rPr lang="en-US" altLang="ko-KR" sz="2800" dirty="0" smtClean="0"/>
-              <a:t>S</a:t>
-            </a:r>
-            <a:r>
-              <a:rPr lang="ko-KR" altLang="en-US" sz="2800" dirty="0" smtClean="0"/>
-              <a:t>가 </a:t>
-            </a:r>
-            <a:r>
-              <a:rPr lang="en-US" altLang="ko-KR" sz="2800" dirty="0" smtClean="0"/>
-              <a:t>T</a:t>
-            </a:r>
-            <a:r>
-              <a:rPr lang="ko-KR" altLang="en-US" sz="2800" dirty="0" smtClean="0"/>
-              <a:t>의 </a:t>
-            </a:r>
-            <a:r>
-              <a:rPr lang="en-US" altLang="ko-KR" sz="2800" dirty="0" smtClean="0"/>
-              <a:t>substring</a:t>
-            </a:r>
-            <a:r>
-              <a:rPr lang="ko-KR" altLang="en-US" sz="2800" dirty="0" smtClean="0"/>
-              <a:t>이 아니라면 </a:t>
-            </a:r>
-            <a:endParaRPr lang="en-US" altLang="ko-KR" sz="2800" dirty="0" smtClean="0"/>
-          </a:p>
-          <a:p>
+              <a:rPr lang="en-US" altLang="ko-KR" sz="2800"/>
+              <a:t>%      k</a:t>
+            </a:r>
+            <a:r>
+              <a:rPr lang="ko-KR" altLang="en-US" sz="2800" dirty="0"/>
+              <a:t>는 </a:t>
+            </a:r>
             <a:r>
               <a:rPr lang="en-US" altLang="ko-KR" sz="2800" dirty="0"/>
-              <a:t> </a:t>
-            </a:r>
-            <a:r>
-              <a:rPr lang="en-US" altLang="ko-KR" sz="2800" dirty="0" smtClean="0"/>
-              <a:t>          k=0</a:t>
+              <a:t>smallest integer such that </a:t>
             </a:r>
           </a:p>
           <a:p>
             <a:r>
               <a:rPr lang="en-US" altLang="ko-KR" sz="2800" dirty="0"/>
-              <a:t> </a:t>
-            </a:r>
-            <a:r>
-              <a:rPr lang="en-US" altLang="ko-KR" sz="2800" dirty="0" smtClean="0"/>
-              <a:t>% else</a:t>
-            </a:r>
-          </a:p>
-          <a:p>
+              <a:t> % S</a:t>
+            </a:r>
+            <a:r>
+              <a:rPr lang="ko-KR" altLang="en-US" sz="2800" dirty="0"/>
+              <a:t>와 </a:t>
+            </a:r>
             <a:r>
               <a:rPr lang="en-US" altLang="ko-KR" sz="2800" dirty="0"/>
-              <a:t> </a:t>
-            </a:r>
-            <a:r>
-              <a:rPr lang="en-US" altLang="ko-KR" sz="2800" smtClean="0"/>
-              <a:t>%      k</a:t>
-            </a:r>
-            <a:r>
-              <a:rPr lang="ko-KR" altLang="en-US" sz="2800" dirty="0" smtClean="0"/>
-              <a:t>는 </a:t>
-            </a:r>
-            <a:r>
-              <a:rPr lang="en-US" altLang="ko-KR" sz="2800" dirty="0" smtClean="0"/>
-              <a:t>smallest integer such that </a:t>
-            </a:r>
-          </a:p>
-          <a:p>
+              <a:t>T(k: </a:t>
+            </a:r>
+            <a:r>
+              <a:rPr lang="en-US" altLang="ko-KR" sz="2800" dirty="0" err="1"/>
+              <a:t>k+length</a:t>
+            </a:r>
             <a:r>
               <a:rPr lang="en-US" altLang="ko-KR" sz="2800" dirty="0"/>
-              <a:t> </a:t>
-            </a:r>
-            <a:r>
-              <a:rPr lang="en-US" altLang="ko-KR" sz="2800" dirty="0" smtClean="0"/>
-              <a:t>% S</a:t>
-            </a:r>
-            <a:r>
-              <a:rPr lang="ko-KR" altLang="en-US" sz="2800" dirty="0" smtClean="0"/>
-              <a:t>와 </a:t>
-            </a:r>
-            <a:r>
-              <a:rPr lang="en-US" altLang="ko-KR" sz="2800" dirty="0" smtClean="0"/>
-              <a:t>T(k: </a:t>
-            </a:r>
-            <a:r>
-              <a:rPr lang="en-US" altLang="ko-KR" sz="2800" dirty="0" err="1" smtClean="0"/>
-              <a:t>k+length</a:t>
-            </a:r>
-            <a:r>
-              <a:rPr lang="en-US" altLang="ko-KR" sz="2800" dirty="0" smtClean="0"/>
               <a:t>(S)-1) </a:t>
             </a:r>
             <a:r>
-              <a:rPr lang="ko-KR" altLang="en-US" sz="2800" dirty="0" smtClean="0"/>
+              <a:rPr lang="ko-KR" altLang="en-US" sz="2800" dirty="0"/>
               <a:t>동일</a:t>
             </a:r>
-            <a:endParaRPr lang="ko-KR" altLang="en-US" sz="2800" dirty="0"/>
           </a:p>
         </p:txBody>
       </p:sp>
@@ -9024,7 +8984,7 @@
           <a:lstStyle/>
           <a:p>
             <a:r>
-              <a:rPr lang="en-US" altLang="ko-KR" smtClean="0"/>
+              <a:rPr lang="en-US" altLang="ko-KR"/>
               <a:t> </a:t>
             </a:r>
             <a:fld id="{978D8FE9-C6B4-485D-8C4A-C84573A85BD8}" type="slidenum">
@@ -9046,13 +9006,6 @@
   <p:clrMapOvr>
     <a:masterClrMapping/>
   </p:clrMapOvr>
-  <p:timing>
-    <p:tnLst>
-      <p:par>
-        <p:cTn id="1" dur="indefinite" restart="never" nodeType="tmRoot"/>
-      </p:par>
-    </p:tnLst>
-  </p:timing>
 </p:sld>
 </file>
 
@@ -9241,13 +9194,6 @@
   <p:clrMapOvr>
     <a:masterClrMapping/>
   </p:clrMapOvr>
-  <p:timing>
-    <p:tnLst>
-      <p:par>
-        <p:cTn id="1" dur="indefinite" restart="never" nodeType="tmRoot"/>
-      </p:par>
-    </p:tnLst>
-  </p:timing>
 </p:sld>
 </file>
 
@@ -9436,13 +9382,6 @@
   <p:clrMapOvr>
     <a:masterClrMapping/>
   </p:clrMapOvr>
-  <p:timing>
-    <p:tnLst>
-      <p:par>
-        <p:cTn id="1" dur="indefinite" restart="never" nodeType="tmRoot"/>
-      </p:par>
-    </p:tnLst>
-  </p:timing>
 </p:sld>
 </file>
 
@@ -9631,13 +9570,6 @@
   <p:clrMapOvr>
     <a:masterClrMapping/>
   </p:clrMapOvr>
-  <p:timing>
-    <p:tnLst>
-      <p:par>
-        <p:cTn id="1" dur="indefinite" restart="never" nodeType="tmRoot"/>
-      </p:par>
-    </p:tnLst>
-  </p:timing>
 </p:sld>
 </file>
 
@@ -9826,13 +9758,6 @@
   <p:clrMapOvr>
     <a:masterClrMapping/>
   </p:clrMapOvr>
-  <p:timing>
-    <p:tnLst>
-      <p:par>
-        <p:cTn id="1" dur="indefinite" restart="never" nodeType="tmRoot"/>
-      </p:par>
-    </p:tnLst>
-  </p:timing>
 </p:sld>
 </file>
 
@@ -9888,14 +9813,14 @@
           <a:lstStyle/>
           <a:p>
             <a:r>
-              <a:rPr lang="ko-KR" altLang="en-US" sz="1800" dirty="0" smtClean="0">
+              <a:rPr lang="ko-KR" altLang="en-US" sz="1800" dirty="0">
                 <a:solidFill>
                   <a:srgbClr val="FF0000"/>
                 </a:solidFill>
               </a:rPr>
               <a:t>알고리즘 및 변수 정의</a:t>
             </a:r>
-            <a:endParaRPr lang="en-US" altLang="ko-KR" sz="1800" dirty="0" smtClean="0">
+            <a:endParaRPr lang="en-US" altLang="ko-KR" sz="1800" dirty="0">
               <a:solidFill>
                 <a:srgbClr val="FF0000"/>
               </a:solidFill>
@@ -9903,45 +9828,37 @@
           </a:p>
           <a:p>
             <a:r>
-              <a:rPr lang="en-US" altLang="ko-KR" sz="1800" dirty="0" smtClean="0"/>
+              <a:rPr lang="en-US" altLang="ko-KR" sz="1800" dirty="0"/>
               <a:t>First= 1   % </a:t>
             </a:r>
             <a:r>
-              <a:rPr lang="ko-KR" altLang="en-US" sz="1800" dirty="0" smtClean="0"/>
+              <a:rPr lang="ko-KR" altLang="en-US" sz="1800" dirty="0"/>
               <a:t>탐색 부분의 최초 위치 </a:t>
             </a:r>
-            <a:endParaRPr lang="en-US" altLang="ko-KR" sz="1800" dirty="0" smtClean="0"/>
+            <a:endParaRPr lang="en-US" altLang="ko-KR" sz="1800" dirty="0"/>
           </a:p>
           <a:p>
             <a:r>
               <a:rPr lang="en-US" altLang="ko-KR" sz="1800" dirty="0"/>
-              <a:t>L</a:t>
-            </a:r>
-            <a:r>
-              <a:rPr lang="en-US" altLang="ko-KR" sz="1800" dirty="0" smtClean="0"/>
-              <a:t>ast= S</a:t>
-            </a:r>
-            <a:r>
-              <a:rPr lang="ko-KR" altLang="en-US" sz="1800" dirty="0" smtClean="0"/>
+              <a:t>Last= S</a:t>
+            </a:r>
+            <a:r>
+              <a:rPr lang="ko-KR" altLang="en-US" sz="1800" dirty="0"/>
               <a:t>의 길이</a:t>
             </a:r>
             <a:r>
               <a:rPr lang="en-US" altLang="ko-KR" sz="1800" dirty="0"/>
-              <a:t> </a:t>
-            </a:r>
-            <a:r>
-              <a:rPr lang="en-US" altLang="ko-KR" sz="1800" dirty="0" smtClean="0"/>
-              <a:t> % </a:t>
-            </a:r>
-            <a:r>
-              <a:rPr lang="ko-KR" altLang="en-US" sz="1800" dirty="0" smtClean="0"/>
+              <a:t>  % </a:t>
+            </a:r>
+            <a:r>
+              <a:rPr lang="ko-KR" altLang="en-US" sz="1800" dirty="0"/>
               <a:t>탐색 부분의 끝 위치 </a:t>
             </a:r>
-            <a:endParaRPr lang="en-US" altLang="ko-KR" sz="1800" dirty="0" smtClean="0"/>
-          </a:p>
-          <a:p>
-            <a:r>
-              <a:rPr lang="en-US" altLang="ko-KR" sz="1800" dirty="0" smtClean="0">
+            <a:endParaRPr lang="en-US" altLang="ko-KR" sz="1800" dirty="0"/>
+          </a:p>
+          <a:p>
+            <a:r>
+              <a:rPr lang="en-US" altLang="ko-KR" sz="1800" dirty="0">
                 <a:solidFill>
                   <a:srgbClr val="00B050"/>
                 </a:solidFill>
@@ -9949,7 +9866,7 @@
               <a:t> while S </a:t>
             </a:r>
             <a:r>
-              <a:rPr lang="ko-KR" altLang="en-US" sz="1800" dirty="0" smtClean="0">
+              <a:rPr lang="ko-KR" altLang="en-US" sz="1800" dirty="0">
                 <a:solidFill>
                   <a:srgbClr val="00B050"/>
                 </a:solidFill>
@@ -9957,7 +9874,7 @@
               <a:t>와 </a:t>
             </a:r>
             <a:r>
-              <a:rPr lang="en-US" altLang="ko-KR" sz="1800" dirty="0" smtClean="0">
+              <a:rPr lang="en-US" altLang="ko-KR" sz="1800" dirty="0">
                 <a:solidFill>
                   <a:srgbClr val="00B050"/>
                 </a:solidFill>
@@ -9965,7 +9882,7 @@
               <a:t>T(</a:t>
             </a:r>
             <a:r>
-              <a:rPr lang="en-US" altLang="ko-KR" sz="1800" dirty="0" err="1" smtClean="0">
+              <a:rPr lang="en-US" altLang="ko-KR" sz="1800" dirty="0" err="1">
                 <a:solidFill>
                   <a:srgbClr val="00B050"/>
                 </a:solidFill>
@@ -9973,7 +9890,7 @@
               <a:t>First:Last</a:t>
             </a:r>
             <a:r>
-              <a:rPr lang="en-US" altLang="ko-KR" sz="1800" dirty="0" smtClean="0">
+              <a:rPr lang="en-US" altLang="ko-KR" sz="1800" dirty="0">
                 <a:solidFill>
                   <a:srgbClr val="00B050"/>
                 </a:solidFill>
@@ -9981,7 +9898,7 @@
               <a:t>)</a:t>
             </a:r>
             <a:r>
-              <a:rPr lang="ko-KR" altLang="en-US" sz="1800" dirty="0" smtClean="0">
+              <a:rPr lang="ko-KR" altLang="en-US" sz="1800" dirty="0">
                 <a:solidFill>
                   <a:srgbClr val="00B050"/>
                 </a:solidFill>
@@ -9989,7 +9906,7 @@
               <a:t>와 같지 않음</a:t>
             </a:r>
             <a:r>
-              <a:rPr lang="en-US" altLang="ko-KR" sz="1800" dirty="0" smtClean="0">
+              <a:rPr lang="en-US" altLang="ko-KR" sz="1800" dirty="0">
                 <a:solidFill>
                   <a:srgbClr val="00B050"/>
                 </a:solidFill>
@@ -9997,7 +9914,7 @@
               <a:t> &amp;&amp; Last &lt;= T</a:t>
             </a:r>
             <a:r>
-              <a:rPr lang="ko-KR" altLang="en-US" sz="1800" dirty="0" smtClean="0">
+              <a:rPr lang="ko-KR" altLang="en-US" sz="1800" dirty="0">
                 <a:solidFill>
                   <a:srgbClr val="00B050"/>
                 </a:solidFill>
@@ -10005,7 +9922,7 @@
               <a:t>의 길이  </a:t>
             </a:r>
             <a:r>
-              <a:rPr lang="en-US" altLang="ko-KR" sz="1800" dirty="0" smtClean="0">
+              <a:rPr lang="en-US" altLang="ko-KR" sz="1800" dirty="0">
                 <a:solidFill>
                   <a:srgbClr val="00B050"/>
                 </a:solidFill>
@@ -10013,7 +9930,7 @@
               <a:t>% </a:t>
             </a:r>
             <a:r>
-              <a:rPr lang="en-US" altLang="ko-KR" sz="1800" dirty="0" err="1" smtClean="0">
+              <a:rPr lang="en-US" altLang="ko-KR" sz="1800" dirty="0" err="1">
                 <a:solidFill>
                   <a:srgbClr val="00B050"/>
                 </a:solidFill>
@@ -10021,7 +9938,7 @@
               <a:t>strcmp</a:t>
             </a:r>
             <a:r>
-              <a:rPr lang="en-US" altLang="ko-KR" sz="1800" dirty="0" smtClean="0">
+              <a:rPr lang="en-US" altLang="ko-KR" sz="1800" dirty="0">
                 <a:solidFill>
                   <a:srgbClr val="00B050"/>
                 </a:solidFill>
@@ -10029,14 +9946,14 @@
               <a:t> </a:t>
             </a:r>
             <a:r>
-              <a:rPr lang="ko-KR" altLang="en-US" sz="1800" dirty="0" smtClean="0">
+              <a:rPr lang="ko-KR" altLang="en-US" sz="1800" dirty="0">
                 <a:solidFill>
                   <a:srgbClr val="00B050"/>
                 </a:solidFill>
               </a:rPr>
               <a:t>사용</a:t>
             </a:r>
-            <a:endParaRPr lang="en-US" altLang="ko-KR" sz="1800" dirty="0" smtClean="0">
+            <a:endParaRPr lang="en-US" altLang="ko-KR" sz="1800" dirty="0">
               <a:solidFill>
                 <a:srgbClr val="00B050"/>
               </a:solidFill>
@@ -10045,31 +9962,19 @@
           <a:p>
             <a:r>
               <a:rPr lang="en-US" altLang="ko-KR" sz="1800" dirty="0"/>
-              <a:t> </a:t>
-            </a:r>
-            <a:r>
-              <a:rPr lang="en-US" altLang="ko-KR" sz="1800" dirty="0" smtClean="0"/>
-              <a:t>         First = First +1</a:t>
+              <a:t>          First = First +1</a:t>
             </a:r>
           </a:p>
           <a:p>
             <a:r>
               <a:rPr lang="en-US" altLang="ko-KR" sz="1800" dirty="0"/>
-              <a:t> </a:t>
-            </a:r>
-            <a:r>
-              <a:rPr lang="en-US" altLang="ko-KR" sz="1800" dirty="0" smtClean="0"/>
-              <a:t>         Last = Last+1</a:t>
+              <a:t>          Last = Last+1</a:t>
             </a:r>
           </a:p>
           <a:p>
             <a:r>
               <a:rPr lang="en-US" altLang="ko-KR" sz="1800" dirty="0"/>
-              <a:t> </a:t>
-            </a:r>
-            <a:r>
-              <a:rPr lang="en-US" altLang="ko-KR" sz="1800" dirty="0" smtClean="0"/>
-              <a:t>end</a:t>
+              <a:t> end</a:t>
             </a:r>
           </a:p>
           <a:p>
@@ -10079,79 +9984,55 @@
                   <a:srgbClr val="00B050"/>
                 </a:solidFill>
               </a:rPr>
+              <a:t> % Post processing </a:t>
+            </a:r>
+          </a:p>
+          <a:p>
+            <a:r>
+              <a:rPr lang="en-US" altLang="ko-KR" sz="1800" dirty="0"/>
+              <a:t> if T</a:t>
+            </a:r>
+            <a:r>
+              <a:rPr lang="ko-KR" altLang="en-US" sz="1800" dirty="0"/>
+              <a:t>에서 </a:t>
+            </a:r>
+            <a:r>
+              <a:rPr lang="en-US" altLang="ko-KR" sz="1800" dirty="0"/>
+              <a:t>S</a:t>
+            </a:r>
+            <a:r>
+              <a:rPr lang="ko-KR" altLang="en-US" sz="1800" dirty="0"/>
+              <a:t>를 못 찾으면 </a:t>
+            </a:r>
+            <a:endParaRPr lang="en-US" altLang="ko-KR" sz="1800" dirty="0"/>
+          </a:p>
+          <a:p>
+            <a:r>
+              <a:rPr lang="en-US" altLang="ko-KR" sz="1800" dirty="0"/>
+              <a:t>         k= 0</a:t>
+            </a:r>
+            <a:r>
+              <a:rPr lang="ko-KR" altLang="en-US" sz="1800" dirty="0"/>
               <a:t> </a:t>
             </a:r>
-            <a:r>
-              <a:rPr lang="en-US" altLang="ko-KR" sz="1800" dirty="0" smtClean="0">
-                <a:solidFill>
-                  <a:srgbClr val="00B050"/>
-                </a:solidFill>
-              </a:rPr>
-              <a:t>% Post processing </a:t>
-            </a:r>
+            <a:endParaRPr lang="en-US" altLang="ko-KR" sz="1800" dirty="0"/>
           </a:p>
           <a:p>
             <a:r>
               <a:rPr lang="en-US" altLang="ko-KR" sz="1800" dirty="0"/>
-              <a:t> </a:t>
-            </a:r>
-            <a:r>
-              <a:rPr lang="en-US" altLang="ko-KR" sz="1800" dirty="0" smtClean="0"/>
-              <a:t>if T</a:t>
-            </a:r>
-            <a:r>
-              <a:rPr lang="ko-KR" altLang="en-US" sz="1800" dirty="0" smtClean="0"/>
-              <a:t>에서 </a:t>
-            </a:r>
-            <a:r>
-              <a:rPr lang="en-US" altLang="ko-KR" sz="1800" dirty="0" smtClean="0"/>
-              <a:t>S</a:t>
-            </a:r>
-            <a:r>
-              <a:rPr lang="ko-KR" altLang="en-US" sz="1800" dirty="0" smtClean="0"/>
-              <a:t>를 못 찾으면 </a:t>
-            </a:r>
-            <a:endParaRPr lang="en-US" altLang="ko-KR" sz="1800" dirty="0"/>
-          </a:p>
-          <a:p>
-            <a:r>
-              <a:rPr lang="en-US" altLang="ko-KR" sz="1800" dirty="0" smtClean="0"/>
-              <a:t>         k= 0</a:t>
-            </a:r>
-            <a:r>
-              <a:rPr lang="ko-KR" altLang="en-US" sz="1800" dirty="0" smtClean="0"/>
-              <a:t> </a:t>
-            </a:r>
-            <a:endParaRPr lang="en-US" altLang="ko-KR" sz="1800" dirty="0" smtClean="0"/>
+              <a:t> else</a:t>
+            </a:r>
           </a:p>
           <a:p>
             <a:r>
               <a:rPr lang="en-US" altLang="ko-KR" sz="1800" dirty="0"/>
-              <a:t> </a:t>
-            </a:r>
-            <a:r>
-              <a:rPr lang="en-US" altLang="ko-KR" sz="1800" dirty="0" smtClean="0"/>
-              <a:t>else</a:t>
+              <a:t>         k=First</a:t>
             </a:r>
           </a:p>
           <a:p>
             <a:r>
               <a:rPr lang="en-US" altLang="ko-KR" sz="1800" dirty="0"/>
-              <a:t> </a:t>
-            </a:r>
-            <a:r>
-              <a:rPr lang="en-US" altLang="ko-KR" sz="1800" dirty="0" smtClean="0"/>
-              <a:t>        k=First</a:t>
-            </a:r>
-          </a:p>
-          <a:p>
-            <a:r>
-              <a:rPr lang="en-US" altLang="ko-KR" sz="1800" dirty="0"/>
-              <a:t> </a:t>
-            </a:r>
-            <a:r>
-              <a:rPr lang="en-US" altLang="ko-KR" sz="1800" dirty="0" smtClean="0"/>
-              <a:t>end</a:t>
+              <a:t> end</a:t>
             </a:r>
             <a:endParaRPr lang="ko-KR" altLang="en-US" sz="1800" dirty="0"/>
           </a:p>
@@ -10173,7 +10054,7 @@
           <a:lstStyle/>
           <a:p>
             <a:r>
-              <a:rPr lang="en-US" altLang="ko-KR" smtClean="0"/>
+              <a:rPr lang="en-US" altLang="ko-KR"/>
               <a:t> </a:t>
             </a:r>
             <a:fld id="{978D8FE9-C6B4-485D-8C4A-C84573A85BD8}" type="slidenum">
@@ -10195,13 +10076,6 @@
   <p:clrMapOvr>
     <a:masterClrMapping/>
   </p:clrMapOvr>
-  <p:timing>
-    <p:tnLst>
-      <p:par>
-        <p:cTn id="1" dur="indefinite" restart="never" nodeType="tmRoot"/>
-      </p:par>
-    </p:tnLst>
-  </p:timing>
 </p:sld>
 </file>
 
@@ -10293,7 +10167,7 @@
               <a:buNone/>
             </a:pPr>
             <a:r>
-              <a:rPr lang="en-US" altLang="ko-KR" sz="2000" b="1" dirty="0" smtClean="0">
+              <a:rPr lang="en-US" altLang="ko-KR" sz="2000" b="1" dirty="0">
                 <a:solidFill>
                   <a:srgbClr val="FF0000"/>
                 </a:solidFill>
@@ -10311,18 +10185,11 @@
               <a:buNone/>
             </a:pPr>
             <a:r>
-              <a:rPr lang="en-US" altLang="ko-KR" sz="2000" dirty="0" smtClean="0">
-                <a:latin typeface="Courier New" panose="02070309020205020404" pitchFamily="49" charset="0"/>
-                <a:ea typeface="굴림" panose="020B0600000101010101" pitchFamily="50" charset="-127"/>
-              </a:rPr>
-              <a:t>   % </a:t>
-            </a:r>
-            <a:r>
               <a:rPr lang="en-US" altLang="ko-KR" sz="2000" dirty="0">
                 <a:latin typeface="Courier New" panose="02070309020205020404" pitchFamily="49" charset="0"/>
                 <a:ea typeface="굴림" panose="020B0600000101010101" pitchFamily="50" charset="-127"/>
               </a:rPr>
-              <a:t>T</a:t>
+              <a:t>   % T</a:t>
             </a:r>
             <a:r>
               <a:rPr lang="ko-KR" altLang="en-US" sz="2000" dirty="0">
@@ -10343,16 +10210,9 @@
                 <a:latin typeface="Courier New" panose="02070309020205020404" pitchFamily="49" charset="0"/>
                 <a:ea typeface="굴림" panose="020B0600000101010101" pitchFamily="50" charset="-127"/>
               </a:rPr>
-              <a:t>를 못 </a:t>
-            </a:r>
-            <a:r>
-              <a:rPr lang="ko-KR" altLang="en-US" sz="2000" dirty="0" smtClean="0">
-                <a:latin typeface="Courier New" panose="02070309020205020404" pitchFamily="49" charset="0"/>
-                <a:ea typeface="굴림" panose="020B0600000101010101" pitchFamily="50" charset="-127"/>
-              </a:rPr>
-              <a:t>찾으면</a:t>
-            </a:r>
-            <a:endParaRPr lang="en-US" altLang="ko-KR" sz="2000" b="1" dirty="0" smtClean="0">
+              <a:t>를 못 찾으면</a:t>
+            </a:r>
+            <a:endParaRPr lang="en-US" altLang="ko-KR" sz="2000" b="1" dirty="0">
               <a:latin typeface="Courier New" panose="02070309020205020404" pitchFamily="49" charset="0"/>
               <a:ea typeface="굴림" panose="020B0600000101010101" pitchFamily="50" charset="-127"/>
             </a:endParaRPr>
@@ -10366,16 +10226,6 @@
               <a:buNone/>
             </a:pPr>
             <a:r>
-              <a:rPr lang="en-US" altLang="ko-KR" sz="2000" b="1" dirty="0" smtClean="0">
-                <a:solidFill>
-                  <a:srgbClr val="FF0000"/>
-                </a:solidFill>
-                <a:latin typeface="Courier New" panose="02070309020205020404" pitchFamily="49" charset="0"/>
-                <a:ea typeface="굴림" panose="020B0600000101010101" pitchFamily="50" charset="-127"/>
-              </a:rPr>
-              <a:t>if </a:t>
-            </a:r>
-            <a:r>
               <a:rPr lang="en-US" altLang="ko-KR" sz="2000" b="1" dirty="0">
                 <a:solidFill>
                   <a:srgbClr val="FF0000"/>
@@ -10383,17 +10233,7 @@
                 <a:latin typeface="Courier New" panose="02070309020205020404" pitchFamily="49" charset="0"/>
                 <a:ea typeface="굴림" panose="020B0600000101010101" pitchFamily="50" charset="-127"/>
               </a:rPr>
-              <a:t>Last&gt;length(T</a:t>
-            </a:r>
-            <a:r>
-              <a:rPr lang="en-US" altLang="ko-KR" sz="2000" b="1" dirty="0" smtClean="0">
-                <a:solidFill>
-                  <a:srgbClr val="FF0000"/>
-                </a:solidFill>
-                <a:latin typeface="Courier New" panose="02070309020205020404" pitchFamily="49" charset="0"/>
-                <a:ea typeface="굴림" panose="020B0600000101010101" pitchFamily="50" charset="-127"/>
-              </a:rPr>
-              <a:t>) </a:t>
+              <a:t>if Last&gt;length(T) </a:t>
             </a:r>
           </a:p>
           <a:p>
@@ -10409,28 +10249,14 @@
                 <a:latin typeface="Courier New" panose="02070309020205020404" pitchFamily="49" charset="0"/>
                 <a:ea typeface="굴림" panose="020B0600000101010101" pitchFamily="50" charset="-127"/>
               </a:rPr>
-              <a:t> </a:t>
-            </a:r>
-            <a:r>
-              <a:rPr lang="en-US" altLang="ko-KR" sz="2000" dirty="0" smtClean="0">
-                <a:latin typeface="Courier New" panose="02070309020205020404" pitchFamily="49" charset="0"/>
-                <a:ea typeface="굴림" panose="020B0600000101010101" pitchFamily="50" charset="-127"/>
-              </a:rPr>
-              <a:t>  </a:t>
-            </a:r>
-            <a:r>
-              <a:rPr lang="en-US" altLang="ko-KR" sz="2000" b="1" dirty="0" smtClean="0">
-                <a:latin typeface="Courier New" panose="02070309020205020404" pitchFamily="49" charset="0"/>
-                <a:ea typeface="굴림" panose="020B0600000101010101" pitchFamily="50" charset="-127"/>
-              </a:rPr>
-              <a:t>k=0</a:t>
+              <a:t>   </a:t>
             </a:r>
             <a:r>
               <a:rPr lang="en-US" altLang="ko-KR" sz="2000" b="1" dirty="0">
                 <a:latin typeface="Courier New" panose="02070309020205020404" pitchFamily="49" charset="0"/>
                 <a:ea typeface="굴림" panose="020B0600000101010101" pitchFamily="50" charset="-127"/>
               </a:rPr>
-              <a:t>;</a:t>
+              <a:t>k=0;</a:t>
             </a:r>
           </a:p>
           <a:p>
@@ -10462,31 +10288,24 @@
                 <a:latin typeface="Courier New" panose="02070309020205020404" pitchFamily="49" charset="0"/>
                 <a:ea typeface="굴림" panose="020B0600000101010101" pitchFamily="50" charset="-127"/>
               </a:rPr>
-              <a:t>   % </a:t>
-            </a:r>
-            <a:r>
-              <a:rPr lang="en-US" altLang="ko-KR" sz="2000" b="1" dirty="0" smtClean="0">
+              <a:t>   % T</a:t>
+            </a:r>
+            <a:r>
+              <a:rPr lang="ko-KR" altLang="en-US" sz="2000" b="1" dirty="0">
                 <a:latin typeface="Courier New" panose="02070309020205020404" pitchFamily="49" charset="0"/>
                 <a:ea typeface="굴림" panose="020B0600000101010101" pitchFamily="50" charset="-127"/>
               </a:rPr>
-              <a:t>T</a:t>
-            </a:r>
-            <a:r>
-              <a:rPr lang="ko-KR" altLang="en-US" sz="2000" b="1" dirty="0" smtClean="0">
+              <a:t>에서 </a:t>
+            </a:r>
+            <a:r>
+              <a:rPr lang="en-US" altLang="ko-KR" sz="2000" dirty="0">
                 <a:latin typeface="Courier New" panose="02070309020205020404" pitchFamily="49" charset="0"/>
                 <a:ea typeface="굴림" panose="020B0600000101010101" pitchFamily="50" charset="-127"/>
               </a:rPr>
-              <a:t>에서 </a:t>
-            </a:r>
-            <a:r>
-              <a:rPr lang="en-US" altLang="ko-KR" sz="2000" dirty="0" smtClean="0">
-                <a:latin typeface="Courier New" panose="02070309020205020404" pitchFamily="49" charset="0"/>
-                <a:ea typeface="굴림" panose="020B0600000101010101" pitchFamily="50" charset="-127"/>
-              </a:rPr>
               <a:t>S</a:t>
             </a:r>
             <a:r>
-              <a:rPr lang="ko-KR" altLang="en-US" sz="2000" dirty="0" smtClean="0">
+              <a:rPr lang="ko-KR" altLang="en-US" sz="2000" dirty="0">
                 <a:latin typeface="Courier New" panose="02070309020205020404" pitchFamily="49" charset="0"/>
                 <a:ea typeface="굴림" panose="020B0600000101010101" pitchFamily="50" charset="-127"/>
               </a:rPr>
@@ -10615,13 +10434,6 @@
   <p:clrMapOvr>
     <a:masterClrMapping/>
   </p:clrMapOvr>
-  <p:timing>
-    <p:tnLst>
-      <p:par>
-        <p:cTn id="1" dur="indefinite" restart="never" nodeType="tmRoot"/>
-      </p:par>
-    </p:tnLst>
-  </p:timing>
 </p:sld>
 </file>
 
@@ -10677,7 +10489,7 @@
           <a:lstStyle/>
           <a:p>
             <a:r>
-              <a:rPr lang="en-US" altLang="ko-KR" sz="2400" dirty="0" smtClean="0">
+              <a:rPr lang="en-US" altLang="ko-KR" sz="2400" dirty="0">
                 <a:solidFill>
                   <a:srgbClr val="FF0000"/>
                 </a:solidFill>
@@ -10685,78 +10497,78 @@
               <a:t>A string is an array of characters enclosed with single quotes</a:t>
             </a:r>
             <a:r>
-              <a:rPr lang="en-US" altLang="ko-KR" sz="2400" dirty="0" smtClean="0"/>
+              <a:rPr lang="en-US" altLang="ko-KR" sz="2400" dirty="0"/>
               <a:t>. All charters are allowed</a:t>
             </a:r>
           </a:p>
           <a:p>
             <a:r>
-              <a:rPr lang="ko-KR" altLang="en-US" sz="2400" dirty="0" smtClean="0"/>
+              <a:rPr lang="ko-KR" altLang="en-US" sz="2400" dirty="0"/>
               <a:t>문자열로 정의할 데이터의 앞뒤에는 작은 따옴표를 붙인다</a:t>
             </a:r>
-            <a:endParaRPr lang="en-US" altLang="ko-KR" sz="2400" dirty="0" smtClean="0"/>
-          </a:p>
-          <a:p>
-            <a:r>
-              <a:rPr lang="en-US" altLang="ko-KR" sz="2400" dirty="0" smtClean="0"/>
+            <a:endParaRPr lang="en-US" altLang="ko-KR" sz="2400" dirty="0"/>
+          </a:p>
+          <a:p>
+            <a:r>
+              <a:rPr lang="en-US" altLang="ko-KR" sz="2400" dirty="0"/>
               <a:t>&gt;&gt; H=‘holly’;</a:t>
             </a:r>
           </a:p>
           <a:p>
             <a:r>
-              <a:rPr lang="en-US" altLang="ko-KR" sz="2400" dirty="0" smtClean="0"/>
+              <a:rPr lang="en-US" altLang="ko-KR" sz="2400" dirty="0"/>
               <a:t>% </a:t>
             </a:r>
             <a:r>
-              <a:rPr lang="ko-KR" altLang="en-US" sz="2400" dirty="0" smtClean="0"/>
+              <a:rPr lang="ko-KR" altLang="en-US" sz="2400" dirty="0"/>
               <a:t>크기가 </a:t>
             </a:r>
             <a:r>
-              <a:rPr lang="en-US" altLang="ko-KR" sz="2400" dirty="0" smtClean="0"/>
+              <a:rPr lang="en-US" altLang="ko-KR" sz="2400" dirty="0"/>
               <a:t>1x5 </a:t>
             </a:r>
             <a:r>
-              <a:rPr lang="ko-KR" altLang="en-US" sz="2400" dirty="0" smtClean="0"/>
+              <a:rPr lang="ko-KR" altLang="en-US" sz="2400" dirty="0"/>
               <a:t>인 문자 배열 </a:t>
             </a:r>
             <a:r>
-              <a:rPr lang="en-US" altLang="ko-KR" sz="2400" dirty="0" smtClean="0"/>
+              <a:rPr lang="en-US" altLang="ko-KR" sz="2400" dirty="0"/>
               <a:t>(char array) H </a:t>
             </a:r>
             <a:r>
-              <a:rPr lang="ko-KR" altLang="en-US" sz="2400" dirty="0" smtClean="0"/>
+              <a:rPr lang="ko-KR" altLang="en-US" sz="2400" dirty="0"/>
               <a:t>생성</a:t>
             </a:r>
             <a:endParaRPr lang="en-US" altLang="ko-KR" sz="2400" dirty="0"/>
           </a:p>
           <a:p>
             <a:r>
-              <a:rPr lang="en-US" altLang="ko-KR" sz="2400" dirty="0" smtClean="0"/>
+              <a:rPr lang="en-US" altLang="ko-KR" sz="2400" dirty="0"/>
               <a:t>% </a:t>
             </a:r>
             <a:r>
-              <a:rPr lang="ko-KR" altLang="en-US" sz="2400" dirty="0" smtClean="0"/>
+              <a:rPr lang="ko-KR" altLang="en-US" sz="2400" dirty="0"/>
               <a:t>여기서 문자열의 각 문자는 이 배열을 구성하는 원소</a:t>
             </a:r>
-            <a:endParaRPr lang="en-US" altLang="ko-KR" sz="2400" dirty="0" smtClean="0"/>
-          </a:p>
-          <a:p>
-            <a:r>
-              <a:rPr lang="en-US" altLang="ko-KR" sz="2400" dirty="0" smtClean="0"/>
+            <a:endParaRPr lang="en-US" altLang="ko-KR" sz="2400" dirty="0"/>
+          </a:p>
+          <a:p>
+            <a:r>
+              <a:rPr lang="en-US" altLang="ko-KR" sz="2400" dirty="0"/>
               <a:t>&gt;&gt; </a:t>
             </a:r>
             <a:r>
-              <a:rPr lang="en-US" altLang="ko-KR" sz="2400" dirty="0" err="1" smtClean="0"/>
+              <a:rPr lang="en-US" altLang="ko-KR" sz="2400" dirty="0" err="1"/>
               <a:t>whos</a:t>
             </a:r>
             <a:r>
-              <a:rPr lang="en-US" altLang="ko-KR" sz="2400" dirty="0" smtClean="0"/>
+              <a:rPr lang="en-US" altLang="ko-KR" sz="2400" dirty="0"/>
               <a:t> H</a:t>
             </a:r>
           </a:p>
           <a:p>
             <a:r>
-              <a:rPr lang="en-US" altLang="ko-KR" sz="2400" dirty="0" smtClean="0"/>
+              <a:rPr lang="en-US" altLang="ko-KR" sz="2400" dirty="0"/>
               <a:t>&gt;&gt; H(5)</a:t>
             </a:r>
             <a:endParaRPr lang="ko-KR" altLang="en-US" sz="2400" dirty="0"/>
@@ -10779,7 +10591,7 @@
           <a:lstStyle/>
           <a:p>
             <a:r>
-              <a:rPr lang="en-US" altLang="ko-KR" smtClean="0"/>
+              <a:rPr lang="en-US" altLang="ko-KR"/>
               <a:t> </a:t>
             </a:r>
             <a:fld id="{978D8FE9-C6B4-485D-8C4A-C84573A85BD8}" type="slidenum">
@@ -10801,13 +10613,6 @@
   <p:clrMapOvr>
     <a:masterClrMapping/>
   </p:clrMapOvr>
-  <p:timing>
-    <p:tnLst>
-      <p:par>
-        <p:cTn id="1" dur="indefinite" restart="never" nodeType="tmRoot"/>
-      </p:par>
-    </p:tnLst>
-  </p:timing>
 </p:sld>
 </file>
 
@@ -10863,7 +10668,7 @@
           <a:lstStyle/>
           <a:p>
             <a:r>
-              <a:rPr lang="en-US" altLang="ko-KR" smtClean="0"/>
+              <a:rPr lang="en-US" altLang="ko-KR"/>
               <a:t> </a:t>
             </a:r>
             <a:fld id="{978D8FE9-C6B4-485D-8C4A-C84573A85BD8}" type="slidenum">
@@ -10909,13 +10714,6 @@
   <p:clrMapOvr>
     <a:masterClrMapping/>
   </p:clrMapOvr>
-  <p:timing>
-    <p:tnLst>
-      <p:par>
-        <p:cTn id="1" dur="indefinite" restart="never" nodeType="tmRoot"/>
-      </p:par>
-    </p:tnLst>
-  </p:timing>
 </p:sld>
 </file>
 
@@ -10970,31 +10768,30 @@
           <a:bodyPr/>
           <a:lstStyle/>
           <a:p>
-            <a:endParaRPr lang="en-US" altLang="ko-KR" dirty="0" smtClean="0"/>
-          </a:p>
-          <a:p>
             <a:endParaRPr lang="en-US" altLang="ko-KR" dirty="0"/>
           </a:p>
           <a:p>
-            <a:r>
-              <a:rPr lang="en-US" altLang="ko-KR" dirty="0" smtClean="0"/>
+            <a:endParaRPr lang="en-US" altLang="ko-KR" dirty="0"/>
+          </a:p>
+          <a:p>
+            <a:r>
+              <a:rPr lang="en-US" altLang="ko-KR" dirty="0"/>
               <a:t>Numeric/String conversion</a:t>
             </a:r>
           </a:p>
           <a:p>
             <a:r>
-              <a:rPr lang="ko-KR" altLang="en-US" dirty="0" smtClean="0"/>
+              <a:rPr lang="ko-KR" altLang="en-US" dirty="0"/>
               <a:t>수치</a:t>
             </a:r>
             <a:r>
-              <a:rPr lang="en-US" altLang="ko-KR" dirty="0" smtClean="0"/>
+              <a:rPr lang="en-US" altLang="ko-KR" dirty="0"/>
               <a:t>/</a:t>
             </a:r>
             <a:r>
-              <a:rPr lang="ko-KR" altLang="en-US" dirty="0" smtClean="0"/>
+              <a:rPr lang="ko-KR" altLang="en-US" dirty="0"/>
               <a:t>문자열 변환 </a:t>
             </a:r>
-            <a:endParaRPr lang="ko-KR" altLang="en-US" dirty="0"/>
           </a:p>
         </p:txBody>
       </p:sp>
@@ -11014,7 +10811,7 @@
           <a:lstStyle/>
           <a:p>
             <a:r>
-              <a:rPr lang="en-US" altLang="ko-KR" smtClean="0"/>
+              <a:rPr lang="en-US" altLang="ko-KR"/>
               <a:t> </a:t>
             </a:r>
             <a:fld id="{978D8FE9-C6B4-485D-8C4A-C84573A85BD8}" type="slidenum">
@@ -11036,13 +10833,6 @@
   <p:clrMapOvr>
     <a:masterClrMapping/>
   </p:clrMapOvr>
-  <p:timing>
-    <p:tnLst>
-      <p:par>
-        <p:cTn id="1" dur="indefinite" restart="never" nodeType="tmRoot"/>
-      </p:par>
-    </p:tnLst>
-  </p:timing>
 </p:sld>
 </file>
 
@@ -11334,13 +11124,6 @@
   <p:clrMapOvr>
     <a:masterClrMapping/>
   </p:clrMapOvr>
-  <p:timing>
-    <p:tnLst>
-      <p:par>
-        <p:cTn id="1" dur="indefinite" restart="never" nodeType="tmRoot"/>
-      </p:par>
-    </p:tnLst>
-  </p:timing>
 </p:sld>
 </file>
 
@@ -11661,13 +11444,6 @@
   <p:clrMapOvr>
     <a:masterClrMapping/>
   </p:clrMapOvr>
-  <p:timing>
-    <p:tnLst>
-      <p:par>
-        <p:cTn id="1" dur="indefinite" restart="never" nodeType="tmRoot"/>
-      </p:par>
-    </p:tnLst>
-  </p:timing>
 </p:sld>
 </file>
 
@@ -11862,13 +11638,6 @@
   <p:clrMapOvr>
     <a:masterClrMapping/>
   </p:clrMapOvr>
-  <p:timing>
-    <p:tnLst>
-      <p:par>
-        <p:cTn id="1" dur="indefinite" restart="never" nodeType="tmRoot"/>
-      </p:par>
-    </p:tnLst>
-  </p:timing>
 </p:sld>
 </file>
 
@@ -11952,7 +11721,7 @@
               <a:buNone/>
             </a:pPr>
             <a:r>
-              <a:rPr lang="en-US" altLang="ko-KR" dirty="0" smtClean="0">
+              <a:rPr lang="en-US" altLang="ko-KR" dirty="0">
                 <a:solidFill>
                   <a:srgbClr val="00B050"/>
                 </a:solidFill>
@@ -11961,31 +11730,31 @@
               <a:t>Problem: </a:t>
             </a:r>
             <a:r>
-              <a:rPr lang="ko-KR" altLang="en-US" dirty="0" smtClean="0">
+              <a:rPr lang="ko-KR" altLang="en-US" dirty="0">
                 <a:ea typeface="굴림" panose="020B0600000101010101" pitchFamily="50" charset="-127"/>
               </a:rPr>
               <a:t>다음과 같은 포맷으로 월</a:t>
             </a:r>
             <a:r>
-              <a:rPr lang="en-US" altLang="ko-KR" dirty="0" smtClean="0">
+              <a:rPr lang="en-US" altLang="ko-KR" dirty="0">
                 <a:ea typeface="굴림" panose="020B0600000101010101" pitchFamily="50" charset="-127"/>
               </a:rPr>
               <a:t>/</a:t>
             </a:r>
             <a:r>
-              <a:rPr lang="ko-KR" altLang="en-US" dirty="0" smtClean="0">
+              <a:rPr lang="ko-KR" altLang="en-US" dirty="0">
                 <a:ea typeface="굴림" panose="020B0600000101010101" pitchFamily="50" charset="-127"/>
               </a:rPr>
               <a:t>일이 주어져 있을 때 같은 포맷으로 다음 날을 </a:t>
             </a:r>
             <a:r>
-              <a:rPr lang="ko-KR" altLang="en-US" dirty="0" err="1" smtClean="0">
+              <a:rPr lang="ko-KR" altLang="en-US" dirty="0" err="1">
                 <a:ea typeface="굴림" panose="020B0600000101010101" pitchFamily="50" charset="-127"/>
               </a:rPr>
               <a:t>출력하논</a:t>
             </a:r>
             <a:r>
-              <a:rPr lang="ko-KR" altLang="en-US" dirty="0" smtClean="0">
+              <a:rPr lang="ko-KR" altLang="en-US" dirty="0">
                 <a:ea typeface="굴림" panose="020B0600000101010101" pitchFamily="50" charset="-127"/>
               </a:rPr>
               <a:t> 코드를 작성하라</a:t>
@@ -12055,13 +11824,6 @@
   <p:clrMapOvr>
     <a:masterClrMapping/>
   </p:clrMapOvr>
-  <p:timing>
-    <p:tnLst>
-      <p:par>
-        <p:cTn id="1" dur="indefinite" restart="never" nodeType="tmRoot"/>
-      </p:par>
-    </p:tnLst>
-  </p:timing>
 </p:sld>
 </file>
 
@@ -12136,21 +11898,21 @@
               <a:t>     </a:t>
             </a:r>
             <a:r>
-              <a:rPr lang="ko-KR" altLang="en-US" b="1" dirty="0" smtClean="0">
+              <a:rPr lang="ko-KR" altLang="en-US" b="1" dirty="0">
                 <a:latin typeface="Courier New" panose="02070309020205020404" pitchFamily="49" charset="0"/>
                 <a:ea typeface="굴림" panose="020B0600000101010101" pitchFamily="50" charset="-127"/>
               </a:rPr>
               <a:t>입력</a:t>
             </a:r>
             <a:r>
-              <a:rPr lang="en-US" altLang="ko-KR" b="1" dirty="0" smtClean="0">
+              <a:rPr lang="en-US" altLang="ko-KR" b="1" dirty="0">
                 <a:latin typeface="Courier New" panose="02070309020205020404" pitchFamily="49" charset="0"/>
                 <a:ea typeface="굴림" panose="020B0600000101010101" pitchFamily="50" charset="-127"/>
               </a:rPr>
               <a:t>      </a:t>
             </a:r>
             <a:r>
-              <a:rPr lang="ko-KR" altLang="en-US" b="1" dirty="0" smtClean="0">
+              <a:rPr lang="ko-KR" altLang="en-US" b="1" dirty="0">
                 <a:latin typeface="Courier New" panose="02070309020205020404" pitchFamily="49" charset="0"/>
                 <a:ea typeface="굴림" panose="020B0600000101010101" pitchFamily="50" charset="-127"/>
               </a:rPr>
@@ -12231,13 +11993,6 @@
   <p:clrMapOvr>
     <a:masterClrMapping/>
   </p:clrMapOvr>
-  <p:timing>
-    <p:tnLst>
-      <p:par>
-        <p:cTn id="1" dur="indefinite" restart="never" nodeType="tmRoot"/>
-      </p:par>
-    </p:tnLst>
-  </p:timing>
 </p:sld>
 </file>
 
@@ -12413,63 +12168,56 @@
           <a:lstStyle/>
           <a:p>
             <a:r>
-              <a:rPr lang="en-US" altLang="ko-KR" sz="3200" dirty="0" smtClean="0">
-                <a:latin typeface="Comic Sans MS" panose="030F0702030302020204" pitchFamily="66" charset="0"/>
-                <a:ea typeface="굴림" panose="020B0600000101010101" pitchFamily="50" charset="-127"/>
-              </a:rPr>
-              <a:t>x </a:t>
-            </a:r>
-            <a:r>
               <a:rPr lang="en-US" altLang="ko-KR" sz="3200" dirty="0">
                 <a:latin typeface="Comic Sans MS" panose="030F0702030302020204" pitchFamily="66" charset="0"/>
                 <a:ea typeface="굴림" panose="020B0600000101010101" pitchFamily="50" charset="-127"/>
               </a:rPr>
-              <a:t>= ’02/28’ </a:t>
-            </a:r>
-            <a:r>
-              <a:rPr lang="ko-KR" altLang="en-US" sz="3200" dirty="0" smtClean="0">
+              <a:t>x = ’02/28’ </a:t>
+            </a:r>
+            <a:r>
+              <a:rPr lang="ko-KR" altLang="en-US" sz="3200" dirty="0">
                 <a:latin typeface="Comic Sans MS" panose="030F0702030302020204" pitchFamily="66" charset="0"/>
                 <a:ea typeface="굴림" panose="020B0600000101010101" pitchFamily="50" charset="-127"/>
               </a:rPr>
               <a:t>이라면 </a:t>
             </a:r>
             <a:r>
-              <a:rPr lang="en-US" altLang="ko-KR" sz="3200" dirty="0" smtClean="0">
+              <a:rPr lang="en-US" altLang="ko-KR" sz="3200" dirty="0">
                 <a:latin typeface="Comic Sans MS" panose="030F0702030302020204" pitchFamily="66" charset="0"/>
                 <a:ea typeface="굴림" panose="020B0600000101010101" pitchFamily="50" charset="-127"/>
               </a:rPr>
               <a:t>month</a:t>
             </a:r>
             <a:r>
-              <a:rPr lang="ko-KR" altLang="en-US" sz="3200" dirty="0" smtClean="0">
+              <a:rPr lang="ko-KR" altLang="en-US" sz="3200" dirty="0">
                 <a:latin typeface="Comic Sans MS" panose="030F0702030302020204" pitchFamily="66" charset="0"/>
                 <a:ea typeface="굴림" panose="020B0600000101010101" pitchFamily="50" charset="-127"/>
               </a:rPr>
               <a:t>에는 숫자 </a:t>
             </a:r>
             <a:r>
-              <a:rPr lang="en-US" altLang="ko-KR" sz="3200" dirty="0" smtClean="0">
+              <a:rPr lang="en-US" altLang="ko-KR" sz="3200" dirty="0">
                 <a:latin typeface="Comic Sans MS" panose="030F0702030302020204" pitchFamily="66" charset="0"/>
                 <a:ea typeface="굴림" panose="020B0600000101010101" pitchFamily="50" charset="-127"/>
               </a:rPr>
               <a:t>2, day</a:t>
             </a:r>
             <a:r>
-              <a:rPr lang="ko-KR" altLang="en-US" sz="3200" dirty="0" smtClean="0">
+              <a:rPr lang="ko-KR" altLang="en-US" sz="3200" dirty="0">
                 <a:latin typeface="Comic Sans MS" panose="030F0702030302020204" pitchFamily="66" charset="0"/>
                 <a:ea typeface="굴림" panose="020B0600000101010101" pitchFamily="50" charset="-127"/>
               </a:rPr>
               <a:t>에는 숫자 </a:t>
             </a:r>
             <a:r>
-              <a:rPr lang="en-US" altLang="ko-KR" sz="3200" dirty="0" smtClean="0">
+              <a:rPr lang="en-US" altLang="ko-KR" sz="3200" dirty="0">
                 <a:latin typeface="Comic Sans MS" panose="030F0702030302020204" pitchFamily="66" charset="0"/>
                 <a:ea typeface="굴림" panose="020B0600000101010101" pitchFamily="50" charset="-127"/>
               </a:rPr>
               <a:t>28</a:t>
             </a:r>
             <a:r>
-              <a:rPr lang="ko-KR" altLang="en-US" sz="3200" dirty="0" smtClean="0">
+              <a:rPr lang="ko-KR" altLang="en-US" sz="3200" dirty="0">
                 <a:latin typeface="Comic Sans MS" panose="030F0702030302020204" pitchFamily="66" charset="0"/>
                 <a:ea typeface="굴림" panose="020B0600000101010101" pitchFamily="50" charset="-127"/>
               </a:rPr>
@@ -12492,13 +12240,6 @@
   <p:clrMapOvr>
     <a:masterClrMapping/>
   </p:clrMapOvr>
-  <p:timing>
-    <p:tnLst>
-      <p:par>
-        <p:cTn id="1" dur="indefinite" restart="never" nodeType="tmRoot"/>
-      </p:par>
-    </p:tnLst>
-  </p:timing>
 </p:sld>
 </file>
 
@@ -12565,7 +12306,7 @@
               <a:buFontTx/>
               <a:buNone/>
             </a:pPr>
-            <a:endParaRPr lang="en-US" altLang="ko-KR" sz="2800" b="1" dirty="0" smtClean="0">
+            <a:endParaRPr lang="en-US" altLang="ko-KR" sz="2800" b="1" dirty="0">
               <a:latin typeface="Courier New" panose="02070309020205020404" pitchFamily="49" charset="0"/>
               <a:ea typeface="굴림" panose="020B0600000101010101" pitchFamily="50" charset="-127"/>
             </a:endParaRPr>
@@ -12586,25 +12327,18 @@
               <a:buNone/>
             </a:pPr>
             <a:r>
-              <a:rPr lang="en-US" altLang="ko-KR" sz="2800" b="1" dirty="0" smtClean="0">
-                <a:latin typeface="Courier New" panose="02070309020205020404" pitchFamily="49" charset="0"/>
-                <a:ea typeface="굴림" panose="020B0600000101010101" pitchFamily="50" charset="-127"/>
-              </a:rPr>
-              <a:t>L </a:t>
-            </a:r>
-            <a:r>
               <a:rPr lang="en-US" altLang="ko-KR" sz="2800" b="1" dirty="0">
                 <a:latin typeface="Courier New" panose="02070309020205020404" pitchFamily="49" charset="0"/>
                 <a:ea typeface="굴림" panose="020B0600000101010101" pitchFamily="50" charset="-127"/>
               </a:rPr>
-              <a:t>= [31 28 31 30 31 30 31 31 30 31 30 31];</a:t>
+              <a:t>L = [31 28 31 30 31 30 31 31 30 31 30 31];</a:t>
             </a:r>
           </a:p>
           <a:p>
             <a:pPr>
               <a:buNone/>
             </a:pPr>
-            <a:endParaRPr lang="en-US" altLang="ko-KR" sz="2800" dirty="0" smtClean="0">
+            <a:endParaRPr lang="en-US" altLang="ko-KR" sz="2800" dirty="0">
               <a:solidFill>
                 <a:srgbClr val="006600"/>
               </a:solidFill>
@@ -12617,7 +12351,7 @@
               <a:buNone/>
             </a:pPr>
             <a:r>
-              <a:rPr lang="en-US" altLang="ko-KR" sz="2800" dirty="0" smtClean="0">
+              <a:rPr lang="en-US" altLang="ko-KR" sz="2800" dirty="0">
                 <a:solidFill>
                   <a:srgbClr val="006600"/>
                 </a:solidFill>
@@ -12660,32 +12394,25 @@
               <a:buNone/>
             </a:pPr>
             <a:r>
-              <a:rPr lang="en-US" altLang="ko-KR" sz="2800" b="1" dirty="0" smtClean="0">
-                <a:latin typeface="Courier New" panose="02070309020205020404" pitchFamily="49" charset="0"/>
-                <a:ea typeface="굴림" panose="020B0600000101010101" pitchFamily="50" charset="-127"/>
-              </a:rPr>
-              <a:t>      </a:t>
-            </a:r>
-            <a:r>
-              <a:rPr lang="en-US" altLang="ko-KR" sz="2800" b="1" dirty="0" err="1" smtClean="0">
-                <a:latin typeface="Courier New" panose="02070309020205020404" pitchFamily="49" charset="0"/>
-                <a:ea typeface="굴림" panose="020B0600000101010101" pitchFamily="50" charset="-127"/>
-              </a:rPr>
-              <a:t>newDay</a:t>
-            </a:r>
-            <a:r>
-              <a:rPr lang="en-US" altLang="ko-KR" sz="2800" b="1" dirty="0" smtClean="0">
-                <a:latin typeface="Courier New" panose="02070309020205020404" pitchFamily="49" charset="0"/>
-                <a:ea typeface="굴림" panose="020B0600000101010101" pitchFamily="50" charset="-127"/>
-              </a:rPr>
-              <a:t> </a:t>
-            </a:r>
-            <a:r>
               <a:rPr lang="en-US" altLang="ko-KR" sz="2800" b="1" dirty="0">
                 <a:latin typeface="Courier New" panose="02070309020205020404" pitchFamily="49" charset="0"/>
                 <a:ea typeface="굴림" panose="020B0600000101010101" pitchFamily="50" charset="-127"/>
               </a:rPr>
-              <a:t>= day+1;</a:t>
+              <a:t>      </a:t>
+            </a:r>
+            <a:r>
+              <a:rPr lang="en-US" altLang="ko-KR" sz="2800" b="1" dirty="0" err="1">
+                <a:latin typeface="Courier New" panose="02070309020205020404" pitchFamily="49" charset="0"/>
+                <a:ea typeface="굴림" panose="020B0600000101010101" pitchFamily="50" charset="-127"/>
+              </a:rPr>
+              <a:t>newDay</a:t>
+            </a:r>
+            <a:r>
+              <a:rPr lang="en-US" altLang="ko-KR" sz="2800" b="1" dirty="0">
+                <a:latin typeface="Courier New" panose="02070309020205020404" pitchFamily="49" charset="0"/>
+                <a:ea typeface="굴림" panose="020B0600000101010101" pitchFamily="50" charset="-127"/>
+              </a:rPr>
+              <a:t> = day+1;</a:t>
             </a:r>
           </a:p>
           <a:p>
@@ -12736,13 +12463,6 @@
   <p:clrMapOvr>
     <a:masterClrMapping/>
   </p:clrMapOvr>
-  <p:timing>
-    <p:tnLst>
-      <p:par>
-        <p:cTn id="1" dur="indefinite" restart="never" nodeType="tmRoot"/>
-      </p:par>
-    </p:tnLst>
-  </p:timing>
 </p:sld>
 </file>
 
@@ -12809,7 +12529,7 @@
               <a:buNone/>
             </a:pPr>
             <a:r>
-              <a:rPr lang="en-US" altLang="ko-KR" sz="2400" dirty="0" smtClean="0">
+              <a:rPr lang="en-US" altLang="ko-KR" sz="2400" dirty="0">
                 <a:solidFill>
                   <a:srgbClr val="006600"/>
                 </a:solidFill>
@@ -12828,23 +12548,6 @@
               </a:rPr>
               <a:t>내일이 다음 달에 있음 </a:t>
             </a:r>
-            <a:endParaRPr lang="en-US" altLang="ko-KR" sz="2400" b="1" dirty="0" smtClean="0">
-              <a:latin typeface="Courier New" panose="02070309020205020404" pitchFamily="49" charset="0"/>
-              <a:ea typeface="굴림" panose="020B0600000101010101" pitchFamily="50" charset="-127"/>
-            </a:endParaRPr>
-          </a:p>
-          <a:p>
-            <a:pPr>
-              <a:buFontTx/>
-              <a:buNone/>
-            </a:pPr>
-            <a:r>
-              <a:rPr lang="en-US" altLang="ko-KR" sz="2400" b="1" dirty="0" smtClean="0">
-                <a:latin typeface="Courier New" panose="02070309020205020404" pitchFamily="49" charset="0"/>
-                <a:ea typeface="굴림" panose="020B0600000101010101" pitchFamily="50" charset="-127"/>
-              </a:rPr>
-              <a:t>else</a:t>
-            </a:r>
             <a:endParaRPr lang="en-US" altLang="ko-KR" sz="2400" b="1" dirty="0">
               <a:latin typeface="Courier New" panose="02070309020205020404" pitchFamily="49" charset="0"/>
               <a:ea typeface="굴림" panose="020B0600000101010101" pitchFamily="50" charset="-127"/>
@@ -12856,32 +12559,38 @@
               <a:buNone/>
             </a:pPr>
             <a:r>
-              <a:rPr lang="en-US" altLang="ko-KR" sz="2400" b="1" dirty="0" smtClean="0">
-                <a:latin typeface="Courier New" panose="02070309020205020404" pitchFamily="49" charset="0"/>
-                <a:ea typeface="굴림" panose="020B0600000101010101" pitchFamily="50" charset="-127"/>
-              </a:rPr>
-              <a:t>      </a:t>
-            </a:r>
-            <a:r>
-              <a:rPr lang="en-US" altLang="ko-KR" sz="2400" b="1" dirty="0" err="1" smtClean="0">
-                <a:latin typeface="Courier New" panose="02070309020205020404" pitchFamily="49" charset="0"/>
-                <a:ea typeface="굴림" panose="020B0600000101010101" pitchFamily="50" charset="-127"/>
-              </a:rPr>
-              <a:t>newDay</a:t>
-            </a:r>
-            <a:r>
-              <a:rPr lang="en-US" altLang="ko-KR" sz="2400" b="1" dirty="0" smtClean="0">
-                <a:latin typeface="Courier New" panose="02070309020205020404" pitchFamily="49" charset="0"/>
-                <a:ea typeface="굴림" panose="020B0600000101010101" pitchFamily="50" charset="-127"/>
-              </a:rPr>
-              <a:t> </a:t>
-            </a:r>
-            <a:r>
               <a:rPr lang="en-US" altLang="ko-KR" sz="2400" b="1" dirty="0">
                 <a:latin typeface="Courier New" panose="02070309020205020404" pitchFamily="49" charset="0"/>
                 <a:ea typeface="굴림" panose="020B0600000101010101" pitchFamily="50" charset="-127"/>
               </a:rPr>
-              <a:t>= 1;</a:t>
+              <a:t>else</a:t>
+            </a:r>
+          </a:p>
+          <a:p>
+            <a:pPr>
+              <a:buFontTx/>
+              <a:buNone/>
+            </a:pPr>
+            <a:r>
+              <a:rPr lang="en-US" altLang="ko-KR" sz="2400" b="1" dirty="0">
+                <a:latin typeface="Courier New" panose="02070309020205020404" pitchFamily="49" charset="0"/>
+                <a:ea typeface="굴림" panose="020B0600000101010101" pitchFamily="50" charset="-127"/>
+              </a:rPr>
+              <a:t>      </a:t>
+            </a:r>
+            <a:r>
+              <a:rPr lang="en-US" altLang="ko-KR" sz="2400" b="1" dirty="0" err="1">
+                <a:latin typeface="Courier New" panose="02070309020205020404" pitchFamily="49" charset="0"/>
+                <a:ea typeface="굴림" panose="020B0600000101010101" pitchFamily="50" charset="-127"/>
+              </a:rPr>
+              <a:t>newDay</a:t>
+            </a:r>
+            <a:r>
+              <a:rPr lang="en-US" altLang="ko-KR" sz="2400" b="1" dirty="0">
+                <a:latin typeface="Courier New" panose="02070309020205020404" pitchFamily="49" charset="0"/>
+                <a:ea typeface="굴림" panose="020B0600000101010101" pitchFamily="50" charset="-127"/>
+              </a:rPr>
+              <a:t> = 1;</a:t>
             </a:r>
           </a:p>
           <a:p>
@@ -12995,13 +12704,6 @@
   <p:clrMapOvr>
     <a:masterClrMapping/>
   </p:clrMapOvr>
-  <p:timing>
-    <p:tnLst>
-      <p:par>
-        <p:cTn id="1" dur="indefinite" restart="never" nodeType="tmRoot"/>
-      </p:par>
-    </p:tnLst>
-  </p:timing>
 </p:sld>
 </file>
 
@@ -13057,7 +12759,7 @@
           <a:lstStyle/>
           <a:p>
             <a:r>
-              <a:rPr lang="en-US" altLang="ko-KR" smtClean="0"/>
+              <a:rPr lang="en-US" altLang="ko-KR"/>
               <a:t> </a:t>
             </a:r>
             <a:fld id="{978D8FE9-C6B4-485D-8C4A-C84573A85BD8}" type="slidenum">
@@ -13097,7 +12799,7 @@
                 <a:gridCol w="4648200">
                   <a:extLst>
                     <a:ext uri="{9D8B030D-6E8A-4147-A177-3AD203B41FA5}">
-                      <a16:colId xmlns="" xmlns:a16="http://schemas.microsoft.com/office/drawing/2014/main" val="3514801680"/>
+                      <a16:colId xmlns:a16="http://schemas.microsoft.com/office/drawing/2014/main" val="3514801680"/>
                     </a:ext>
                   </a:extLst>
                 </a:gridCol>
@@ -13109,7 +12811,7 @@
                     <a:lstStyle/>
                     <a:p>
                       <a:r>
-                        <a:rPr lang="en-US" altLang="ko-KR" sz="2400" b="0" i="0" u="none" strike="noStrike" kern="1200" baseline="0" dirty="0" smtClean="0">
+                        <a:rPr lang="en-US" altLang="ko-KR" sz="2400" b="0" i="0" u="none" strike="noStrike" kern="1200" baseline="0" dirty="0">
                           <a:solidFill>
                             <a:schemeClr val="lt1"/>
                           </a:solidFill>
@@ -13122,7 +12824,7 @@
                     </a:p>
                     <a:p>
                       <a:r>
-                        <a:rPr lang="en-US" altLang="ko-KR" sz="2400" b="0" i="0" u="none" strike="noStrike" kern="1200" baseline="0" dirty="0" smtClean="0">
+                        <a:rPr lang="en-US" altLang="ko-KR" sz="2400" b="0" i="0" u="none" strike="noStrike" kern="1200" baseline="0" dirty="0">
                           <a:solidFill>
                             <a:schemeClr val="lt1"/>
                           </a:solidFill>
@@ -13135,7 +12837,7 @@
                     </a:p>
                     <a:p>
                       <a:r>
-                        <a:rPr lang="en-US" altLang="ko-KR" sz="2400" b="0" i="0" u="none" strike="noStrike" kern="1200" baseline="0" dirty="0" smtClean="0">
+                        <a:rPr lang="en-US" altLang="ko-KR" sz="2400" b="0" i="0" u="none" strike="noStrike" kern="1200" baseline="0" dirty="0">
                           <a:solidFill>
                             <a:schemeClr val="lt1"/>
                           </a:solidFill>
@@ -13155,7 +12857,7 @@
                 </a:tc>
                 <a:extLst>
                   <a:ext uri="{0D108BD9-81ED-4DB2-BD59-A6C34878D82A}">
-                    <a16:rowId xmlns="" xmlns:a16="http://schemas.microsoft.com/office/drawing/2014/main" val="2916150061"/>
+                    <a16:rowId xmlns:a16="http://schemas.microsoft.com/office/drawing/2014/main" val="2916150061"/>
                   </a:ext>
                 </a:extLst>
               </a:tr>
@@ -13197,13 +12899,6 @@
   <p:clrMapOvr>
     <a:masterClrMapping/>
   </p:clrMapOvr>
-  <p:timing>
-    <p:tnLst>
-      <p:par>
-        <p:cTn id="1" dur="indefinite" restart="never" nodeType="tmRoot"/>
-      </p:par>
-    </p:tnLst>
-  </p:timing>
 </p:sld>
 </file>
 
@@ -13303,12 +12998,6 @@
               </a:rPr>
               <a:t> </a:t>
             </a:r>
-            <a:endParaRPr lang="en-US" altLang="ko-KR" dirty="0" smtClean="0">
-              <a:solidFill>
-                <a:srgbClr val="FF0000"/>
-              </a:solidFill>
-              <a:ea typeface="굴림" panose="020B0600000101010101" pitchFamily="50" charset="-127"/>
-            </a:endParaRPr>
           </a:p>
           <a:p>
             <a:pPr>
@@ -13316,40 +13005,13 @@
               <a:buNone/>
             </a:pPr>
             <a:r>
-              <a:rPr lang="ko-KR" altLang="en-US" dirty="0" err="1" smtClean="0">
+              <a:rPr lang="ko-KR" altLang="en-US" dirty="0" err="1">
                 <a:solidFill>
                   <a:srgbClr val="FF0000"/>
                 </a:solidFill>
                 <a:ea typeface="굴림" panose="020B0600000101010101" pitchFamily="50" charset="-127"/>
               </a:rPr>
               <a:t>수치형</a:t>
-            </a:r>
-            <a:r>
-              <a:rPr lang="ko-KR" altLang="en-US" dirty="0" smtClean="0">
-                <a:solidFill>
-                  <a:srgbClr val="FF0000"/>
-                </a:solidFill>
-                <a:ea typeface="굴림" panose="020B0600000101010101" pitchFamily="50" charset="-127"/>
-              </a:rPr>
-              <a:t> </a:t>
-            </a:r>
-            <a:r>
-              <a:rPr lang="en-US" altLang="ko-KR" dirty="0" err="1" smtClean="0">
-                <a:solidFill>
-                  <a:srgbClr val="FF0000"/>
-                </a:solidFill>
-                <a:ea typeface="굴림" panose="020B0600000101010101" pitchFamily="50" charset="-127"/>
-              </a:rPr>
-              <a:t>newDay</a:t>
-            </a:r>
-            <a:r>
-              <a:rPr lang="ko-KR" altLang="en-US" dirty="0" smtClean="0">
-                <a:solidFill>
-                  <a:srgbClr val="FF0000"/>
-                </a:solidFill>
-                <a:ea typeface="굴림" panose="020B0600000101010101" pitchFamily="50" charset="-127"/>
-              </a:rPr>
-              <a:t>를 </a:t>
             </a:r>
             <a:r>
               <a:rPr lang="ko-KR" altLang="en-US" dirty="0">
@@ -13358,7 +13020,25 @@
                 </a:solidFill>
                 <a:ea typeface="굴림" panose="020B0600000101010101" pitchFamily="50" charset="-127"/>
               </a:rPr>
-              <a:t>문자열로 변환</a:t>
+              <a:t> </a:t>
+            </a:r>
+            <a:r>
+              <a:rPr lang="en-US" altLang="ko-KR" dirty="0" err="1">
+                <a:solidFill>
+                  <a:srgbClr val="FF0000"/>
+                </a:solidFill>
+                <a:ea typeface="굴림" panose="020B0600000101010101" pitchFamily="50" charset="-127"/>
+              </a:rPr>
+              <a:t>newDay</a:t>
+            </a:r>
+            <a:r>
+              <a:rPr lang="ko-KR" altLang="en-US" dirty="0">
+                <a:solidFill>
+                  <a:srgbClr val="FF0000"/>
+                </a:solidFill>
+                <a:ea typeface="굴림" panose="020B0600000101010101" pitchFamily="50" charset="-127"/>
+              </a:rPr>
+              <a:t>를 문자열로 변환</a:t>
             </a:r>
             <a:endParaRPr lang="en-US" altLang="ko-KR" dirty="0">
               <a:solidFill>
@@ -13470,13 +13150,6 @@
   <p:clrMapOvr>
     <a:masterClrMapping/>
   </p:clrMapOvr>
-  <p:timing>
-    <p:tnLst>
-      <p:par>
-        <p:cTn id="1" dur="indefinite" restart="never" nodeType="tmRoot"/>
-      </p:par>
-    </p:tnLst>
-  </p:timing>
 </p:sld>
 </file>
 
@@ -13563,7 +13236,7 @@
               <a:buNone/>
             </a:pPr>
             <a:r>
-              <a:rPr lang="en-US" altLang="ko-KR" dirty="0" smtClean="0">
+              <a:rPr lang="en-US" altLang="ko-KR" dirty="0">
                 <a:solidFill>
                   <a:srgbClr val="FF0000"/>
                 </a:solidFill>
@@ -13572,7 +13245,7 @@
               <a:t> </a:t>
             </a:r>
             <a:r>
-              <a:rPr lang="ko-KR" altLang="en-US" dirty="0" err="1" smtClean="0">
+              <a:rPr lang="ko-KR" altLang="en-US" dirty="0" err="1">
                 <a:solidFill>
                   <a:srgbClr val="FF0000"/>
                 </a:solidFill>
@@ -13581,7 +13254,7 @@
               <a:t>수치형</a:t>
             </a:r>
             <a:r>
-              <a:rPr lang="ko-KR" altLang="en-US" dirty="0" smtClean="0">
+              <a:rPr lang="ko-KR" altLang="en-US" dirty="0">
                 <a:solidFill>
                   <a:srgbClr val="FF0000"/>
                 </a:solidFill>
@@ -13590,7 +13263,7 @@
               <a:t> </a:t>
             </a:r>
             <a:r>
-              <a:rPr lang="en-US" altLang="ko-KR" dirty="0" err="1" smtClean="0">
+              <a:rPr lang="en-US" altLang="ko-KR" dirty="0" err="1">
                 <a:solidFill>
                   <a:srgbClr val="FF0000"/>
                 </a:solidFill>
@@ -13599,7 +13272,7 @@
               <a:t>newMonth</a:t>
             </a:r>
             <a:r>
-              <a:rPr lang="ko-KR" altLang="en-US" dirty="0" smtClean="0">
+              <a:rPr lang="ko-KR" altLang="en-US" dirty="0">
                 <a:solidFill>
                   <a:srgbClr val="FF0000"/>
                 </a:solidFill>
@@ -13707,13 +13380,6 @@
   <p:clrMapOvr>
     <a:masterClrMapping/>
   </p:clrMapOvr>
-  <p:timing>
-    <p:tnLst>
-      <p:par>
-        <p:cTn id="1" dur="indefinite" restart="never" nodeType="tmRoot"/>
-      </p:par>
-    </p:tnLst>
-  </p:timing>
 </p:sld>
 </file>
 
@@ -13829,13 +13495,6 @@
   <p:clrMapOvr>
     <a:masterClrMapping/>
   </p:clrMapOvr>
-  <p:timing>
-    <p:tnLst>
-      <p:par>
-        <p:cTn id="1" dur="indefinite" restart="never" nodeType="tmRoot"/>
-      </p:par>
-    </p:tnLst>
-  </p:timing>
 </p:sld>
 </file>
 
@@ -13891,7 +13550,7 @@
           <a:lstStyle/>
           <a:p>
             <a:r>
-              <a:rPr lang="en-US" altLang="ko-KR" smtClean="0"/>
+              <a:rPr lang="en-US" altLang="ko-KR"/>
               <a:t> </a:t>
             </a:r>
             <a:fld id="{978D8FE9-C6B4-485D-8C4A-C84573A85BD8}" type="slidenum">
@@ -13992,31 +13651,31 @@
           <a:lstStyle/>
           <a:p>
             <a:r>
-              <a:rPr lang="ko-KR" altLang="en-US" dirty="0" smtClean="0"/>
+              <a:rPr lang="ko-KR" altLang="en-US" dirty="0"/>
               <a:t>왜 문자열 </a:t>
             </a:r>
             <a:r>
-              <a:rPr lang="en-US" altLang="ko-KR" dirty="0" smtClean="0"/>
+              <a:rPr lang="en-US" altLang="ko-KR" dirty="0"/>
               <a:t>(string)</a:t>
             </a:r>
             <a:r>
-              <a:rPr lang="ko-KR" altLang="en-US" dirty="0" smtClean="0"/>
+              <a:rPr lang="ko-KR" altLang="en-US" dirty="0"/>
               <a:t>이 중요한가</a:t>
             </a:r>
             <a:r>
-              <a:rPr lang="en-US" altLang="ko-KR" dirty="0" smtClean="0"/>
+              <a:rPr lang="en-US" altLang="ko-KR" dirty="0"/>
               <a:t>?</a:t>
             </a:r>
           </a:p>
           <a:p>
             <a:r>
-              <a:rPr lang="en-US" altLang="ko-KR" dirty="0" smtClean="0"/>
+              <a:rPr lang="en-US" altLang="ko-KR" dirty="0"/>
               <a:t>1. Numerical data often encoded as strings</a:t>
             </a:r>
           </a:p>
           <a:p>
             <a:r>
-              <a:rPr lang="en-US" altLang="ko-KR" dirty="0" smtClean="0"/>
+              <a:rPr lang="en-US" altLang="ko-KR" dirty="0"/>
               <a:t>2. Genomic calculation/search </a:t>
             </a:r>
             <a:endParaRPr lang="ko-KR" altLang="en-US" dirty="0"/>
@@ -14039,7 +13698,7 @@
           <a:lstStyle/>
           <a:p>
             <a:r>
-              <a:rPr lang="en-US" altLang="ko-KR" smtClean="0"/>
+              <a:rPr lang="en-US" altLang="ko-KR"/>
               <a:t> </a:t>
             </a:r>
             <a:fld id="{978D8FE9-C6B4-485D-8C4A-C84573A85BD8}" type="slidenum">
@@ -14061,13 +13720,6 @@
   <p:clrMapOvr>
     <a:masterClrMapping/>
   </p:clrMapOvr>
-  <p:timing>
-    <p:tnLst>
-      <p:par>
-        <p:cTn id="1" dur="indefinite" restart="never" nodeType="tmRoot"/>
-      </p:par>
-    </p:tnLst>
-  </p:timing>
 </p:sld>
 </file>
 
@@ -14123,62 +13775,58 @@
           <a:lstStyle/>
           <a:p>
             <a:r>
-              <a:rPr lang="ko-KR" altLang="en-US" dirty="0" smtClean="0"/>
+              <a:rPr lang="ko-KR" altLang="en-US" dirty="0"/>
               <a:t>예를 들어 어떤 지역 날씨 </a:t>
             </a:r>
             <a:r>
-              <a:rPr lang="en-US" altLang="ko-KR" dirty="0" smtClean="0"/>
+              <a:rPr lang="en-US" altLang="ko-KR" dirty="0"/>
               <a:t>(Ithaca)</a:t>
             </a:r>
             <a:r>
               <a:rPr lang="ko-KR" altLang="en-US" dirty="0"/>
-              <a:t> </a:t>
-            </a:r>
-            <a:r>
-              <a:rPr lang="ko-KR" altLang="en-US" dirty="0" smtClean="0"/>
-              <a:t>데이터를 담은 파일의 경우 문자열로 시작할 수 있다</a:t>
-            </a:r>
-            <a:endParaRPr lang="en-US" altLang="ko-KR" dirty="0" smtClean="0"/>
-          </a:p>
-          <a:p>
+              <a:t> 데이터를 담은 파일의 경우 문자열로 시작할 수 있다</a:t>
+            </a:r>
             <a:endParaRPr lang="en-US" altLang="ko-KR" dirty="0"/>
           </a:p>
           <a:p>
-            <a:endParaRPr lang="en-US" altLang="ko-KR" dirty="0" smtClean="0"/>
-          </a:p>
-          <a:p>
             <a:endParaRPr lang="en-US" altLang="ko-KR" dirty="0"/>
           </a:p>
           <a:p>
-            <a:r>
-              <a:rPr lang="ko-KR" altLang="en-US" dirty="0" smtClean="0"/>
+            <a:endParaRPr lang="en-US" altLang="ko-KR" dirty="0"/>
+          </a:p>
+          <a:p>
+            <a:endParaRPr lang="en-US" altLang="ko-KR" dirty="0"/>
+          </a:p>
+          <a:p>
+            <a:r>
+              <a:rPr lang="ko-KR" altLang="en-US" dirty="0"/>
               <a:t>이런 경우 이를 계산이 가능한 </a:t>
             </a:r>
             <a:r>
-              <a:rPr lang="ko-KR" altLang="en-US" dirty="0" err="1" smtClean="0"/>
+              <a:rPr lang="ko-KR" altLang="en-US" dirty="0" err="1"/>
               <a:t>수치형</a:t>
             </a:r>
             <a:r>
-              <a:rPr lang="ko-KR" altLang="en-US" dirty="0" smtClean="0"/>
+              <a:rPr lang="ko-KR" altLang="en-US" dirty="0"/>
               <a:t> 데이터 </a:t>
             </a:r>
             <a:r>
-              <a:rPr lang="en-US" altLang="ko-KR" dirty="0" smtClean="0"/>
+              <a:rPr lang="en-US" altLang="ko-KR" dirty="0"/>
               <a:t>(</a:t>
             </a:r>
             <a:r>
-              <a:rPr lang="ko-KR" altLang="en-US" dirty="0" smtClean="0"/>
+              <a:rPr lang="ko-KR" altLang="en-US" dirty="0"/>
               <a:t>예</a:t>
             </a:r>
             <a:r>
-              <a:rPr lang="en-US" altLang="ko-KR" dirty="0" smtClean="0"/>
+              <a:rPr lang="en-US" altLang="ko-KR" dirty="0"/>
               <a:t>: double)</a:t>
             </a:r>
             <a:r>
-              <a:rPr lang="ko-KR" altLang="en-US" dirty="0" smtClean="0"/>
+              <a:rPr lang="ko-KR" altLang="en-US" dirty="0"/>
               <a:t>로 변환하기를 원한다 </a:t>
             </a:r>
-            <a:endParaRPr lang="en-US" altLang="ko-KR" dirty="0" smtClean="0"/>
+            <a:endParaRPr lang="en-US" altLang="ko-KR" dirty="0"/>
           </a:p>
           <a:p>
             <a:endParaRPr lang="ko-KR" altLang="en-US" dirty="0"/>
@@ -14201,7 +13849,7 @@
           <a:lstStyle/>
           <a:p>
             <a:r>
-              <a:rPr lang="en-US" altLang="ko-KR" smtClean="0"/>
+              <a:rPr lang="en-US" altLang="ko-KR"/>
               <a:t> </a:t>
             </a:r>
             <a:fld id="{978D8FE9-C6B4-485D-8C4A-C84573A85BD8}" type="slidenum">
@@ -14247,13 +13895,6 @@
   <p:clrMapOvr>
     <a:masterClrMapping/>
   </p:clrMapOvr>
-  <p:timing>
-    <p:tnLst>
-      <p:par>
-        <p:cTn id="1" dur="indefinite" restart="never" nodeType="tmRoot"/>
-      </p:par>
-    </p:tnLst>
-  </p:timing>
 </p:sld>
 </file>
 
@@ -14309,35 +13950,34 @@
           <a:lstStyle/>
           <a:p>
             <a:r>
-              <a:rPr lang="en-US" altLang="ko-KR" dirty="0" smtClean="0"/>
+              <a:rPr lang="en-US" altLang="ko-KR" dirty="0"/>
               <a:t>DNA sequence</a:t>
             </a:r>
             <a:r>
-              <a:rPr lang="ko-KR" altLang="en-US" dirty="0" smtClean="0"/>
+              <a:rPr lang="ko-KR" altLang="en-US" dirty="0"/>
               <a:t>에서 패턴 찾기</a:t>
             </a:r>
-            <a:endParaRPr lang="en-US" altLang="ko-KR" dirty="0" smtClean="0"/>
-          </a:p>
-          <a:p>
             <a:endParaRPr lang="en-US" altLang="ko-KR" dirty="0"/>
           </a:p>
           <a:p>
-            <a:endParaRPr lang="en-US" altLang="ko-KR" dirty="0" smtClean="0"/>
-          </a:p>
-          <a:p>
-            <a:r>
-              <a:rPr lang="ko-KR" altLang="en-US" dirty="0" smtClean="0"/>
+            <a:endParaRPr lang="en-US" altLang="ko-KR" dirty="0"/>
+          </a:p>
+          <a:p>
+            <a:endParaRPr lang="en-US" altLang="ko-KR" dirty="0"/>
+          </a:p>
+          <a:p>
+            <a:r>
+              <a:rPr lang="ko-KR" altLang="en-US" dirty="0"/>
               <a:t>두 </a:t>
             </a:r>
             <a:r>
-              <a:rPr lang="en-US" altLang="ko-KR" dirty="0" smtClean="0"/>
+              <a:rPr lang="en-US" altLang="ko-KR" dirty="0"/>
               <a:t>DNA sequence</a:t>
             </a:r>
             <a:r>
-              <a:rPr lang="ko-KR" altLang="en-US" dirty="0" smtClean="0"/>
+              <a:rPr lang="ko-KR" altLang="en-US" dirty="0"/>
               <a:t>에서의 차이를 수치화  </a:t>
             </a:r>
-            <a:endParaRPr lang="ko-KR" altLang="en-US" dirty="0"/>
           </a:p>
         </p:txBody>
       </p:sp>
@@ -14357,7 +13997,7 @@
           <a:lstStyle/>
           <a:p>
             <a:r>
-              <a:rPr lang="en-US" altLang="ko-KR" smtClean="0"/>
+              <a:rPr lang="en-US" altLang="ko-KR"/>
               <a:t> </a:t>
             </a:r>
             <a:fld id="{978D8FE9-C6B4-485D-8C4A-C84573A85BD8}" type="slidenum">
@@ -14427,13 +14067,6 @@
   <p:clrMapOvr>
     <a:masterClrMapping/>
   </p:clrMapOvr>
-  <p:timing>
-    <p:tnLst>
-      <p:par>
-        <p:cTn id="1" dur="indefinite" restart="never" nodeType="tmRoot"/>
-      </p:par>
-    </p:tnLst>
-  </p:timing>
 </p:sld>
 </file>
 
@@ -14488,14 +14121,14 @@
           <a:bodyPr/>
           <a:lstStyle/>
           <a:p>
-            <a:endParaRPr lang="en-US" altLang="ko-KR" dirty="0" smtClean="0"/>
-          </a:p>
-          <a:p>
             <a:endParaRPr lang="en-US" altLang="ko-KR" dirty="0"/>
           </a:p>
           <a:p>
-            <a:r>
-              <a:rPr lang="en-US" altLang="ko-KR" dirty="0" smtClean="0"/>
+            <a:endParaRPr lang="en-US" altLang="ko-KR" dirty="0"/>
+          </a:p>
+          <a:p>
+            <a:r>
+              <a:rPr lang="en-US" altLang="ko-KR" dirty="0"/>
               <a:t>Working with Strings </a:t>
             </a:r>
           </a:p>
@@ -14520,7 +14153,7 @@
           <a:lstStyle/>
           <a:p>
             <a:r>
-              <a:rPr lang="en-US" altLang="ko-KR" smtClean="0"/>
+              <a:rPr lang="en-US" altLang="ko-KR"/>
               <a:t> </a:t>
             </a:r>
             <a:fld id="{978D8FE9-C6B4-485D-8C4A-C84573A85BD8}" type="slidenum">
@@ -14542,13 +14175,6 @@
   <p:clrMapOvr>
     <a:masterClrMapping/>
   </p:clrMapOvr>
-  <p:timing>
-    <p:tnLst>
-      <p:par>
-        <p:cTn id="1" dur="indefinite" restart="never" nodeType="tmRoot"/>
-      </p:par>
-    </p:tnLst>
-  </p:timing>
 </p:sld>
 </file>
 
@@ -14604,7 +14230,7 @@
           <a:lstStyle/>
           <a:p>
             <a:r>
-              <a:rPr lang="ko-KR" altLang="en-US" dirty="0" smtClean="0">
+              <a:rPr lang="ko-KR" altLang="en-US" dirty="0">
                 <a:solidFill>
                   <a:srgbClr val="FF0000"/>
                 </a:solidFill>
@@ -14612,7 +14238,7 @@
               <a:t>문자열 연결 </a:t>
             </a:r>
             <a:r>
-              <a:rPr lang="en-US" altLang="ko-KR" dirty="0" smtClean="0">
+              <a:rPr lang="en-US" altLang="ko-KR" dirty="0">
                 <a:solidFill>
                   <a:srgbClr val="FF0000"/>
                 </a:solidFill>
@@ -14620,7 +14246,7 @@
               <a:t>(</a:t>
             </a:r>
             <a:r>
-              <a:rPr lang="en-US" altLang="ko-KR" dirty="0" err="1" smtClean="0">
+              <a:rPr lang="en-US" altLang="ko-KR" dirty="0" err="1">
                 <a:solidFill>
                   <a:srgbClr val="FF0000"/>
                 </a:solidFill>
@@ -14628,7 +14254,7 @@
               <a:t>strcat</a:t>
             </a:r>
             <a:r>
-              <a:rPr lang="en-US" altLang="ko-KR" dirty="0" smtClean="0">
+              <a:rPr lang="en-US" altLang="ko-KR" dirty="0">
                 <a:solidFill>
                   <a:srgbClr val="FF0000"/>
                 </a:solidFill>
@@ -14639,26 +14265,18 @@
           <a:p>
             <a:r>
               <a:rPr lang="en-US" altLang="ko-KR" dirty="0"/>
-              <a:t> </a:t>
-            </a:r>
-            <a:r>
-              <a:rPr lang="en-US" altLang="ko-KR" dirty="0" smtClean="0"/>
-              <a:t>&gt;&gt; first=‘bird’;</a:t>
+              <a:t> &gt;&gt; first=‘bird’;</a:t>
             </a:r>
           </a:p>
           <a:p>
             <a:r>
               <a:rPr lang="en-US" altLang="ko-KR" dirty="0"/>
-              <a:t> </a:t>
-            </a:r>
-            <a:r>
-              <a:rPr lang="en-US" altLang="ko-KR" dirty="0" smtClean="0"/>
-              <a:t>&gt;&gt; last=‘house’;</a:t>
-            </a:r>
-          </a:p>
-          <a:p>
-            <a:r>
-              <a:rPr lang="en-US" altLang="ko-KR" dirty="0" smtClean="0">
+              <a:t> &gt;&gt; last=‘house’;</a:t>
+            </a:r>
+          </a:p>
+          <a:p>
+            <a:r>
+              <a:rPr lang="en-US" altLang="ko-KR" dirty="0">
                 <a:solidFill>
                   <a:srgbClr val="FF0000"/>
                 </a:solidFill>
@@ -14666,7 +14284,7 @@
               <a:t>&gt;&gt;R=</a:t>
             </a:r>
             <a:r>
-              <a:rPr lang="en-US" altLang="ko-KR" dirty="0" err="1" smtClean="0">
+              <a:rPr lang="en-US" altLang="ko-KR" dirty="0" err="1">
                 <a:solidFill>
                   <a:srgbClr val="FF0000"/>
                 </a:solidFill>
@@ -14674,7 +14292,7 @@
               <a:t>strcat</a:t>
             </a:r>
             <a:r>
-              <a:rPr lang="en-US" altLang="ko-KR" dirty="0" smtClean="0">
+              <a:rPr lang="en-US" altLang="ko-KR" dirty="0">
                 <a:solidFill>
                   <a:srgbClr val="FF0000"/>
                 </a:solidFill>
@@ -14684,7 +14302,7 @@
           </a:p>
           <a:p>
             <a:r>
-              <a:rPr lang="en-US" altLang="ko-KR" dirty="0" smtClean="0">
+              <a:rPr lang="en-US" altLang="ko-KR" dirty="0">
                 <a:solidFill>
                   <a:srgbClr val="FF0000"/>
                 </a:solidFill>
@@ -14695,11 +14313,7 @@
           <a:p>
             <a:r>
               <a:rPr lang="en-US" altLang="ko-KR" dirty="0"/>
-              <a:t> </a:t>
-            </a:r>
-            <a:r>
-              <a:rPr lang="en-US" altLang="ko-KR" dirty="0" smtClean="0"/>
-              <a:t>R=‘birdhouse’</a:t>
+              <a:t> R=‘birdhouse’</a:t>
             </a:r>
           </a:p>
         </p:txBody>
@@ -14720,7 +14334,7 @@
           <a:lstStyle/>
           <a:p>
             <a:r>
-              <a:rPr lang="en-US" altLang="ko-KR" smtClean="0"/>
+              <a:rPr lang="en-US" altLang="ko-KR"/>
               <a:t> </a:t>
             </a:r>
             <a:fld id="{978D8FE9-C6B4-485D-8C4A-C84573A85BD8}" type="slidenum">
@@ -14742,13 +14356,6 @@
   <p:clrMapOvr>
     <a:masterClrMapping/>
   </p:clrMapOvr>
-  <p:timing>
-    <p:tnLst>
-      <p:par>
-        <p:cTn id="1" dur="indefinite" restart="never" nodeType="tmRoot"/>
-      </p:par>
-    </p:tnLst>
-  </p:timing>
 </p:sld>
 </file>
 
